--- a/_book/plot/unnamed-chunk-55-1.pptx
+++ b/_book/plot/unnamed-chunk-55-1.pptx
@@ -3192,8 +3192,8 @@
           </p:nvSpPr>
           <p:spPr>
             <a:xfrm>
-              <a:off x="2023549" y="1590617"/>
-              <a:ext cx="6913543" cy="4048310"/>
+              <a:off x="2179881" y="1809173"/>
+              <a:ext cx="1295770" cy="3464924"/>
             </a:xfrm>
             <a:prstGeom prst="rect">
               <a:avLst/>
@@ -3218,28 +3218,28 @@
           </p:nvSpPr>
           <p:spPr>
             <a:xfrm>
-              <a:off x="3202739" y="1590617"/>
-              <a:ext cx="0" cy="4048310"/>
+              <a:off x="2179881" y="4656084"/>
+              <a:ext cx="1295770" cy="0"/>
             </a:xfrm>
             <a:custGeom>
               <a:avLst/>
               <a:pathLst>
-                <a:path w="0" h="4048310">
+                <a:path w="1295770" h="0">
                   <a:moveTo>
-                    <a:pt x="0" y="4048310"/>
+                    <a:pt x="0" y="0"/>
                   </a:moveTo>
                   <a:lnTo>
-                    <a:pt x="0" y="0"/>
-                  </a:lnTo>
-                  <a:lnTo>
-                    <a:pt x="0" y="0"/>
+                    <a:pt x="1295770" y="0"/>
+                  </a:lnTo>
+                  <a:lnTo>
+                    <a:pt x="1295770" y="0"/>
                   </a:lnTo>
                 </a:path>
               </a:pathLst>
             </a:custGeom>
-            <a:ln w="3387" cap="flat">
+            <a:ln w="6775" cap="flat">
               <a:solidFill>
-                <a:srgbClr val="DEDEDE">
+                <a:srgbClr val="EBEBEB">
                   <a:alpha val="100000"/>
                 </a:srgbClr>
               </a:solidFill>
@@ -3261,28 +3261,28 @@
           </p:nvSpPr>
           <p:spPr>
             <a:xfrm>
-              <a:off x="5561118" y="1590617"/>
-              <a:ext cx="0" cy="4048310"/>
+              <a:off x="2179881" y="3735052"/>
+              <a:ext cx="1295770" cy="0"/>
             </a:xfrm>
             <a:custGeom>
               <a:avLst/>
               <a:pathLst>
-                <a:path w="0" h="4048310">
+                <a:path w="1295770" h="0">
                   <a:moveTo>
-                    <a:pt x="0" y="4048310"/>
+                    <a:pt x="0" y="0"/>
                   </a:moveTo>
                   <a:lnTo>
-                    <a:pt x="0" y="0"/>
-                  </a:lnTo>
-                  <a:lnTo>
-                    <a:pt x="0" y="0"/>
+                    <a:pt x="1295770" y="0"/>
+                  </a:lnTo>
+                  <a:lnTo>
+                    <a:pt x="1295770" y="0"/>
                   </a:lnTo>
                 </a:path>
               </a:pathLst>
             </a:custGeom>
-            <a:ln w="3387" cap="flat">
+            <a:ln w="6775" cap="flat">
               <a:solidFill>
-                <a:srgbClr val="DEDEDE">
+                <a:srgbClr val="EBEBEB">
                   <a:alpha val="100000"/>
                 </a:srgbClr>
               </a:solidFill>
@@ -3304,28 +3304,28 @@
           </p:nvSpPr>
           <p:spPr>
             <a:xfrm>
-              <a:off x="7919498" y="1590617"/>
-              <a:ext cx="0" cy="4048310"/>
+              <a:off x="2179881" y="2814019"/>
+              <a:ext cx="1295770" cy="0"/>
             </a:xfrm>
             <a:custGeom>
               <a:avLst/>
               <a:pathLst>
-                <a:path w="0" h="4048310">
+                <a:path w="1295770" h="0">
                   <a:moveTo>
-                    <a:pt x="0" y="4048310"/>
+                    <a:pt x="0" y="0"/>
                   </a:moveTo>
                   <a:lnTo>
-                    <a:pt x="0" y="0"/>
-                  </a:lnTo>
-                  <a:lnTo>
-                    <a:pt x="0" y="0"/>
+                    <a:pt x="1295770" y="0"/>
+                  </a:lnTo>
+                  <a:lnTo>
+                    <a:pt x="1295770" y="0"/>
                   </a:lnTo>
                 </a:path>
               </a:pathLst>
             </a:custGeom>
-            <a:ln w="3387" cap="flat">
+            <a:ln w="6775" cap="flat">
               <a:solidFill>
-                <a:srgbClr val="DEDEDE">
+                <a:srgbClr val="EBEBEB">
                   <a:alpha val="100000"/>
                 </a:srgbClr>
               </a:solidFill>
@@ -3347,28 +3347,28 @@
           </p:nvSpPr>
           <p:spPr>
             <a:xfrm>
-              <a:off x="2023549" y="5171815"/>
-              <a:ext cx="6913543" cy="0"/>
+              <a:off x="2179881" y="1892987"/>
+              <a:ext cx="1295770" cy="0"/>
             </a:xfrm>
             <a:custGeom>
               <a:avLst/>
               <a:pathLst>
-                <a:path w="6913543" h="0">
+                <a:path w="1295770" h="0">
                   <a:moveTo>
                     <a:pt x="0" y="0"/>
                   </a:moveTo>
                   <a:lnTo>
-                    <a:pt x="6913543" y="0"/>
-                  </a:lnTo>
-                  <a:lnTo>
-                    <a:pt x="6913543" y="0"/>
+                    <a:pt x="1295770" y="0"/>
+                  </a:lnTo>
+                  <a:lnTo>
+                    <a:pt x="1295770" y="0"/>
                   </a:lnTo>
                 </a:path>
               </a:pathLst>
             </a:custGeom>
             <a:ln w="6775" cap="flat">
               <a:solidFill>
-                <a:srgbClr val="DEDEDE">
+                <a:srgbClr val="EBEBEB">
                   <a:alpha val="100000"/>
                 </a:srgbClr>
               </a:solidFill>
@@ -3390,28 +3390,28 @@
           </p:nvSpPr>
           <p:spPr>
             <a:xfrm>
-              <a:off x="2023549" y="4393293"/>
-              <a:ext cx="6913543" cy="0"/>
+              <a:off x="2179881" y="5116600"/>
+              <a:ext cx="1295770" cy="0"/>
             </a:xfrm>
             <a:custGeom>
               <a:avLst/>
               <a:pathLst>
-                <a:path w="6913543" h="0">
+                <a:path w="1295770" h="0">
                   <a:moveTo>
                     <a:pt x="0" y="0"/>
                   </a:moveTo>
                   <a:lnTo>
-                    <a:pt x="6913543" y="0"/>
-                  </a:lnTo>
-                  <a:lnTo>
-                    <a:pt x="6913543" y="0"/>
+                    <a:pt x="1295770" y="0"/>
+                  </a:lnTo>
+                  <a:lnTo>
+                    <a:pt x="1295770" y="0"/>
                   </a:lnTo>
                 </a:path>
               </a:pathLst>
             </a:custGeom>
-            <a:ln w="6775" cap="flat">
+            <a:ln w="13550" cap="flat">
               <a:solidFill>
-                <a:srgbClr val="DEDEDE">
+                <a:srgbClr val="EBEBEB">
                   <a:alpha val="100000"/>
                 </a:srgbClr>
               </a:solidFill>
@@ -3433,28 +3433,28 @@
           </p:nvSpPr>
           <p:spPr>
             <a:xfrm>
-              <a:off x="2023549" y="3614772"/>
-              <a:ext cx="6913543" cy="0"/>
+              <a:off x="2179881" y="4195568"/>
+              <a:ext cx="1295770" cy="0"/>
             </a:xfrm>
             <a:custGeom>
               <a:avLst/>
               <a:pathLst>
-                <a:path w="6913543" h="0">
+                <a:path w="1295770" h="0">
                   <a:moveTo>
                     <a:pt x="0" y="0"/>
                   </a:moveTo>
                   <a:lnTo>
-                    <a:pt x="6913543" y="0"/>
-                  </a:lnTo>
-                  <a:lnTo>
-                    <a:pt x="6913543" y="0"/>
+                    <a:pt x="1295770" y="0"/>
+                  </a:lnTo>
+                  <a:lnTo>
+                    <a:pt x="1295770" y="0"/>
                   </a:lnTo>
                 </a:path>
               </a:pathLst>
             </a:custGeom>
-            <a:ln w="6775" cap="flat">
+            <a:ln w="13550" cap="flat">
               <a:solidFill>
-                <a:srgbClr val="DEDEDE">
+                <a:srgbClr val="EBEBEB">
                   <a:alpha val="100000"/>
                 </a:srgbClr>
               </a:solidFill>
@@ -3476,28 +3476,28 @@
           </p:nvSpPr>
           <p:spPr>
             <a:xfrm>
-              <a:off x="2023549" y="2836251"/>
-              <a:ext cx="6913543" cy="0"/>
+              <a:off x="2179881" y="3274535"/>
+              <a:ext cx="1295770" cy="0"/>
             </a:xfrm>
             <a:custGeom>
               <a:avLst/>
               <a:pathLst>
-                <a:path w="6913543" h="0">
+                <a:path w="1295770" h="0">
                   <a:moveTo>
                     <a:pt x="0" y="0"/>
                   </a:moveTo>
                   <a:lnTo>
-                    <a:pt x="6913543" y="0"/>
-                  </a:lnTo>
-                  <a:lnTo>
-                    <a:pt x="6913543" y="0"/>
+                    <a:pt x="1295770" y="0"/>
+                  </a:lnTo>
+                  <a:lnTo>
+                    <a:pt x="1295770" y="0"/>
                   </a:lnTo>
                 </a:path>
               </a:pathLst>
             </a:custGeom>
-            <a:ln w="6775" cap="flat">
+            <a:ln w="13550" cap="flat">
               <a:solidFill>
-                <a:srgbClr val="DEDEDE">
+                <a:srgbClr val="EBEBEB">
                   <a:alpha val="100000"/>
                 </a:srgbClr>
               </a:solidFill>
@@ -3519,28 +3519,28 @@
           </p:nvSpPr>
           <p:spPr>
             <a:xfrm>
-              <a:off x="2023549" y="2057730"/>
-              <a:ext cx="6913543" cy="0"/>
+              <a:off x="2179881" y="2353503"/>
+              <a:ext cx="1295770" cy="0"/>
             </a:xfrm>
             <a:custGeom>
               <a:avLst/>
               <a:pathLst>
-                <a:path w="6913543" h="0">
+                <a:path w="1295770" h="0">
                   <a:moveTo>
                     <a:pt x="0" y="0"/>
                   </a:moveTo>
                   <a:lnTo>
-                    <a:pt x="6913543" y="0"/>
-                  </a:lnTo>
-                  <a:lnTo>
-                    <a:pt x="6913543" y="0"/>
+                    <a:pt x="1295770" y="0"/>
+                  </a:lnTo>
+                  <a:lnTo>
+                    <a:pt x="1295770" y="0"/>
                   </a:lnTo>
                 </a:path>
               </a:pathLst>
             </a:custGeom>
-            <a:ln w="6775" cap="flat">
+            <a:ln w="13550" cap="flat">
               <a:solidFill>
-                <a:srgbClr val="DEDEDE">
+                <a:srgbClr val="EBEBEB">
                   <a:alpha val="100000"/>
                 </a:srgbClr>
               </a:solidFill>
@@ -3562,15 +3562,15 @@
           </p:nvSpPr>
           <p:spPr>
             <a:xfrm>
-              <a:off x="2023549" y="1590617"/>
-              <a:ext cx="0" cy="4048310"/>
+              <a:off x="2533273" y="1809173"/>
+              <a:ext cx="0" cy="3464924"/>
             </a:xfrm>
             <a:custGeom>
               <a:avLst/>
               <a:pathLst>
-                <a:path w="0" h="4048310">
+                <a:path w="0" h="3464924">
                   <a:moveTo>
-                    <a:pt x="0" y="4048310"/>
+                    <a:pt x="0" y="3464924"/>
                   </a:moveTo>
                   <a:lnTo>
                     <a:pt x="0" y="0"/>
@@ -3581,9 +3581,9 @@
                 </a:path>
               </a:pathLst>
             </a:custGeom>
-            <a:ln w="6775" cap="flat">
+            <a:ln w="13550" cap="flat">
               <a:solidFill>
-                <a:srgbClr val="DEDEDE">
+                <a:srgbClr val="EBEBEB">
                   <a:alpha val="100000"/>
                 </a:srgbClr>
               </a:solidFill>
@@ -3605,15 +3605,15 @@
           </p:nvSpPr>
           <p:spPr>
             <a:xfrm>
-              <a:off x="4381929" y="1590617"/>
-              <a:ext cx="0" cy="4048310"/>
+              <a:off x="3122260" y="1809173"/>
+              <a:ext cx="0" cy="3464924"/>
             </a:xfrm>
             <a:custGeom>
               <a:avLst/>
               <a:pathLst>
-                <a:path w="0" h="4048310">
+                <a:path w="0" h="3464924">
                   <a:moveTo>
-                    <a:pt x="0" y="4048310"/>
+                    <a:pt x="0" y="3464924"/>
                   </a:moveTo>
                   <a:lnTo>
                     <a:pt x="0" y="0"/>
@@ -3624,9 +3624,9 @@
                 </a:path>
               </a:pathLst>
             </a:custGeom>
-            <a:ln w="6775" cap="flat">
+            <a:ln w="13550" cap="flat">
               <a:solidFill>
-                <a:srgbClr val="DEDEDE">
+                <a:srgbClr val="EBEBEB">
                   <a:alpha val="100000"/>
                 </a:srgbClr>
               </a:solidFill>
@@ -3642,34 +3642,73 @@
         </p:sp>
         <p:sp>
           <p:nvSpPr>
-            <p:cNvPr id="16" name="pl16"/>
-            <p:cNvSpPr/>
-            <p:nvPr/>
-          </p:nvSpPr>
-          <p:spPr>
-            <a:xfrm>
-              <a:off x="6740308" y="1590617"/>
-              <a:ext cx="0" cy="4048310"/>
-            </a:xfrm>
-            <a:custGeom>
-              <a:avLst/>
-              <a:pathLst>
-                <a:path w="0" h="4048310">
-                  <a:moveTo>
-                    <a:pt x="0" y="4048310"/>
-                  </a:moveTo>
-                  <a:lnTo>
-                    <a:pt x="0" y="0"/>
-                  </a:lnTo>
-                  <a:lnTo>
-                    <a:pt x="0" y="0"/>
-                  </a:lnTo>
-                </a:path>
-              </a:pathLst>
-            </a:custGeom>
-            <a:ln w="6775" cap="flat">
+            <p:cNvPr id="16" name="rc16"/>
+            <p:cNvSpPr/>
+            <p:nvPr/>
+          </p:nvSpPr>
+          <p:spPr>
+            <a:xfrm>
+              <a:off x="2268229" y="1966669"/>
+              <a:ext cx="530088" cy="3149931"/>
+            </a:xfrm>
+            <a:prstGeom prst="rect">
+              <a:avLst/>
+            </a:prstGeom>
+            <a:solidFill>
+              <a:srgbClr val="FEE0D2">
+                <a:alpha val="100000"/>
+              </a:srgbClr>
+            </a:solidFill>
+          </p:spPr>
+          <p:txBody>
+            <a:bodyPr/>
+            <a:lstStyle/>
+            <a:p/>
+          </p:txBody>
+        </p:sp>
+        <p:sp>
+          <p:nvSpPr>
+            <p:cNvPr id="17" name="rc17"/>
+            <p:cNvSpPr/>
+            <p:nvPr/>
+          </p:nvSpPr>
+          <p:spPr>
+            <a:xfrm>
+              <a:off x="2857216" y="4213989"/>
+              <a:ext cx="530088" cy="902611"/>
+            </a:xfrm>
+            <a:prstGeom prst="rect">
+              <a:avLst/>
+            </a:prstGeom>
+            <a:solidFill>
+              <a:srgbClr val="FC9272">
+                <a:alpha val="100000"/>
+              </a:srgbClr>
+            </a:solidFill>
+          </p:spPr>
+          <p:txBody>
+            <a:bodyPr/>
+            <a:lstStyle/>
+            <a:p/>
+          </p:txBody>
+        </p:sp>
+        <p:sp>
+          <p:nvSpPr>
+            <p:cNvPr id="18" name="rc18"/>
+            <p:cNvSpPr/>
+            <p:nvPr/>
+          </p:nvSpPr>
+          <p:spPr>
+            <a:xfrm>
+              <a:off x="2179881" y="1809173"/>
+              <a:ext cx="1295770" cy="3464924"/>
+            </a:xfrm>
+            <a:prstGeom prst="rect">
+              <a:avLst/>
+            </a:prstGeom>
+            <a:ln w="13550" cap="rnd">
               <a:solidFill>
-                <a:srgbClr val="DEDEDE">
+                <a:srgbClr val="333333">
                   <a:alpha val="100000"/>
                 </a:srgbClr>
               </a:solidFill>
@@ -3685,20 +3724,20 @@
         </p:sp>
         <p:sp>
           <p:nvSpPr>
-            <p:cNvPr id="17" name="rc17"/>
-            <p:cNvSpPr/>
-            <p:nvPr/>
-          </p:nvSpPr>
-          <p:spPr>
-            <a:xfrm>
-              <a:off x="2023549" y="1707395"/>
-              <a:ext cx="6777983" cy="700669"/>
+            <p:cNvPr id="19" name="rc19"/>
+            <p:cNvSpPr/>
+            <p:nvPr/>
+          </p:nvSpPr>
+          <p:spPr>
+            <a:xfrm>
+              <a:off x="3545241" y="1809173"/>
+              <a:ext cx="1295770" cy="3464924"/>
             </a:xfrm>
             <a:prstGeom prst="rect">
               <a:avLst/>
             </a:prstGeom>
             <a:solidFill>
-              <a:srgbClr val="595959">
+              <a:srgbClr val="FFFFFF">
                 <a:alpha val="100000"/>
               </a:srgbClr>
             </a:solidFill>
@@ -3711,355 +3750,34 @@
         </p:sp>
         <p:sp>
           <p:nvSpPr>
-            <p:cNvPr id="18" name="rc18"/>
-            <p:cNvSpPr/>
-            <p:nvPr/>
-          </p:nvSpPr>
-          <p:spPr>
-            <a:xfrm>
-              <a:off x="2023549" y="2485916"/>
-              <a:ext cx="6502053" cy="700669"/>
-            </a:xfrm>
-            <a:prstGeom prst="rect">
-              <a:avLst/>
-            </a:prstGeom>
-            <a:solidFill>
-              <a:srgbClr val="595959">
-                <a:alpha val="100000"/>
-              </a:srgbClr>
-            </a:solidFill>
-          </p:spPr>
-          <p:txBody>
-            <a:bodyPr/>
-            <a:lstStyle/>
-            <a:p/>
-          </p:txBody>
-        </p:sp>
-        <p:sp>
-          <p:nvSpPr>
-            <p:cNvPr id="19" name="rc19"/>
-            <p:cNvSpPr/>
-            <p:nvPr/>
-          </p:nvSpPr>
-          <p:spPr>
-            <a:xfrm>
-              <a:off x="2023549" y="3264438"/>
-              <a:ext cx="4848828" cy="700669"/>
-            </a:xfrm>
-            <a:prstGeom prst="rect">
-              <a:avLst/>
-            </a:prstGeom>
-            <a:solidFill>
-              <a:srgbClr val="595959">
-                <a:alpha val="100000"/>
-              </a:srgbClr>
-            </a:solidFill>
-          </p:spPr>
-          <p:txBody>
-            <a:bodyPr/>
-            <a:lstStyle/>
-            <a:p/>
-          </p:txBody>
-        </p:sp>
-        <p:sp>
-          <p:nvSpPr>
-            <p:cNvPr id="20" name="rc20"/>
-            <p:cNvSpPr/>
-            <p:nvPr/>
-          </p:nvSpPr>
-          <p:spPr>
-            <a:xfrm>
-              <a:off x="2023549" y="4042959"/>
-              <a:ext cx="4322910" cy="700669"/>
-            </a:xfrm>
-            <a:prstGeom prst="rect">
-              <a:avLst/>
-            </a:prstGeom>
-            <a:solidFill>
-              <a:srgbClr val="595959">
-                <a:alpha val="100000"/>
-              </a:srgbClr>
-            </a:solidFill>
-          </p:spPr>
-          <p:txBody>
-            <a:bodyPr/>
-            <a:lstStyle/>
-            <a:p/>
-          </p:txBody>
-        </p:sp>
-        <p:sp>
-          <p:nvSpPr>
-            <p:cNvPr id="21" name="rc21"/>
-            <p:cNvSpPr/>
-            <p:nvPr/>
-          </p:nvSpPr>
-          <p:spPr>
-            <a:xfrm>
-              <a:off x="2023549" y="4821480"/>
-              <a:ext cx="1672091" cy="700669"/>
-            </a:xfrm>
-            <a:prstGeom prst="rect">
-              <a:avLst/>
-            </a:prstGeom>
-            <a:solidFill>
-              <a:srgbClr val="595959">
-                <a:alpha val="100000"/>
-              </a:srgbClr>
-            </a:solidFill>
-          </p:spPr>
-          <p:txBody>
-            <a:bodyPr/>
-            <a:lstStyle/>
-            <a:p/>
-          </p:txBody>
-        </p:sp>
-        <p:sp>
-          <p:nvSpPr>
-            <p:cNvPr id="22" name="tx22"/>
-            <p:cNvSpPr/>
-            <p:nvPr/>
-          </p:nvSpPr>
-          <p:spPr>
-            <a:xfrm>
-              <a:off x="7373025" y="2013256"/>
-              <a:ext cx="1300860" cy="67753"/>
-            </a:xfrm>
-            <a:prstGeom prst="rect">
-              <a:avLst/>
-            </a:prstGeom>
-            <a:noFill/>
-          </p:spPr>
-          <p:txBody>
-            <a:bodyPr lIns="0" rIns="0" tIns="0" bIns="0" anchorCtr="1" anchor="ctr" wrap="none"/>
-            <a:lstStyle/>
-            <a:p>
-              <a:pPr algn="l" marL="0" marR="0" indent="0">
-                <a:lnSpc>
-                  <a:spcPts val="853"/>
-                </a:lnSpc>
-                <a:spcBef>
-                  <a:spcPts val="0"/>
-                </a:spcBef>
-                <a:spcAft>
-                  <a:spcPts val="0"/>
-                </a:spcAft>
-              </a:pPr>
-              <a:r>
-                <a:rPr sz="853" b="1">
-                  <a:solidFill>
-                    <a:srgbClr val="FFFFFF">
-                      <a:alpha val="100000"/>
-                    </a:srgbClr>
-                  </a:solidFill>
-                  <a:latin typeface="Arial"/>
-                  <a:cs typeface="Arial"/>
-                </a:rPr>
-                <a:t>在极少数情况下益生菌可能造成感染</a:t>
-              </a:r>
-            </a:p>
-          </p:txBody>
-        </p:sp>
-        <p:sp>
-          <p:nvSpPr>
-            <p:cNvPr id="23" name="tx23"/>
-            <p:cNvSpPr/>
-            <p:nvPr/>
-          </p:nvSpPr>
-          <p:spPr>
-            <a:xfrm>
-              <a:off x="7097095" y="2791777"/>
-              <a:ext cx="1300860" cy="67753"/>
-            </a:xfrm>
-            <a:prstGeom prst="rect">
-              <a:avLst/>
-            </a:prstGeom>
-            <a:noFill/>
-          </p:spPr>
-          <p:txBody>
-            <a:bodyPr lIns="0" rIns="0" tIns="0" bIns="0" anchorCtr="1" anchor="ctr" wrap="none"/>
-            <a:lstStyle/>
-            <a:p>
-              <a:pPr algn="l" marL="0" marR="0" indent="0">
-                <a:lnSpc>
-                  <a:spcPts val="853"/>
-                </a:lnSpc>
-                <a:spcBef>
-                  <a:spcPts val="0"/>
-                </a:spcBef>
-                <a:spcAft>
-                  <a:spcPts val="0"/>
-                </a:spcAft>
-              </a:pPr>
-              <a:r>
-                <a:rPr sz="853" b="1">
-                  <a:solidFill>
-                    <a:srgbClr val="FFFFFF">
-                      <a:alpha val="100000"/>
-                    </a:srgbClr>
-                  </a:solidFill>
-                  <a:latin typeface="Arial"/>
-                  <a:cs typeface="Arial"/>
-                </a:rPr>
-                <a:t>免疫极为低下人群应避免摄入益生菌</a:t>
-              </a:r>
-            </a:p>
-          </p:txBody>
-        </p:sp>
-        <p:sp>
-          <p:nvSpPr>
-            <p:cNvPr id="24" name="tx24"/>
-            <p:cNvSpPr/>
-            <p:nvPr/>
-          </p:nvSpPr>
-          <p:spPr>
-            <a:xfrm>
-              <a:off x="5281263" y="3570299"/>
-              <a:ext cx="1463467" cy="67753"/>
-            </a:xfrm>
-            <a:prstGeom prst="rect">
-              <a:avLst/>
-            </a:prstGeom>
-            <a:noFill/>
-          </p:spPr>
-          <p:txBody>
-            <a:bodyPr lIns="0" rIns="0" tIns="0" bIns="0" anchorCtr="1" anchor="ctr" wrap="none"/>
-            <a:lstStyle/>
-            <a:p>
-              <a:pPr algn="l" marL="0" marR="0" indent="0">
-                <a:lnSpc>
-                  <a:spcPts val="853"/>
-                </a:lnSpc>
-                <a:spcBef>
-                  <a:spcPts val="0"/>
-                </a:spcBef>
-                <a:spcAft>
-                  <a:spcPts val="0"/>
-                </a:spcAft>
-              </a:pPr>
-              <a:r>
-                <a:rPr sz="853" b="1">
-                  <a:solidFill>
-                    <a:srgbClr val="FFFFFF">
-                      <a:alpha val="100000"/>
-                    </a:srgbClr>
-                  </a:solidFill>
-                  <a:latin typeface="Arial"/>
-                  <a:cs typeface="Arial"/>
-                </a:rPr>
-                <a:t>益生菌饮料等产品中过高的糖分可能有害</a:t>
-              </a:r>
-            </a:p>
-          </p:txBody>
-        </p:sp>
-        <p:sp>
-          <p:nvSpPr>
-            <p:cNvPr id="25" name="tx25"/>
-            <p:cNvSpPr/>
-            <p:nvPr/>
-          </p:nvSpPr>
-          <p:spPr>
-            <a:xfrm>
-              <a:off x="4023610" y="4348820"/>
-              <a:ext cx="2195201" cy="67753"/>
-            </a:xfrm>
-            <a:prstGeom prst="rect">
-              <a:avLst/>
-            </a:prstGeom>
-            <a:noFill/>
-          </p:spPr>
-          <p:txBody>
-            <a:bodyPr lIns="0" rIns="0" tIns="0" bIns="0" anchorCtr="1" anchor="ctr" wrap="none"/>
-            <a:lstStyle/>
-            <a:p>
-              <a:pPr algn="l" marL="0" marR="0" indent="0">
-                <a:lnSpc>
-                  <a:spcPts val="853"/>
-                </a:lnSpc>
-                <a:spcBef>
-                  <a:spcPts val="0"/>
-                </a:spcBef>
-                <a:spcAft>
-                  <a:spcPts val="0"/>
-                </a:spcAft>
-              </a:pPr>
-              <a:r>
-                <a:rPr sz="853" b="1">
-                  <a:solidFill>
-                    <a:srgbClr val="FFFFFF">
-                      <a:alpha val="100000"/>
-                    </a:srgbClr>
-                  </a:solidFill>
-                  <a:latin typeface="Arial"/>
-                  <a:cs typeface="Arial"/>
-                </a:rPr>
-                <a:t>过高剂量的摄入可能干扰正常微生态平衡或造成其他健康风险</a:t>
-              </a:r>
-            </a:p>
-          </p:txBody>
-        </p:sp>
-        <p:sp>
-          <p:nvSpPr>
-            <p:cNvPr id="26" name="tx26"/>
-            <p:cNvSpPr/>
-            <p:nvPr/>
-          </p:nvSpPr>
-          <p:spPr>
-            <a:xfrm>
-              <a:off x="3823287" y="5142861"/>
-              <a:ext cx="1544771" cy="67753"/>
-            </a:xfrm>
-            <a:prstGeom prst="rect">
-              <a:avLst/>
-            </a:prstGeom>
-            <a:noFill/>
-          </p:spPr>
-          <p:txBody>
-            <a:bodyPr lIns="0" rIns="0" tIns="0" bIns="0" anchorCtr="1" anchor="ctr" wrap="none"/>
-            <a:lstStyle/>
-            <a:p>
-              <a:pPr algn="l" marL="0" marR="0" indent="0">
-                <a:lnSpc>
-                  <a:spcPts val="853"/>
-                </a:lnSpc>
-                <a:spcBef>
-                  <a:spcPts val="0"/>
-                </a:spcBef>
-                <a:spcAft>
-                  <a:spcPts val="0"/>
-                </a:spcAft>
-              </a:pPr>
-              <a:r>
-                <a:rPr sz="853">
-                  <a:solidFill>
-                    <a:srgbClr val="000000">
-                      <a:alpha val="100000"/>
-                    </a:srgbClr>
-                  </a:solidFill>
-                  <a:latin typeface="Arial"/>
-                  <a:cs typeface="Arial"/>
-                </a:rPr>
-                <a:t>来源不明的益生菌可能有额外的安全性风险</a:t>
-              </a:r>
-            </a:p>
-          </p:txBody>
-        </p:sp>
-        <p:sp>
-          <p:nvSpPr>
-            <p:cNvPr id="27" name="rc27"/>
-            <p:cNvSpPr/>
-            <p:nvPr/>
-          </p:nvSpPr>
-          <p:spPr>
-            <a:xfrm>
-              <a:off x="2023549" y="1590617"/>
-              <a:ext cx="6913543" cy="4048310"/>
-            </a:xfrm>
-            <a:prstGeom prst="rect">
-              <a:avLst/>
-            </a:prstGeom>
-            <a:ln w="13550" cap="rnd">
+            <p:cNvPr id="20" name="pl20"/>
+            <p:cNvSpPr/>
+            <p:nvPr/>
+          </p:nvSpPr>
+          <p:spPr>
+            <a:xfrm>
+              <a:off x="3545241" y="4656084"/>
+              <a:ext cx="1295770" cy="0"/>
+            </a:xfrm>
+            <a:custGeom>
+              <a:avLst/>
+              <a:pathLst>
+                <a:path w="1295770" h="0">
+                  <a:moveTo>
+                    <a:pt x="0" y="0"/>
+                  </a:moveTo>
+                  <a:lnTo>
+                    <a:pt x="1295770" y="0"/>
+                  </a:lnTo>
+                  <a:lnTo>
+                    <a:pt x="1295770" y="0"/>
+                  </a:lnTo>
+                </a:path>
+              </a:pathLst>
+            </a:custGeom>
+            <a:ln w="6775" cap="flat">
               <a:solidFill>
-                <a:srgbClr val="B3B3B3">
+                <a:srgbClr val="EBEBEB">
                   <a:alpha val="100000"/>
                 </a:srgbClr>
               </a:solidFill>
@@ -4075,14 +3793,2132 @@
         </p:sp>
         <p:sp>
           <p:nvSpPr>
-            <p:cNvPr id="28" name="tx28"/>
-            <p:cNvSpPr/>
-            <p:nvPr/>
-          </p:nvSpPr>
-          <p:spPr>
-            <a:xfrm>
-              <a:off x="1926599" y="5131542"/>
-              <a:ext cx="62155" cy="80272"/>
+            <p:cNvPr id="21" name="pl21"/>
+            <p:cNvSpPr/>
+            <p:nvPr/>
+          </p:nvSpPr>
+          <p:spPr>
+            <a:xfrm>
+              <a:off x="3545241" y="3735052"/>
+              <a:ext cx="1295770" cy="0"/>
+            </a:xfrm>
+            <a:custGeom>
+              <a:avLst/>
+              <a:pathLst>
+                <a:path w="1295770" h="0">
+                  <a:moveTo>
+                    <a:pt x="0" y="0"/>
+                  </a:moveTo>
+                  <a:lnTo>
+                    <a:pt x="1295770" y="0"/>
+                  </a:lnTo>
+                  <a:lnTo>
+                    <a:pt x="1295770" y="0"/>
+                  </a:lnTo>
+                </a:path>
+              </a:pathLst>
+            </a:custGeom>
+            <a:ln w="6775" cap="flat">
+              <a:solidFill>
+                <a:srgbClr val="EBEBEB">
+                  <a:alpha val="100000"/>
+                </a:srgbClr>
+              </a:solidFill>
+              <a:prstDash val="solid"/>
+              <a:round/>
+            </a:ln>
+          </p:spPr>
+          <p:txBody>
+            <a:bodyPr/>
+            <a:lstStyle/>
+            <a:p/>
+          </p:txBody>
+        </p:sp>
+        <p:sp>
+          <p:nvSpPr>
+            <p:cNvPr id="22" name="pl22"/>
+            <p:cNvSpPr/>
+            <p:nvPr/>
+          </p:nvSpPr>
+          <p:spPr>
+            <a:xfrm>
+              <a:off x="3545241" y="2814019"/>
+              <a:ext cx="1295770" cy="0"/>
+            </a:xfrm>
+            <a:custGeom>
+              <a:avLst/>
+              <a:pathLst>
+                <a:path w="1295770" h="0">
+                  <a:moveTo>
+                    <a:pt x="0" y="0"/>
+                  </a:moveTo>
+                  <a:lnTo>
+                    <a:pt x="1295770" y="0"/>
+                  </a:lnTo>
+                  <a:lnTo>
+                    <a:pt x="1295770" y="0"/>
+                  </a:lnTo>
+                </a:path>
+              </a:pathLst>
+            </a:custGeom>
+            <a:ln w="6775" cap="flat">
+              <a:solidFill>
+                <a:srgbClr val="EBEBEB">
+                  <a:alpha val="100000"/>
+                </a:srgbClr>
+              </a:solidFill>
+              <a:prstDash val="solid"/>
+              <a:round/>
+            </a:ln>
+          </p:spPr>
+          <p:txBody>
+            <a:bodyPr/>
+            <a:lstStyle/>
+            <a:p/>
+          </p:txBody>
+        </p:sp>
+        <p:sp>
+          <p:nvSpPr>
+            <p:cNvPr id="23" name="pl23"/>
+            <p:cNvSpPr/>
+            <p:nvPr/>
+          </p:nvSpPr>
+          <p:spPr>
+            <a:xfrm>
+              <a:off x="3545241" y="1892987"/>
+              <a:ext cx="1295770" cy="0"/>
+            </a:xfrm>
+            <a:custGeom>
+              <a:avLst/>
+              <a:pathLst>
+                <a:path w="1295770" h="0">
+                  <a:moveTo>
+                    <a:pt x="0" y="0"/>
+                  </a:moveTo>
+                  <a:lnTo>
+                    <a:pt x="1295770" y="0"/>
+                  </a:lnTo>
+                  <a:lnTo>
+                    <a:pt x="1295770" y="0"/>
+                  </a:lnTo>
+                </a:path>
+              </a:pathLst>
+            </a:custGeom>
+            <a:ln w="6775" cap="flat">
+              <a:solidFill>
+                <a:srgbClr val="EBEBEB">
+                  <a:alpha val="100000"/>
+                </a:srgbClr>
+              </a:solidFill>
+              <a:prstDash val="solid"/>
+              <a:round/>
+            </a:ln>
+          </p:spPr>
+          <p:txBody>
+            <a:bodyPr/>
+            <a:lstStyle/>
+            <a:p/>
+          </p:txBody>
+        </p:sp>
+        <p:sp>
+          <p:nvSpPr>
+            <p:cNvPr id="24" name="pl24"/>
+            <p:cNvSpPr/>
+            <p:nvPr/>
+          </p:nvSpPr>
+          <p:spPr>
+            <a:xfrm>
+              <a:off x="3545241" y="5116600"/>
+              <a:ext cx="1295770" cy="0"/>
+            </a:xfrm>
+            <a:custGeom>
+              <a:avLst/>
+              <a:pathLst>
+                <a:path w="1295770" h="0">
+                  <a:moveTo>
+                    <a:pt x="0" y="0"/>
+                  </a:moveTo>
+                  <a:lnTo>
+                    <a:pt x="1295770" y="0"/>
+                  </a:lnTo>
+                  <a:lnTo>
+                    <a:pt x="1295770" y="0"/>
+                  </a:lnTo>
+                </a:path>
+              </a:pathLst>
+            </a:custGeom>
+            <a:ln w="13550" cap="flat">
+              <a:solidFill>
+                <a:srgbClr val="EBEBEB">
+                  <a:alpha val="100000"/>
+                </a:srgbClr>
+              </a:solidFill>
+              <a:prstDash val="solid"/>
+              <a:round/>
+            </a:ln>
+          </p:spPr>
+          <p:txBody>
+            <a:bodyPr/>
+            <a:lstStyle/>
+            <a:p/>
+          </p:txBody>
+        </p:sp>
+        <p:sp>
+          <p:nvSpPr>
+            <p:cNvPr id="25" name="pl25"/>
+            <p:cNvSpPr/>
+            <p:nvPr/>
+          </p:nvSpPr>
+          <p:spPr>
+            <a:xfrm>
+              <a:off x="3545241" y="4195568"/>
+              <a:ext cx="1295770" cy="0"/>
+            </a:xfrm>
+            <a:custGeom>
+              <a:avLst/>
+              <a:pathLst>
+                <a:path w="1295770" h="0">
+                  <a:moveTo>
+                    <a:pt x="0" y="0"/>
+                  </a:moveTo>
+                  <a:lnTo>
+                    <a:pt x="1295770" y="0"/>
+                  </a:lnTo>
+                  <a:lnTo>
+                    <a:pt x="1295770" y="0"/>
+                  </a:lnTo>
+                </a:path>
+              </a:pathLst>
+            </a:custGeom>
+            <a:ln w="13550" cap="flat">
+              <a:solidFill>
+                <a:srgbClr val="EBEBEB">
+                  <a:alpha val="100000"/>
+                </a:srgbClr>
+              </a:solidFill>
+              <a:prstDash val="solid"/>
+              <a:round/>
+            </a:ln>
+          </p:spPr>
+          <p:txBody>
+            <a:bodyPr/>
+            <a:lstStyle/>
+            <a:p/>
+          </p:txBody>
+        </p:sp>
+        <p:sp>
+          <p:nvSpPr>
+            <p:cNvPr id="26" name="pl26"/>
+            <p:cNvSpPr/>
+            <p:nvPr/>
+          </p:nvSpPr>
+          <p:spPr>
+            <a:xfrm>
+              <a:off x="3545241" y="3274535"/>
+              <a:ext cx="1295770" cy="0"/>
+            </a:xfrm>
+            <a:custGeom>
+              <a:avLst/>
+              <a:pathLst>
+                <a:path w="1295770" h="0">
+                  <a:moveTo>
+                    <a:pt x="0" y="0"/>
+                  </a:moveTo>
+                  <a:lnTo>
+                    <a:pt x="1295770" y="0"/>
+                  </a:lnTo>
+                  <a:lnTo>
+                    <a:pt x="1295770" y="0"/>
+                  </a:lnTo>
+                </a:path>
+              </a:pathLst>
+            </a:custGeom>
+            <a:ln w="13550" cap="flat">
+              <a:solidFill>
+                <a:srgbClr val="EBEBEB">
+                  <a:alpha val="100000"/>
+                </a:srgbClr>
+              </a:solidFill>
+              <a:prstDash val="solid"/>
+              <a:round/>
+            </a:ln>
+          </p:spPr>
+          <p:txBody>
+            <a:bodyPr/>
+            <a:lstStyle/>
+            <a:p/>
+          </p:txBody>
+        </p:sp>
+        <p:sp>
+          <p:nvSpPr>
+            <p:cNvPr id="27" name="pl27"/>
+            <p:cNvSpPr/>
+            <p:nvPr/>
+          </p:nvSpPr>
+          <p:spPr>
+            <a:xfrm>
+              <a:off x="3545241" y="2353503"/>
+              <a:ext cx="1295770" cy="0"/>
+            </a:xfrm>
+            <a:custGeom>
+              <a:avLst/>
+              <a:pathLst>
+                <a:path w="1295770" h="0">
+                  <a:moveTo>
+                    <a:pt x="0" y="0"/>
+                  </a:moveTo>
+                  <a:lnTo>
+                    <a:pt x="1295770" y="0"/>
+                  </a:lnTo>
+                  <a:lnTo>
+                    <a:pt x="1295770" y="0"/>
+                  </a:lnTo>
+                </a:path>
+              </a:pathLst>
+            </a:custGeom>
+            <a:ln w="13550" cap="flat">
+              <a:solidFill>
+                <a:srgbClr val="EBEBEB">
+                  <a:alpha val="100000"/>
+                </a:srgbClr>
+              </a:solidFill>
+              <a:prstDash val="solid"/>
+              <a:round/>
+            </a:ln>
+          </p:spPr>
+          <p:txBody>
+            <a:bodyPr/>
+            <a:lstStyle/>
+            <a:p/>
+          </p:txBody>
+        </p:sp>
+        <p:sp>
+          <p:nvSpPr>
+            <p:cNvPr id="28" name="pl28"/>
+            <p:cNvSpPr/>
+            <p:nvPr/>
+          </p:nvSpPr>
+          <p:spPr>
+            <a:xfrm>
+              <a:off x="3898633" y="1809173"/>
+              <a:ext cx="0" cy="3464924"/>
+            </a:xfrm>
+            <a:custGeom>
+              <a:avLst/>
+              <a:pathLst>
+                <a:path w="0" h="3464924">
+                  <a:moveTo>
+                    <a:pt x="0" y="3464924"/>
+                  </a:moveTo>
+                  <a:lnTo>
+                    <a:pt x="0" y="0"/>
+                  </a:lnTo>
+                  <a:lnTo>
+                    <a:pt x="0" y="0"/>
+                  </a:lnTo>
+                </a:path>
+              </a:pathLst>
+            </a:custGeom>
+            <a:ln w="13550" cap="flat">
+              <a:solidFill>
+                <a:srgbClr val="EBEBEB">
+                  <a:alpha val="100000"/>
+                </a:srgbClr>
+              </a:solidFill>
+              <a:prstDash val="solid"/>
+              <a:round/>
+            </a:ln>
+          </p:spPr>
+          <p:txBody>
+            <a:bodyPr/>
+            <a:lstStyle/>
+            <a:p/>
+          </p:txBody>
+        </p:sp>
+        <p:sp>
+          <p:nvSpPr>
+            <p:cNvPr id="29" name="pl29"/>
+            <p:cNvSpPr/>
+            <p:nvPr/>
+          </p:nvSpPr>
+          <p:spPr>
+            <a:xfrm>
+              <a:off x="4487620" y="1809173"/>
+              <a:ext cx="0" cy="3464924"/>
+            </a:xfrm>
+            <a:custGeom>
+              <a:avLst/>
+              <a:pathLst>
+                <a:path w="0" h="3464924">
+                  <a:moveTo>
+                    <a:pt x="0" y="3464924"/>
+                  </a:moveTo>
+                  <a:lnTo>
+                    <a:pt x="0" y="0"/>
+                  </a:lnTo>
+                  <a:lnTo>
+                    <a:pt x="0" y="0"/>
+                  </a:lnTo>
+                </a:path>
+              </a:pathLst>
+            </a:custGeom>
+            <a:ln w="13550" cap="flat">
+              <a:solidFill>
+                <a:srgbClr val="EBEBEB">
+                  <a:alpha val="100000"/>
+                </a:srgbClr>
+              </a:solidFill>
+              <a:prstDash val="solid"/>
+              <a:round/>
+            </a:ln>
+          </p:spPr>
+          <p:txBody>
+            <a:bodyPr/>
+            <a:lstStyle/>
+            <a:p/>
+          </p:txBody>
+        </p:sp>
+        <p:sp>
+          <p:nvSpPr>
+            <p:cNvPr id="30" name="rc30"/>
+            <p:cNvSpPr/>
+            <p:nvPr/>
+          </p:nvSpPr>
+          <p:spPr>
+            <a:xfrm>
+              <a:off x="3633589" y="3200853"/>
+              <a:ext cx="530088" cy="1915747"/>
+            </a:xfrm>
+            <a:prstGeom prst="rect">
+              <a:avLst/>
+            </a:prstGeom>
+            <a:solidFill>
+              <a:srgbClr val="FEE0D2">
+                <a:alpha val="100000"/>
+              </a:srgbClr>
+            </a:solidFill>
+          </p:spPr>
+          <p:txBody>
+            <a:bodyPr/>
+            <a:lstStyle/>
+            <a:p/>
+          </p:txBody>
+        </p:sp>
+        <p:sp>
+          <p:nvSpPr>
+            <p:cNvPr id="31" name="rc31"/>
+            <p:cNvSpPr/>
+            <p:nvPr/>
+          </p:nvSpPr>
+          <p:spPr>
+            <a:xfrm>
+              <a:off x="4222576" y="4646874"/>
+              <a:ext cx="530088" cy="469726"/>
+            </a:xfrm>
+            <a:prstGeom prst="rect">
+              <a:avLst/>
+            </a:prstGeom>
+            <a:solidFill>
+              <a:srgbClr val="FC9272">
+                <a:alpha val="100000"/>
+              </a:srgbClr>
+            </a:solidFill>
+          </p:spPr>
+          <p:txBody>
+            <a:bodyPr/>
+            <a:lstStyle/>
+            <a:p/>
+          </p:txBody>
+        </p:sp>
+        <p:sp>
+          <p:nvSpPr>
+            <p:cNvPr id="32" name="rc32"/>
+            <p:cNvSpPr/>
+            <p:nvPr/>
+          </p:nvSpPr>
+          <p:spPr>
+            <a:xfrm>
+              <a:off x="3545241" y="1809173"/>
+              <a:ext cx="1295770" cy="3464924"/>
+            </a:xfrm>
+            <a:prstGeom prst="rect">
+              <a:avLst/>
+            </a:prstGeom>
+            <a:ln w="13550" cap="rnd">
+              <a:solidFill>
+                <a:srgbClr val="333333">
+                  <a:alpha val="100000"/>
+                </a:srgbClr>
+              </a:solidFill>
+              <a:prstDash val="solid"/>
+              <a:round/>
+            </a:ln>
+          </p:spPr>
+          <p:txBody>
+            <a:bodyPr/>
+            <a:lstStyle/>
+            <a:p/>
+          </p:txBody>
+        </p:sp>
+        <p:sp>
+          <p:nvSpPr>
+            <p:cNvPr id="33" name="rc33"/>
+            <p:cNvSpPr/>
+            <p:nvPr/>
+          </p:nvSpPr>
+          <p:spPr>
+            <a:xfrm>
+              <a:off x="4910601" y="1809173"/>
+              <a:ext cx="1295770" cy="3464924"/>
+            </a:xfrm>
+            <a:prstGeom prst="rect">
+              <a:avLst/>
+            </a:prstGeom>
+            <a:solidFill>
+              <a:srgbClr val="FFFFFF">
+                <a:alpha val="100000"/>
+              </a:srgbClr>
+            </a:solidFill>
+          </p:spPr>
+          <p:txBody>
+            <a:bodyPr/>
+            <a:lstStyle/>
+            <a:p/>
+          </p:txBody>
+        </p:sp>
+        <p:sp>
+          <p:nvSpPr>
+            <p:cNvPr id="34" name="pl34"/>
+            <p:cNvSpPr/>
+            <p:nvPr/>
+          </p:nvSpPr>
+          <p:spPr>
+            <a:xfrm>
+              <a:off x="4910601" y="4656084"/>
+              <a:ext cx="1295770" cy="0"/>
+            </a:xfrm>
+            <a:custGeom>
+              <a:avLst/>
+              <a:pathLst>
+                <a:path w="1295770" h="0">
+                  <a:moveTo>
+                    <a:pt x="0" y="0"/>
+                  </a:moveTo>
+                  <a:lnTo>
+                    <a:pt x="1295770" y="0"/>
+                  </a:lnTo>
+                  <a:lnTo>
+                    <a:pt x="1295770" y="0"/>
+                  </a:lnTo>
+                </a:path>
+              </a:pathLst>
+            </a:custGeom>
+            <a:ln w="6775" cap="flat">
+              <a:solidFill>
+                <a:srgbClr val="EBEBEB">
+                  <a:alpha val="100000"/>
+                </a:srgbClr>
+              </a:solidFill>
+              <a:prstDash val="solid"/>
+              <a:round/>
+            </a:ln>
+          </p:spPr>
+          <p:txBody>
+            <a:bodyPr/>
+            <a:lstStyle/>
+            <a:p/>
+          </p:txBody>
+        </p:sp>
+        <p:sp>
+          <p:nvSpPr>
+            <p:cNvPr id="35" name="pl35"/>
+            <p:cNvSpPr/>
+            <p:nvPr/>
+          </p:nvSpPr>
+          <p:spPr>
+            <a:xfrm>
+              <a:off x="4910601" y="3735052"/>
+              <a:ext cx="1295770" cy="0"/>
+            </a:xfrm>
+            <a:custGeom>
+              <a:avLst/>
+              <a:pathLst>
+                <a:path w="1295770" h="0">
+                  <a:moveTo>
+                    <a:pt x="0" y="0"/>
+                  </a:moveTo>
+                  <a:lnTo>
+                    <a:pt x="1295770" y="0"/>
+                  </a:lnTo>
+                  <a:lnTo>
+                    <a:pt x="1295770" y="0"/>
+                  </a:lnTo>
+                </a:path>
+              </a:pathLst>
+            </a:custGeom>
+            <a:ln w="6775" cap="flat">
+              <a:solidFill>
+                <a:srgbClr val="EBEBEB">
+                  <a:alpha val="100000"/>
+                </a:srgbClr>
+              </a:solidFill>
+              <a:prstDash val="solid"/>
+              <a:round/>
+            </a:ln>
+          </p:spPr>
+          <p:txBody>
+            <a:bodyPr/>
+            <a:lstStyle/>
+            <a:p/>
+          </p:txBody>
+        </p:sp>
+        <p:sp>
+          <p:nvSpPr>
+            <p:cNvPr id="36" name="pl36"/>
+            <p:cNvSpPr/>
+            <p:nvPr/>
+          </p:nvSpPr>
+          <p:spPr>
+            <a:xfrm>
+              <a:off x="4910601" y="2814019"/>
+              <a:ext cx="1295770" cy="0"/>
+            </a:xfrm>
+            <a:custGeom>
+              <a:avLst/>
+              <a:pathLst>
+                <a:path w="1295770" h="0">
+                  <a:moveTo>
+                    <a:pt x="0" y="0"/>
+                  </a:moveTo>
+                  <a:lnTo>
+                    <a:pt x="1295770" y="0"/>
+                  </a:lnTo>
+                  <a:lnTo>
+                    <a:pt x="1295770" y="0"/>
+                  </a:lnTo>
+                </a:path>
+              </a:pathLst>
+            </a:custGeom>
+            <a:ln w="6775" cap="flat">
+              <a:solidFill>
+                <a:srgbClr val="EBEBEB">
+                  <a:alpha val="100000"/>
+                </a:srgbClr>
+              </a:solidFill>
+              <a:prstDash val="solid"/>
+              <a:round/>
+            </a:ln>
+          </p:spPr>
+          <p:txBody>
+            <a:bodyPr/>
+            <a:lstStyle/>
+            <a:p/>
+          </p:txBody>
+        </p:sp>
+        <p:sp>
+          <p:nvSpPr>
+            <p:cNvPr id="37" name="pl37"/>
+            <p:cNvSpPr/>
+            <p:nvPr/>
+          </p:nvSpPr>
+          <p:spPr>
+            <a:xfrm>
+              <a:off x="4910601" y="1892987"/>
+              <a:ext cx="1295770" cy="0"/>
+            </a:xfrm>
+            <a:custGeom>
+              <a:avLst/>
+              <a:pathLst>
+                <a:path w="1295770" h="0">
+                  <a:moveTo>
+                    <a:pt x="0" y="0"/>
+                  </a:moveTo>
+                  <a:lnTo>
+                    <a:pt x="1295770" y="0"/>
+                  </a:lnTo>
+                  <a:lnTo>
+                    <a:pt x="1295770" y="0"/>
+                  </a:lnTo>
+                </a:path>
+              </a:pathLst>
+            </a:custGeom>
+            <a:ln w="6775" cap="flat">
+              <a:solidFill>
+                <a:srgbClr val="EBEBEB">
+                  <a:alpha val="100000"/>
+                </a:srgbClr>
+              </a:solidFill>
+              <a:prstDash val="solid"/>
+              <a:round/>
+            </a:ln>
+          </p:spPr>
+          <p:txBody>
+            <a:bodyPr/>
+            <a:lstStyle/>
+            <a:p/>
+          </p:txBody>
+        </p:sp>
+        <p:sp>
+          <p:nvSpPr>
+            <p:cNvPr id="38" name="pl38"/>
+            <p:cNvSpPr/>
+            <p:nvPr/>
+          </p:nvSpPr>
+          <p:spPr>
+            <a:xfrm>
+              <a:off x="4910601" y="5116600"/>
+              <a:ext cx="1295770" cy="0"/>
+            </a:xfrm>
+            <a:custGeom>
+              <a:avLst/>
+              <a:pathLst>
+                <a:path w="1295770" h="0">
+                  <a:moveTo>
+                    <a:pt x="0" y="0"/>
+                  </a:moveTo>
+                  <a:lnTo>
+                    <a:pt x="1295770" y="0"/>
+                  </a:lnTo>
+                  <a:lnTo>
+                    <a:pt x="1295770" y="0"/>
+                  </a:lnTo>
+                </a:path>
+              </a:pathLst>
+            </a:custGeom>
+            <a:ln w="13550" cap="flat">
+              <a:solidFill>
+                <a:srgbClr val="EBEBEB">
+                  <a:alpha val="100000"/>
+                </a:srgbClr>
+              </a:solidFill>
+              <a:prstDash val="solid"/>
+              <a:round/>
+            </a:ln>
+          </p:spPr>
+          <p:txBody>
+            <a:bodyPr/>
+            <a:lstStyle/>
+            <a:p/>
+          </p:txBody>
+        </p:sp>
+        <p:sp>
+          <p:nvSpPr>
+            <p:cNvPr id="39" name="pl39"/>
+            <p:cNvSpPr/>
+            <p:nvPr/>
+          </p:nvSpPr>
+          <p:spPr>
+            <a:xfrm>
+              <a:off x="4910601" y="4195568"/>
+              <a:ext cx="1295770" cy="0"/>
+            </a:xfrm>
+            <a:custGeom>
+              <a:avLst/>
+              <a:pathLst>
+                <a:path w="1295770" h="0">
+                  <a:moveTo>
+                    <a:pt x="0" y="0"/>
+                  </a:moveTo>
+                  <a:lnTo>
+                    <a:pt x="1295770" y="0"/>
+                  </a:lnTo>
+                  <a:lnTo>
+                    <a:pt x="1295770" y="0"/>
+                  </a:lnTo>
+                </a:path>
+              </a:pathLst>
+            </a:custGeom>
+            <a:ln w="13550" cap="flat">
+              <a:solidFill>
+                <a:srgbClr val="EBEBEB">
+                  <a:alpha val="100000"/>
+                </a:srgbClr>
+              </a:solidFill>
+              <a:prstDash val="solid"/>
+              <a:round/>
+            </a:ln>
+          </p:spPr>
+          <p:txBody>
+            <a:bodyPr/>
+            <a:lstStyle/>
+            <a:p/>
+          </p:txBody>
+        </p:sp>
+        <p:sp>
+          <p:nvSpPr>
+            <p:cNvPr id="40" name="pl40"/>
+            <p:cNvSpPr/>
+            <p:nvPr/>
+          </p:nvSpPr>
+          <p:spPr>
+            <a:xfrm>
+              <a:off x="4910601" y="3274535"/>
+              <a:ext cx="1295770" cy="0"/>
+            </a:xfrm>
+            <a:custGeom>
+              <a:avLst/>
+              <a:pathLst>
+                <a:path w="1295770" h="0">
+                  <a:moveTo>
+                    <a:pt x="0" y="0"/>
+                  </a:moveTo>
+                  <a:lnTo>
+                    <a:pt x="1295770" y="0"/>
+                  </a:lnTo>
+                  <a:lnTo>
+                    <a:pt x="1295770" y="0"/>
+                  </a:lnTo>
+                </a:path>
+              </a:pathLst>
+            </a:custGeom>
+            <a:ln w="13550" cap="flat">
+              <a:solidFill>
+                <a:srgbClr val="EBEBEB">
+                  <a:alpha val="100000"/>
+                </a:srgbClr>
+              </a:solidFill>
+              <a:prstDash val="solid"/>
+              <a:round/>
+            </a:ln>
+          </p:spPr>
+          <p:txBody>
+            <a:bodyPr/>
+            <a:lstStyle/>
+            <a:p/>
+          </p:txBody>
+        </p:sp>
+        <p:sp>
+          <p:nvSpPr>
+            <p:cNvPr id="41" name="pl41"/>
+            <p:cNvSpPr/>
+            <p:nvPr/>
+          </p:nvSpPr>
+          <p:spPr>
+            <a:xfrm>
+              <a:off x="4910601" y="2353503"/>
+              <a:ext cx="1295770" cy="0"/>
+            </a:xfrm>
+            <a:custGeom>
+              <a:avLst/>
+              <a:pathLst>
+                <a:path w="1295770" h="0">
+                  <a:moveTo>
+                    <a:pt x="0" y="0"/>
+                  </a:moveTo>
+                  <a:lnTo>
+                    <a:pt x="1295770" y="0"/>
+                  </a:lnTo>
+                  <a:lnTo>
+                    <a:pt x="1295770" y="0"/>
+                  </a:lnTo>
+                </a:path>
+              </a:pathLst>
+            </a:custGeom>
+            <a:ln w="13550" cap="flat">
+              <a:solidFill>
+                <a:srgbClr val="EBEBEB">
+                  <a:alpha val="100000"/>
+                </a:srgbClr>
+              </a:solidFill>
+              <a:prstDash val="solid"/>
+              <a:round/>
+            </a:ln>
+          </p:spPr>
+          <p:txBody>
+            <a:bodyPr/>
+            <a:lstStyle/>
+            <a:p/>
+          </p:txBody>
+        </p:sp>
+        <p:sp>
+          <p:nvSpPr>
+            <p:cNvPr id="42" name="pl42"/>
+            <p:cNvSpPr/>
+            <p:nvPr/>
+          </p:nvSpPr>
+          <p:spPr>
+            <a:xfrm>
+              <a:off x="5263993" y="1809173"/>
+              <a:ext cx="0" cy="3464924"/>
+            </a:xfrm>
+            <a:custGeom>
+              <a:avLst/>
+              <a:pathLst>
+                <a:path w="0" h="3464924">
+                  <a:moveTo>
+                    <a:pt x="0" y="3464924"/>
+                  </a:moveTo>
+                  <a:lnTo>
+                    <a:pt x="0" y="0"/>
+                  </a:lnTo>
+                  <a:lnTo>
+                    <a:pt x="0" y="0"/>
+                  </a:lnTo>
+                </a:path>
+              </a:pathLst>
+            </a:custGeom>
+            <a:ln w="13550" cap="flat">
+              <a:solidFill>
+                <a:srgbClr val="EBEBEB">
+                  <a:alpha val="100000"/>
+                </a:srgbClr>
+              </a:solidFill>
+              <a:prstDash val="solid"/>
+              <a:round/>
+            </a:ln>
+          </p:spPr>
+          <p:txBody>
+            <a:bodyPr/>
+            <a:lstStyle/>
+            <a:p/>
+          </p:txBody>
+        </p:sp>
+        <p:sp>
+          <p:nvSpPr>
+            <p:cNvPr id="43" name="pl43"/>
+            <p:cNvSpPr/>
+            <p:nvPr/>
+          </p:nvSpPr>
+          <p:spPr>
+            <a:xfrm>
+              <a:off x="5852980" y="1809173"/>
+              <a:ext cx="0" cy="3464924"/>
+            </a:xfrm>
+            <a:custGeom>
+              <a:avLst/>
+              <a:pathLst>
+                <a:path w="0" h="3464924">
+                  <a:moveTo>
+                    <a:pt x="0" y="3464924"/>
+                  </a:moveTo>
+                  <a:lnTo>
+                    <a:pt x="0" y="0"/>
+                  </a:lnTo>
+                  <a:lnTo>
+                    <a:pt x="0" y="0"/>
+                  </a:lnTo>
+                </a:path>
+              </a:pathLst>
+            </a:custGeom>
+            <a:ln w="13550" cap="flat">
+              <a:solidFill>
+                <a:srgbClr val="EBEBEB">
+                  <a:alpha val="100000"/>
+                </a:srgbClr>
+              </a:solidFill>
+              <a:prstDash val="solid"/>
+              <a:round/>
+            </a:ln>
+          </p:spPr>
+          <p:txBody>
+            <a:bodyPr/>
+            <a:lstStyle/>
+            <a:p/>
+          </p:txBody>
+        </p:sp>
+        <p:sp>
+          <p:nvSpPr>
+            <p:cNvPr id="44" name="rc44"/>
+            <p:cNvSpPr/>
+            <p:nvPr/>
+          </p:nvSpPr>
+          <p:spPr>
+            <a:xfrm>
+              <a:off x="4998949" y="4702136"/>
+              <a:ext cx="530088" cy="414464"/>
+            </a:xfrm>
+            <a:prstGeom prst="rect">
+              <a:avLst/>
+            </a:prstGeom>
+            <a:solidFill>
+              <a:srgbClr val="FEE0D2">
+                <a:alpha val="100000"/>
+              </a:srgbClr>
+            </a:solidFill>
+          </p:spPr>
+          <p:txBody>
+            <a:bodyPr/>
+            <a:lstStyle/>
+            <a:p/>
+          </p:txBody>
+        </p:sp>
+        <p:sp>
+          <p:nvSpPr>
+            <p:cNvPr id="45" name="rc45"/>
+            <p:cNvSpPr/>
+            <p:nvPr/>
+          </p:nvSpPr>
+          <p:spPr>
+            <a:xfrm>
+              <a:off x="5587936" y="4738977"/>
+              <a:ext cx="530088" cy="377623"/>
+            </a:xfrm>
+            <a:prstGeom prst="rect">
+              <a:avLst/>
+            </a:prstGeom>
+            <a:solidFill>
+              <a:srgbClr val="FC9272">
+                <a:alpha val="100000"/>
+              </a:srgbClr>
+            </a:solidFill>
+          </p:spPr>
+          <p:txBody>
+            <a:bodyPr/>
+            <a:lstStyle/>
+            <a:p/>
+          </p:txBody>
+        </p:sp>
+        <p:sp>
+          <p:nvSpPr>
+            <p:cNvPr id="46" name="rc46"/>
+            <p:cNvSpPr/>
+            <p:nvPr/>
+          </p:nvSpPr>
+          <p:spPr>
+            <a:xfrm>
+              <a:off x="4910601" y="1809173"/>
+              <a:ext cx="1295770" cy="3464924"/>
+            </a:xfrm>
+            <a:prstGeom prst="rect">
+              <a:avLst/>
+            </a:prstGeom>
+            <a:ln w="13550" cap="rnd">
+              <a:solidFill>
+                <a:srgbClr val="333333">
+                  <a:alpha val="100000"/>
+                </a:srgbClr>
+              </a:solidFill>
+              <a:prstDash val="solid"/>
+              <a:round/>
+            </a:ln>
+          </p:spPr>
+          <p:txBody>
+            <a:bodyPr/>
+            <a:lstStyle/>
+            <a:p/>
+          </p:txBody>
+        </p:sp>
+        <p:sp>
+          <p:nvSpPr>
+            <p:cNvPr id="47" name="rc47"/>
+            <p:cNvSpPr/>
+            <p:nvPr/>
+          </p:nvSpPr>
+          <p:spPr>
+            <a:xfrm>
+              <a:off x="6275961" y="1809173"/>
+              <a:ext cx="1295770" cy="3464924"/>
+            </a:xfrm>
+            <a:prstGeom prst="rect">
+              <a:avLst/>
+            </a:prstGeom>
+            <a:solidFill>
+              <a:srgbClr val="FFFFFF">
+                <a:alpha val="100000"/>
+              </a:srgbClr>
+            </a:solidFill>
+          </p:spPr>
+          <p:txBody>
+            <a:bodyPr/>
+            <a:lstStyle/>
+            <a:p/>
+          </p:txBody>
+        </p:sp>
+        <p:sp>
+          <p:nvSpPr>
+            <p:cNvPr id="48" name="pl48"/>
+            <p:cNvSpPr/>
+            <p:nvPr/>
+          </p:nvSpPr>
+          <p:spPr>
+            <a:xfrm>
+              <a:off x="6275961" y="4656084"/>
+              <a:ext cx="1295770" cy="0"/>
+            </a:xfrm>
+            <a:custGeom>
+              <a:avLst/>
+              <a:pathLst>
+                <a:path w="1295770" h="0">
+                  <a:moveTo>
+                    <a:pt x="0" y="0"/>
+                  </a:moveTo>
+                  <a:lnTo>
+                    <a:pt x="1295770" y="0"/>
+                  </a:lnTo>
+                  <a:lnTo>
+                    <a:pt x="1295770" y="0"/>
+                  </a:lnTo>
+                </a:path>
+              </a:pathLst>
+            </a:custGeom>
+            <a:ln w="6775" cap="flat">
+              <a:solidFill>
+                <a:srgbClr val="EBEBEB">
+                  <a:alpha val="100000"/>
+                </a:srgbClr>
+              </a:solidFill>
+              <a:prstDash val="solid"/>
+              <a:round/>
+            </a:ln>
+          </p:spPr>
+          <p:txBody>
+            <a:bodyPr/>
+            <a:lstStyle/>
+            <a:p/>
+          </p:txBody>
+        </p:sp>
+        <p:sp>
+          <p:nvSpPr>
+            <p:cNvPr id="49" name="pl49"/>
+            <p:cNvSpPr/>
+            <p:nvPr/>
+          </p:nvSpPr>
+          <p:spPr>
+            <a:xfrm>
+              <a:off x="6275961" y="3735052"/>
+              <a:ext cx="1295770" cy="0"/>
+            </a:xfrm>
+            <a:custGeom>
+              <a:avLst/>
+              <a:pathLst>
+                <a:path w="1295770" h="0">
+                  <a:moveTo>
+                    <a:pt x="0" y="0"/>
+                  </a:moveTo>
+                  <a:lnTo>
+                    <a:pt x="1295770" y="0"/>
+                  </a:lnTo>
+                  <a:lnTo>
+                    <a:pt x="1295770" y="0"/>
+                  </a:lnTo>
+                </a:path>
+              </a:pathLst>
+            </a:custGeom>
+            <a:ln w="6775" cap="flat">
+              <a:solidFill>
+                <a:srgbClr val="EBEBEB">
+                  <a:alpha val="100000"/>
+                </a:srgbClr>
+              </a:solidFill>
+              <a:prstDash val="solid"/>
+              <a:round/>
+            </a:ln>
+          </p:spPr>
+          <p:txBody>
+            <a:bodyPr/>
+            <a:lstStyle/>
+            <a:p/>
+          </p:txBody>
+        </p:sp>
+        <p:sp>
+          <p:nvSpPr>
+            <p:cNvPr id="50" name="pl50"/>
+            <p:cNvSpPr/>
+            <p:nvPr/>
+          </p:nvSpPr>
+          <p:spPr>
+            <a:xfrm>
+              <a:off x="6275961" y="2814019"/>
+              <a:ext cx="1295770" cy="0"/>
+            </a:xfrm>
+            <a:custGeom>
+              <a:avLst/>
+              <a:pathLst>
+                <a:path w="1295770" h="0">
+                  <a:moveTo>
+                    <a:pt x="0" y="0"/>
+                  </a:moveTo>
+                  <a:lnTo>
+                    <a:pt x="1295770" y="0"/>
+                  </a:lnTo>
+                  <a:lnTo>
+                    <a:pt x="1295770" y="0"/>
+                  </a:lnTo>
+                </a:path>
+              </a:pathLst>
+            </a:custGeom>
+            <a:ln w="6775" cap="flat">
+              <a:solidFill>
+                <a:srgbClr val="EBEBEB">
+                  <a:alpha val="100000"/>
+                </a:srgbClr>
+              </a:solidFill>
+              <a:prstDash val="solid"/>
+              <a:round/>
+            </a:ln>
+          </p:spPr>
+          <p:txBody>
+            <a:bodyPr/>
+            <a:lstStyle/>
+            <a:p/>
+          </p:txBody>
+        </p:sp>
+        <p:sp>
+          <p:nvSpPr>
+            <p:cNvPr id="51" name="pl51"/>
+            <p:cNvSpPr/>
+            <p:nvPr/>
+          </p:nvSpPr>
+          <p:spPr>
+            <a:xfrm>
+              <a:off x="6275961" y="1892987"/>
+              <a:ext cx="1295770" cy="0"/>
+            </a:xfrm>
+            <a:custGeom>
+              <a:avLst/>
+              <a:pathLst>
+                <a:path w="1295770" h="0">
+                  <a:moveTo>
+                    <a:pt x="0" y="0"/>
+                  </a:moveTo>
+                  <a:lnTo>
+                    <a:pt x="1295770" y="0"/>
+                  </a:lnTo>
+                  <a:lnTo>
+                    <a:pt x="1295770" y="0"/>
+                  </a:lnTo>
+                </a:path>
+              </a:pathLst>
+            </a:custGeom>
+            <a:ln w="6775" cap="flat">
+              <a:solidFill>
+                <a:srgbClr val="EBEBEB">
+                  <a:alpha val="100000"/>
+                </a:srgbClr>
+              </a:solidFill>
+              <a:prstDash val="solid"/>
+              <a:round/>
+            </a:ln>
+          </p:spPr>
+          <p:txBody>
+            <a:bodyPr/>
+            <a:lstStyle/>
+            <a:p/>
+          </p:txBody>
+        </p:sp>
+        <p:sp>
+          <p:nvSpPr>
+            <p:cNvPr id="52" name="pl52"/>
+            <p:cNvSpPr/>
+            <p:nvPr/>
+          </p:nvSpPr>
+          <p:spPr>
+            <a:xfrm>
+              <a:off x="6275961" y="5116600"/>
+              <a:ext cx="1295770" cy="0"/>
+            </a:xfrm>
+            <a:custGeom>
+              <a:avLst/>
+              <a:pathLst>
+                <a:path w="1295770" h="0">
+                  <a:moveTo>
+                    <a:pt x="0" y="0"/>
+                  </a:moveTo>
+                  <a:lnTo>
+                    <a:pt x="1295770" y="0"/>
+                  </a:lnTo>
+                  <a:lnTo>
+                    <a:pt x="1295770" y="0"/>
+                  </a:lnTo>
+                </a:path>
+              </a:pathLst>
+            </a:custGeom>
+            <a:ln w="13550" cap="flat">
+              <a:solidFill>
+                <a:srgbClr val="EBEBEB">
+                  <a:alpha val="100000"/>
+                </a:srgbClr>
+              </a:solidFill>
+              <a:prstDash val="solid"/>
+              <a:round/>
+            </a:ln>
+          </p:spPr>
+          <p:txBody>
+            <a:bodyPr/>
+            <a:lstStyle/>
+            <a:p/>
+          </p:txBody>
+        </p:sp>
+        <p:sp>
+          <p:nvSpPr>
+            <p:cNvPr id="53" name="pl53"/>
+            <p:cNvSpPr/>
+            <p:nvPr/>
+          </p:nvSpPr>
+          <p:spPr>
+            <a:xfrm>
+              <a:off x="6275961" y="4195568"/>
+              <a:ext cx="1295770" cy="0"/>
+            </a:xfrm>
+            <a:custGeom>
+              <a:avLst/>
+              <a:pathLst>
+                <a:path w="1295770" h="0">
+                  <a:moveTo>
+                    <a:pt x="0" y="0"/>
+                  </a:moveTo>
+                  <a:lnTo>
+                    <a:pt x="1295770" y="0"/>
+                  </a:lnTo>
+                  <a:lnTo>
+                    <a:pt x="1295770" y="0"/>
+                  </a:lnTo>
+                </a:path>
+              </a:pathLst>
+            </a:custGeom>
+            <a:ln w="13550" cap="flat">
+              <a:solidFill>
+                <a:srgbClr val="EBEBEB">
+                  <a:alpha val="100000"/>
+                </a:srgbClr>
+              </a:solidFill>
+              <a:prstDash val="solid"/>
+              <a:round/>
+            </a:ln>
+          </p:spPr>
+          <p:txBody>
+            <a:bodyPr/>
+            <a:lstStyle/>
+            <a:p/>
+          </p:txBody>
+        </p:sp>
+        <p:sp>
+          <p:nvSpPr>
+            <p:cNvPr id="54" name="pl54"/>
+            <p:cNvSpPr/>
+            <p:nvPr/>
+          </p:nvSpPr>
+          <p:spPr>
+            <a:xfrm>
+              <a:off x="6275961" y="3274535"/>
+              <a:ext cx="1295770" cy="0"/>
+            </a:xfrm>
+            <a:custGeom>
+              <a:avLst/>
+              <a:pathLst>
+                <a:path w="1295770" h="0">
+                  <a:moveTo>
+                    <a:pt x="0" y="0"/>
+                  </a:moveTo>
+                  <a:lnTo>
+                    <a:pt x="1295770" y="0"/>
+                  </a:lnTo>
+                  <a:lnTo>
+                    <a:pt x="1295770" y="0"/>
+                  </a:lnTo>
+                </a:path>
+              </a:pathLst>
+            </a:custGeom>
+            <a:ln w="13550" cap="flat">
+              <a:solidFill>
+                <a:srgbClr val="EBEBEB">
+                  <a:alpha val="100000"/>
+                </a:srgbClr>
+              </a:solidFill>
+              <a:prstDash val="solid"/>
+              <a:round/>
+            </a:ln>
+          </p:spPr>
+          <p:txBody>
+            <a:bodyPr/>
+            <a:lstStyle/>
+            <a:p/>
+          </p:txBody>
+        </p:sp>
+        <p:sp>
+          <p:nvSpPr>
+            <p:cNvPr id="55" name="pl55"/>
+            <p:cNvSpPr/>
+            <p:nvPr/>
+          </p:nvSpPr>
+          <p:spPr>
+            <a:xfrm>
+              <a:off x="6275961" y="2353503"/>
+              <a:ext cx="1295770" cy="0"/>
+            </a:xfrm>
+            <a:custGeom>
+              <a:avLst/>
+              <a:pathLst>
+                <a:path w="1295770" h="0">
+                  <a:moveTo>
+                    <a:pt x="0" y="0"/>
+                  </a:moveTo>
+                  <a:lnTo>
+                    <a:pt x="1295770" y="0"/>
+                  </a:lnTo>
+                  <a:lnTo>
+                    <a:pt x="1295770" y="0"/>
+                  </a:lnTo>
+                </a:path>
+              </a:pathLst>
+            </a:custGeom>
+            <a:ln w="13550" cap="flat">
+              <a:solidFill>
+                <a:srgbClr val="EBEBEB">
+                  <a:alpha val="100000"/>
+                </a:srgbClr>
+              </a:solidFill>
+              <a:prstDash val="solid"/>
+              <a:round/>
+            </a:ln>
+          </p:spPr>
+          <p:txBody>
+            <a:bodyPr/>
+            <a:lstStyle/>
+            <a:p/>
+          </p:txBody>
+        </p:sp>
+        <p:sp>
+          <p:nvSpPr>
+            <p:cNvPr id="56" name="pl56"/>
+            <p:cNvSpPr/>
+            <p:nvPr/>
+          </p:nvSpPr>
+          <p:spPr>
+            <a:xfrm>
+              <a:off x="6629353" y="1809173"/>
+              <a:ext cx="0" cy="3464924"/>
+            </a:xfrm>
+            <a:custGeom>
+              <a:avLst/>
+              <a:pathLst>
+                <a:path w="0" h="3464924">
+                  <a:moveTo>
+                    <a:pt x="0" y="3464924"/>
+                  </a:moveTo>
+                  <a:lnTo>
+                    <a:pt x="0" y="0"/>
+                  </a:lnTo>
+                  <a:lnTo>
+                    <a:pt x="0" y="0"/>
+                  </a:lnTo>
+                </a:path>
+              </a:pathLst>
+            </a:custGeom>
+            <a:ln w="13550" cap="flat">
+              <a:solidFill>
+                <a:srgbClr val="EBEBEB">
+                  <a:alpha val="100000"/>
+                </a:srgbClr>
+              </a:solidFill>
+              <a:prstDash val="solid"/>
+              <a:round/>
+            </a:ln>
+          </p:spPr>
+          <p:txBody>
+            <a:bodyPr/>
+            <a:lstStyle/>
+            <a:p/>
+          </p:txBody>
+        </p:sp>
+        <p:sp>
+          <p:nvSpPr>
+            <p:cNvPr id="57" name="pl57"/>
+            <p:cNvSpPr/>
+            <p:nvPr/>
+          </p:nvSpPr>
+          <p:spPr>
+            <a:xfrm>
+              <a:off x="7218340" y="1809173"/>
+              <a:ext cx="0" cy="3464924"/>
+            </a:xfrm>
+            <a:custGeom>
+              <a:avLst/>
+              <a:pathLst>
+                <a:path w="0" h="3464924">
+                  <a:moveTo>
+                    <a:pt x="0" y="3464924"/>
+                  </a:moveTo>
+                  <a:lnTo>
+                    <a:pt x="0" y="0"/>
+                  </a:lnTo>
+                  <a:lnTo>
+                    <a:pt x="0" y="0"/>
+                  </a:lnTo>
+                </a:path>
+              </a:pathLst>
+            </a:custGeom>
+            <a:ln w="13550" cap="flat">
+              <a:solidFill>
+                <a:srgbClr val="EBEBEB">
+                  <a:alpha val="100000"/>
+                </a:srgbClr>
+              </a:solidFill>
+              <a:prstDash val="solid"/>
+              <a:round/>
+            </a:ln>
+          </p:spPr>
+          <p:txBody>
+            <a:bodyPr/>
+            <a:lstStyle/>
+            <a:p/>
+          </p:txBody>
+        </p:sp>
+        <p:sp>
+          <p:nvSpPr>
+            <p:cNvPr id="58" name="rc58"/>
+            <p:cNvSpPr/>
+            <p:nvPr/>
+          </p:nvSpPr>
+          <p:spPr>
+            <a:xfrm>
+              <a:off x="6364309" y="4812660"/>
+              <a:ext cx="530088" cy="303940"/>
+            </a:xfrm>
+            <a:prstGeom prst="rect">
+              <a:avLst/>
+            </a:prstGeom>
+            <a:solidFill>
+              <a:srgbClr val="FEE0D2">
+                <a:alpha val="100000"/>
+              </a:srgbClr>
+            </a:solidFill>
+          </p:spPr>
+          <p:txBody>
+            <a:bodyPr/>
+            <a:lstStyle/>
+            <a:p/>
+          </p:txBody>
+        </p:sp>
+        <p:sp>
+          <p:nvSpPr>
+            <p:cNvPr id="59" name="rc59"/>
+            <p:cNvSpPr/>
+            <p:nvPr/>
+          </p:nvSpPr>
+          <p:spPr>
+            <a:xfrm>
+              <a:off x="6953296" y="4775818"/>
+              <a:ext cx="530088" cy="340782"/>
+            </a:xfrm>
+            <a:prstGeom prst="rect">
+              <a:avLst/>
+            </a:prstGeom>
+            <a:solidFill>
+              <a:srgbClr val="FC9272">
+                <a:alpha val="100000"/>
+              </a:srgbClr>
+            </a:solidFill>
+          </p:spPr>
+          <p:txBody>
+            <a:bodyPr/>
+            <a:lstStyle/>
+            <a:p/>
+          </p:txBody>
+        </p:sp>
+        <p:sp>
+          <p:nvSpPr>
+            <p:cNvPr id="60" name="rc60"/>
+            <p:cNvSpPr/>
+            <p:nvPr/>
+          </p:nvSpPr>
+          <p:spPr>
+            <a:xfrm>
+              <a:off x="6275961" y="1809173"/>
+              <a:ext cx="1295770" cy="3464924"/>
+            </a:xfrm>
+            <a:prstGeom prst="rect">
+              <a:avLst/>
+            </a:prstGeom>
+            <a:ln w="13550" cap="rnd">
+              <a:solidFill>
+                <a:srgbClr val="333333">
+                  <a:alpha val="100000"/>
+                </a:srgbClr>
+              </a:solidFill>
+              <a:prstDash val="solid"/>
+              <a:round/>
+            </a:ln>
+          </p:spPr>
+          <p:txBody>
+            <a:bodyPr/>
+            <a:lstStyle/>
+            <a:p/>
+          </p:txBody>
+        </p:sp>
+        <p:sp>
+          <p:nvSpPr>
+            <p:cNvPr id="61" name="rc61"/>
+            <p:cNvSpPr/>
+            <p:nvPr/>
+          </p:nvSpPr>
+          <p:spPr>
+            <a:xfrm>
+              <a:off x="7641321" y="1809173"/>
+              <a:ext cx="1295770" cy="3464924"/>
+            </a:xfrm>
+            <a:prstGeom prst="rect">
+              <a:avLst/>
+            </a:prstGeom>
+            <a:solidFill>
+              <a:srgbClr val="FFFFFF">
+                <a:alpha val="100000"/>
+              </a:srgbClr>
+            </a:solidFill>
+          </p:spPr>
+          <p:txBody>
+            <a:bodyPr/>
+            <a:lstStyle/>
+            <a:p/>
+          </p:txBody>
+        </p:sp>
+        <p:sp>
+          <p:nvSpPr>
+            <p:cNvPr id="62" name="pl62"/>
+            <p:cNvSpPr/>
+            <p:nvPr/>
+          </p:nvSpPr>
+          <p:spPr>
+            <a:xfrm>
+              <a:off x="7641321" y="4656084"/>
+              <a:ext cx="1295770" cy="0"/>
+            </a:xfrm>
+            <a:custGeom>
+              <a:avLst/>
+              <a:pathLst>
+                <a:path w="1295770" h="0">
+                  <a:moveTo>
+                    <a:pt x="0" y="0"/>
+                  </a:moveTo>
+                  <a:lnTo>
+                    <a:pt x="1295770" y="0"/>
+                  </a:lnTo>
+                  <a:lnTo>
+                    <a:pt x="1295770" y="0"/>
+                  </a:lnTo>
+                </a:path>
+              </a:pathLst>
+            </a:custGeom>
+            <a:ln w="6775" cap="flat">
+              <a:solidFill>
+                <a:srgbClr val="EBEBEB">
+                  <a:alpha val="100000"/>
+                </a:srgbClr>
+              </a:solidFill>
+              <a:prstDash val="solid"/>
+              <a:round/>
+            </a:ln>
+          </p:spPr>
+          <p:txBody>
+            <a:bodyPr/>
+            <a:lstStyle/>
+            <a:p/>
+          </p:txBody>
+        </p:sp>
+        <p:sp>
+          <p:nvSpPr>
+            <p:cNvPr id="63" name="pl63"/>
+            <p:cNvSpPr/>
+            <p:nvPr/>
+          </p:nvSpPr>
+          <p:spPr>
+            <a:xfrm>
+              <a:off x="7641321" y="3735052"/>
+              <a:ext cx="1295770" cy="0"/>
+            </a:xfrm>
+            <a:custGeom>
+              <a:avLst/>
+              <a:pathLst>
+                <a:path w="1295770" h="0">
+                  <a:moveTo>
+                    <a:pt x="0" y="0"/>
+                  </a:moveTo>
+                  <a:lnTo>
+                    <a:pt x="1295770" y="0"/>
+                  </a:lnTo>
+                  <a:lnTo>
+                    <a:pt x="1295770" y="0"/>
+                  </a:lnTo>
+                </a:path>
+              </a:pathLst>
+            </a:custGeom>
+            <a:ln w="6775" cap="flat">
+              <a:solidFill>
+                <a:srgbClr val="EBEBEB">
+                  <a:alpha val="100000"/>
+                </a:srgbClr>
+              </a:solidFill>
+              <a:prstDash val="solid"/>
+              <a:round/>
+            </a:ln>
+          </p:spPr>
+          <p:txBody>
+            <a:bodyPr/>
+            <a:lstStyle/>
+            <a:p/>
+          </p:txBody>
+        </p:sp>
+        <p:sp>
+          <p:nvSpPr>
+            <p:cNvPr id="64" name="pl64"/>
+            <p:cNvSpPr/>
+            <p:nvPr/>
+          </p:nvSpPr>
+          <p:spPr>
+            <a:xfrm>
+              <a:off x="7641321" y="2814019"/>
+              <a:ext cx="1295770" cy="0"/>
+            </a:xfrm>
+            <a:custGeom>
+              <a:avLst/>
+              <a:pathLst>
+                <a:path w="1295770" h="0">
+                  <a:moveTo>
+                    <a:pt x="0" y="0"/>
+                  </a:moveTo>
+                  <a:lnTo>
+                    <a:pt x="1295770" y="0"/>
+                  </a:lnTo>
+                  <a:lnTo>
+                    <a:pt x="1295770" y="0"/>
+                  </a:lnTo>
+                </a:path>
+              </a:pathLst>
+            </a:custGeom>
+            <a:ln w="6775" cap="flat">
+              <a:solidFill>
+                <a:srgbClr val="EBEBEB">
+                  <a:alpha val="100000"/>
+                </a:srgbClr>
+              </a:solidFill>
+              <a:prstDash val="solid"/>
+              <a:round/>
+            </a:ln>
+          </p:spPr>
+          <p:txBody>
+            <a:bodyPr/>
+            <a:lstStyle/>
+            <a:p/>
+          </p:txBody>
+        </p:sp>
+        <p:sp>
+          <p:nvSpPr>
+            <p:cNvPr id="65" name="pl65"/>
+            <p:cNvSpPr/>
+            <p:nvPr/>
+          </p:nvSpPr>
+          <p:spPr>
+            <a:xfrm>
+              <a:off x="7641321" y="1892987"/>
+              <a:ext cx="1295770" cy="0"/>
+            </a:xfrm>
+            <a:custGeom>
+              <a:avLst/>
+              <a:pathLst>
+                <a:path w="1295770" h="0">
+                  <a:moveTo>
+                    <a:pt x="0" y="0"/>
+                  </a:moveTo>
+                  <a:lnTo>
+                    <a:pt x="1295770" y="0"/>
+                  </a:lnTo>
+                  <a:lnTo>
+                    <a:pt x="1295770" y="0"/>
+                  </a:lnTo>
+                </a:path>
+              </a:pathLst>
+            </a:custGeom>
+            <a:ln w="6775" cap="flat">
+              <a:solidFill>
+                <a:srgbClr val="EBEBEB">
+                  <a:alpha val="100000"/>
+                </a:srgbClr>
+              </a:solidFill>
+              <a:prstDash val="solid"/>
+              <a:round/>
+            </a:ln>
+          </p:spPr>
+          <p:txBody>
+            <a:bodyPr/>
+            <a:lstStyle/>
+            <a:p/>
+          </p:txBody>
+        </p:sp>
+        <p:sp>
+          <p:nvSpPr>
+            <p:cNvPr id="66" name="pl66"/>
+            <p:cNvSpPr/>
+            <p:nvPr/>
+          </p:nvSpPr>
+          <p:spPr>
+            <a:xfrm>
+              <a:off x="7641321" y="5116600"/>
+              <a:ext cx="1295770" cy="0"/>
+            </a:xfrm>
+            <a:custGeom>
+              <a:avLst/>
+              <a:pathLst>
+                <a:path w="1295770" h="0">
+                  <a:moveTo>
+                    <a:pt x="0" y="0"/>
+                  </a:moveTo>
+                  <a:lnTo>
+                    <a:pt x="1295770" y="0"/>
+                  </a:lnTo>
+                  <a:lnTo>
+                    <a:pt x="1295770" y="0"/>
+                  </a:lnTo>
+                </a:path>
+              </a:pathLst>
+            </a:custGeom>
+            <a:ln w="13550" cap="flat">
+              <a:solidFill>
+                <a:srgbClr val="EBEBEB">
+                  <a:alpha val="100000"/>
+                </a:srgbClr>
+              </a:solidFill>
+              <a:prstDash val="solid"/>
+              <a:round/>
+            </a:ln>
+          </p:spPr>
+          <p:txBody>
+            <a:bodyPr/>
+            <a:lstStyle/>
+            <a:p/>
+          </p:txBody>
+        </p:sp>
+        <p:sp>
+          <p:nvSpPr>
+            <p:cNvPr id="67" name="pl67"/>
+            <p:cNvSpPr/>
+            <p:nvPr/>
+          </p:nvSpPr>
+          <p:spPr>
+            <a:xfrm>
+              <a:off x="7641321" y="4195568"/>
+              <a:ext cx="1295770" cy="0"/>
+            </a:xfrm>
+            <a:custGeom>
+              <a:avLst/>
+              <a:pathLst>
+                <a:path w="1295770" h="0">
+                  <a:moveTo>
+                    <a:pt x="0" y="0"/>
+                  </a:moveTo>
+                  <a:lnTo>
+                    <a:pt x="1295770" y="0"/>
+                  </a:lnTo>
+                  <a:lnTo>
+                    <a:pt x="1295770" y="0"/>
+                  </a:lnTo>
+                </a:path>
+              </a:pathLst>
+            </a:custGeom>
+            <a:ln w="13550" cap="flat">
+              <a:solidFill>
+                <a:srgbClr val="EBEBEB">
+                  <a:alpha val="100000"/>
+                </a:srgbClr>
+              </a:solidFill>
+              <a:prstDash val="solid"/>
+              <a:round/>
+            </a:ln>
+          </p:spPr>
+          <p:txBody>
+            <a:bodyPr/>
+            <a:lstStyle/>
+            <a:p/>
+          </p:txBody>
+        </p:sp>
+        <p:sp>
+          <p:nvSpPr>
+            <p:cNvPr id="68" name="pl68"/>
+            <p:cNvSpPr/>
+            <p:nvPr/>
+          </p:nvSpPr>
+          <p:spPr>
+            <a:xfrm>
+              <a:off x="7641321" y="3274535"/>
+              <a:ext cx="1295770" cy="0"/>
+            </a:xfrm>
+            <a:custGeom>
+              <a:avLst/>
+              <a:pathLst>
+                <a:path w="1295770" h="0">
+                  <a:moveTo>
+                    <a:pt x="0" y="0"/>
+                  </a:moveTo>
+                  <a:lnTo>
+                    <a:pt x="1295770" y="0"/>
+                  </a:lnTo>
+                  <a:lnTo>
+                    <a:pt x="1295770" y="0"/>
+                  </a:lnTo>
+                </a:path>
+              </a:pathLst>
+            </a:custGeom>
+            <a:ln w="13550" cap="flat">
+              <a:solidFill>
+                <a:srgbClr val="EBEBEB">
+                  <a:alpha val="100000"/>
+                </a:srgbClr>
+              </a:solidFill>
+              <a:prstDash val="solid"/>
+              <a:round/>
+            </a:ln>
+          </p:spPr>
+          <p:txBody>
+            <a:bodyPr/>
+            <a:lstStyle/>
+            <a:p/>
+          </p:txBody>
+        </p:sp>
+        <p:sp>
+          <p:nvSpPr>
+            <p:cNvPr id="69" name="pl69"/>
+            <p:cNvSpPr/>
+            <p:nvPr/>
+          </p:nvSpPr>
+          <p:spPr>
+            <a:xfrm>
+              <a:off x="7641321" y="2353503"/>
+              <a:ext cx="1295770" cy="0"/>
+            </a:xfrm>
+            <a:custGeom>
+              <a:avLst/>
+              <a:pathLst>
+                <a:path w="1295770" h="0">
+                  <a:moveTo>
+                    <a:pt x="0" y="0"/>
+                  </a:moveTo>
+                  <a:lnTo>
+                    <a:pt x="1295770" y="0"/>
+                  </a:lnTo>
+                  <a:lnTo>
+                    <a:pt x="1295770" y="0"/>
+                  </a:lnTo>
+                </a:path>
+              </a:pathLst>
+            </a:custGeom>
+            <a:ln w="13550" cap="flat">
+              <a:solidFill>
+                <a:srgbClr val="EBEBEB">
+                  <a:alpha val="100000"/>
+                </a:srgbClr>
+              </a:solidFill>
+              <a:prstDash val="solid"/>
+              <a:round/>
+            </a:ln>
+          </p:spPr>
+          <p:txBody>
+            <a:bodyPr/>
+            <a:lstStyle/>
+            <a:p/>
+          </p:txBody>
+        </p:sp>
+        <p:sp>
+          <p:nvSpPr>
+            <p:cNvPr id="70" name="pl70"/>
+            <p:cNvSpPr/>
+            <p:nvPr/>
+          </p:nvSpPr>
+          <p:spPr>
+            <a:xfrm>
+              <a:off x="7994713" y="1809173"/>
+              <a:ext cx="0" cy="3464924"/>
+            </a:xfrm>
+            <a:custGeom>
+              <a:avLst/>
+              <a:pathLst>
+                <a:path w="0" h="3464924">
+                  <a:moveTo>
+                    <a:pt x="0" y="3464924"/>
+                  </a:moveTo>
+                  <a:lnTo>
+                    <a:pt x="0" y="0"/>
+                  </a:lnTo>
+                  <a:lnTo>
+                    <a:pt x="0" y="0"/>
+                  </a:lnTo>
+                </a:path>
+              </a:pathLst>
+            </a:custGeom>
+            <a:ln w="13550" cap="flat">
+              <a:solidFill>
+                <a:srgbClr val="EBEBEB">
+                  <a:alpha val="100000"/>
+                </a:srgbClr>
+              </a:solidFill>
+              <a:prstDash val="solid"/>
+              <a:round/>
+            </a:ln>
+          </p:spPr>
+          <p:txBody>
+            <a:bodyPr/>
+            <a:lstStyle/>
+            <a:p/>
+          </p:txBody>
+        </p:sp>
+        <p:sp>
+          <p:nvSpPr>
+            <p:cNvPr id="71" name="pl71"/>
+            <p:cNvSpPr/>
+            <p:nvPr/>
+          </p:nvSpPr>
+          <p:spPr>
+            <a:xfrm>
+              <a:off x="8583700" y="1809173"/>
+              <a:ext cx="0" cy="3464924"/>
+            </a:xfrm>
+            <a:custGeom>
+              <a:avLst/>
+              <a:pathLst>
+                <a:path w="0" h="3464924">
+                  <a:moveTo>
+                    <a:pt x="0" y="3464924"/>
+                  </a:moveTo>
+                  <a:lnTo>
+                    <a:pt x="0" y="0"/>
+                  </a:lnTo>
+                  <a:lnTo>
+                    <a:pt x="0" y="0"/>
+                  </a:lnTo>
+                </a:path>
+              </a:pathLst>
+            </a:custGeom>
+            <a:ln w="13550" cap="flat">
+              <a:solidFill>
+                <a:srgbClr val="EBEBEB">
+                  <a:alpha val="100000"/>
+                </a:srgbClr>
+              </a:solidFill>
+              <a:prstDash val="solid"/>
+              <a:round/>
+            </a:ln>
+          </p:spPr>
+          <p:txBody>
+            <a:bodyPr/>
+            <a:lstStyle/>
+            <a:p/>
+          </p:txBody>
+        </p:sp>
+        <p:sp>
+          <p:nvSpPr>
+            <p:cNvPr id="72" name="rc72"/>
+            <p:cNvSpPr/>
+            <p:nvPr/>
+          </p:nvSpPr>
+          <p:spPr>
+            <a:xfrm>
+              <a:off x="7729669" y="4379774"/>
+              <a:ext cx="530088" cy="736826"/>
+            </a:xfrm>
+            <a:prstGeom prst="rect">
+              <a:avLst/>
+            </a:prstGeom>
+            <a:solidFill>
+              <a:srgbClr val="FEE0D2">
+                <a:alpha val="100000"/>
+              </a:srgbClr>
+            </a:solidFill>
+          </p:spPr>
+          <p:txBody>
+            <a:bodyPr/>
+            <a:lstStyle/>
+            <a:p/>
+          </p:txBody>
+        </p:sp>
+        <p:sp>
+          <p:nvSpPr>
+            <p:cNvPr id="73" name="rc73"/>
+            <p:cNvSpPr/>
+            <p:nvPr/>
+          </p:nvSpPr>
+          <p:spPr>
+            <a:xfrm>
+              <a:off x="8318656" y="4950815"/>
+              <a:ext cx="530088" cy="165785"/>
+            </a:xfrm>
+            <a:prstGeom prst="rect">
+              <a:avLst/>
+            </a:prstGeom>
+            <a:solidFill>
+              <a:srgbClr val="FC9272">
+                <a:alpha val="100000"/>
+              </a:srgbClr>
+            </a:solidFill>
+          </p:spPr>
+          <p:txBody>
+            <a:bodyPr/>
+            <a:lstStyle/>
+            <a:p/>
+          </p:txBody>
+        </p:sp>
+        <p:sp>
+          <p:nvSpPr>
+            <p:cNvPr id="74" name="rc74"/>
+            <p:cNvSpPr/>
+            <p:nvPr/>
+          </p:nvSpPr>
+          <p:spPr>
+            <a:xfrm>
+              <a:off x="7641321" y="1809173"/>
+              <a:ext cx="1295770" cy="3464924"/>
+            </a:xfrm>
+            <a:prstGeom prst="rect">
+              <a:avLst/>
+            </a:prstGeom>
+            <a:ln w="13550" cap="rnd">
+              <a:solidFill>
+                <a:srgbClr val="333333">
+                  <a:alpha val="100000"/>
+                </a:srgbClr>
+              </a:solidFill>
+              <a:prstDash val="solid"/>
+              <a:round/>
+            </a:ln>
+          </p:spPr>
+          <p:txBody>
+            <a:bodyPr/>
+            <a:lstStyle/>
+            <a:p/>
+          </p:txBody>
+        </p:sp>
+        <p:sp>
+          <p:nvSpPr>
+            <p:cNvPr id="75" name="rc75"/>
+            <p:cNvSpPr/>
+            <p:nvPr/>
+          </p:nvSpPr>
+          <p:spPr>
+            <a:xfrm>
+              <a:off x="2179881" y="1590617"/>
+              <a:ext cx="1295770" cy="218555"/>
+            </a:xfrm>
+            <a:prstGeom prst="rect">
+              <a:avLst/>
+            </a:prstGeom>
+            <a:solidFill>
+              <a:srgbClr val="D9D9D9">
+                <a:alpha val="100000"/>
+              </a:srgbClr>
+            </a:solidFill>
+            <a:ln w="13550" cap="rnd">
+              <a:solidFill>
+                <a:srgbClr val="333333">
+                  <a:alpha val="100000"/>
+                </a:srgbClr>
+              </a:solidFill>
+              <a:prstDash val="solid"/>
+              <a:round/>
+            </a:ln>
+          </p:spPr>
+          <p:txBody>
+            <a:bodyPr/>
+            <a:lstStyle/>
+            <a:p/>
+          </p:txBody>
+        </p:sp>
+        <p:sp>
+          <p:nvSpPr>
+            <p:cNvPr id="76" name="tx76"/>
+            <p:cNvSpPr/>
+            <p:nvPr/>
+          </p:nvSpPr>
+          <p:spPr>
+            <a:xfrm>
+              <a:off x="2618217" y="1670045"/>
+              <a:ext cx="419100" cy="69850"/>
             </a:xfrm>
             <a:prstGeom prst="rect">
               <a:avLst/>
@@ -4105,30 +5941,65 @@
                 </a:spcAft>
               </a:pPr>
               <a:r>
-                <a:rPr sz="880" b="1">
+                <a:rPr sz="880">
                   <a:solidFill>
-                    <a:srgbClr val="4D4D4D">
+                    <a:srgbClr val="1A1A1A">
                       <a:alpha val="100000"/>
                     </a:srgbClr>
                   </a:solidFill>
                   <a:latin typeface="Arial"/>
                   <a:cs typeface="Arial"/>
                 </a:rPr>
-                <a:t>5</a:t>
+                <a:t>基础研究者</a:t>
               </a:r>
             </a:p>
           </p:txBody>
         </p:sp>
         <p:sp>
           <p:nvSpPr>
-            <p:cNvPr id="29" name="tx29"/>
-            <p:cNvSpPr/>
-            <p:nvPr/>
-          </p:nvSpPr>
-          <p:spPr>
-            <a:xfrm>
-              <a:off x="1926599" y="4352966"/>
-              <a:ext cx="62155" cy="80327"/>
+            <p:cNvPr id="77" name="rc77"/>
+            <p:cNvSpPr/>
+            <p:nvPr/>
+          </p:nvSpPr>
+          <p:spPr>
+            <a:xfrm>
+              <a:off x="3545241" y="1590617"/>
+              <a:ext cx="1295770" cy="218555"/>
+            </a:xfrm>
+            <a:prstGeom prst="rect">
+              <a:avLst/>
+            </a:prstGeom>
+            <a:solidFill>
+              <a:srgbClr val="D9D9D9">
+                <a:alpha val="100000"/>
+              </a:srgbClr>
+            </a:solidFill>
+            <a:ln w="13550" cap="rnd">
+              <a:solidFill>
+                <a:srgbClr val="333333">
+                  <a:alpha val="100000"/>
+                </a:srgbClr>
+              </a:solidFill>
+              <a:prstDash val="solid"/>
+              <a:round/>
+            </a:ln>
+          </p:spPr>
+          <p:txBody>
+            <a:bodyPr/>
+            <a:lstStyle/>
+            <a:p/>
+          </p:txBody>
+        </p:sp>
+        <p:sp>
+          <p:nvSpPr>
+            <p:cNvPr id="78" name="tx78"/>
+            <p:cNvSpPr/>
+            <p:nvPr/>
+          </p:nvSpPr>
+          <p:spPr>
+            <a:xfrm>
+              <a:off x="4025487" y="1670045"/>
+              <a:ext cx="335280" cy="69850"/>
             </a:xfrm>
             <a:prstGeom prst="rect">
               <a:avLst/>
@@ -4151,30 +6022,65 @@
                 </a:spcAft>
               </a:pPr>
               <a:r>
-                <a:rPr sz="880" b="1">
+                <a:rPr sz="880">
                   <a:solidFill>
-                    <a:srgbClr val="4D4D4D">
+                    <a:srgbClr val="1A1A1A">
                       <a:alpha val="100000"/>
                     </a:srgbClr>
                   </a:solidFill>
                   <a:latin typeface="Arial"/>
                   <a:cs typeface="Arial"/>
                 </a:rPr>
-                <a:t>4</a:t>
+                <a:t>临床医生</a:t>
               </a:r>
             </a:p>
           </p:txBody>
         </p:sp>
         <p:sp>
           <p:nvSpPr>
-            <p:cNvPr id="30" name="tx30"/>
-            <p:cNvSpPr/>
-            <p:nvPr/>
-          </p:nvSpPr>
-          <p:spPr>
-            <a:xfrm>
-              <a:off x="1926599" y="3573080"/>
-              <a:ext cx="62155" cy="81691"/>
+            <p:cNvPr id="79" name="rc79"/>
+            <p:cNvSpPr/>
+            <p:nvPr/>
+          </p:nvSpPr>
+          <p:spPr>
+            <a:xfrm>
+              <a:off x="4910601" y="1590617"/>
+              <a:ext cx="1295770" cy="218555"/>
+            </a:xfrm>
+            <a:prstGeom prst="rect">
+              <a:avLst/>
+            </a:prstGeom>
+            <a:solidFill>
+              <a:srgbClr val="D9D9D9">
+                <a:alpha val="100000"/>
+              </a:srgbClr>
+            </a:solidFill>
+            <a:ln w="13550" cap="rnd">
+              <a:solidFill>
+                <a:srgbClr val="333333">
+                  <a:alpha val="100000"/>
+                </a:srgbClr>
+              </a:solidFill>
+              <a:prstDash val="solid"/>
+              <a:round/>
+            </a:ln>
+          </p:spPr>
+          <p:txBody>
+            <a:bodyPr/>
+            <a:lstStyle/>
+            <a:p/>
+          </p:txBody>
+        </p:sp>
+        <p:sp>
+          <p:nvSpPr>
+            <p:cNvPr id="80" name="tx80"/>
+            <p:cNvSpPr/>
+            <p:nvPr/>
+          </p:nvSpPr>
+          <p:spPr>
+            <a:xfrm>
+              <a:off x="5348937" y="1670045"/>
+              <a:ext cx="419100" cy="69850"/>
             </a:xfrm>
             <a:prstGeom prst="rect">
               <a:avLst/>
@@ -4197,30 +6103,65 @@
                 </a:spcAft>
               </a:pPr>
               <a:r>
-                <a:rPr sz="880" b="1">
+                <a:rPr sz="880">
                   <a:solidFill>
-                    <a:srgbClr val="4D4D4D">
+                    <a:srgbClr val="1A1A1A">
                       <a:alpha val="100000"/>
                     </a:srgbClr>
                   </a:solidFill>
                   <a:latin typeface="Arial"/>
                   <a:cs typeface="Arial"/>
                 </a:rPr>
-                <a:t>3</a:t>
+                <a:t>企业管理者</a:t>
               </a:r>
             </a:p>
           </p:txBody>
         </p:sp>
         <p:sp>
           <p:nvSpPr>
-            <p:cNvPr id="31" name="tx31"/>
-            <p:cNvSpPr/>
-            <p:nvPr/>
-          </p:nvSpPr>
-          <p:spPr>
-            <a:xfrm>
-              <a:off x="1926599" y="2795923"/>
-              <a:ext cx="62155" cy="80327"/>
+            <p:cNvPr id="81" name="rc81"/>
+            <p:cNvSpPr/>
+            <p:nvPr/>
+          </p:nvSpPr>
+          <p:spPr>
+            <a:xfrm>
+              <a:off x="6275961" y="1590617"/>
+              <a:ext cx="1295770" cy="218555"/>
+            </a:xfrm>
+            <a:prstGeom prst="rect">
+              <a:avLst/>
+            </a:prstGeom>
+            <a:solidFill>
+              <a:srgbClr val="D9D9D9">
+                <a:alpha val="100000"/>
+              </a:srgbClr>
+            </a:solidFill>
+            <a:ln w="13550" cap="rnd">
+              <a:solidFill>
+                <a:srgbClr val="333333">
+                  <a:alpha val="100000"/>
+                </a:srgbClr>
+              </a:solidFill>
+              <a:prstDash val="solid"/>
+              <a:round/>
+            </a:ln>
+          </p:spPr>
+          <p:txBody>
+            <a:bodyPr/>
+            <a:lstStyle/>
+            <a:p/>
+          </p:txBody>
+        </p:sp>
+        <p:sp>
+          <p:nvSpPr>
+            <p:cNvPr id="82" name="tx82"/>
+            <p:cNvSpPr/>
+            <p:nvPr/>
+          </p:nvSpPr>
+          <p:spPr>
+            <a:xfrm>
+              <a:off x="6672387" y="1670045"/>
+              <a:ext cx="502920" cy="69850"/>
             </a:xfrm>
             <a:prstGeom prst="rect">
               <a:avLst/>
@@ -4243,30 +6184,65 @@
                 </a:spcAft>
               </a:pPr>
               <a:r>
-                <a:rPr sz="880" b="1">
+                <a:rPr sz="880">
                   <a:solidFill>
-                    <a:srgbClr val="4D4D4D">
+                    <a:srgbClr val="1A1A1A">
                       <a:alpha val="100000"/>
                     </a:srgbClr>
                   </a:solidFill>
                   <a:latin typeface="Arial"/>
                   <a:cs typeface="Arial"/>
                 </a:rPr>
-                <a:t>2</a:t>
+                <a:t>企业研发人员</a:t>
               </a:r>
             </a:p>
           </p:txBody>
         </p:sp>
         <p:sp>
           <p:nvSpPr>
-            <p:cNvPr id="32" name="tx32"/>
-            <p:cNvSpPr/>
-            <p:nvPr/>
-          </p:nvSpPr>
-          <p:spPr>
-            <a:xfrm>
-              <a:off x="1926599" y="2017402"/>
-              <a:ext cx="62155" cy="80327"/>
+            <p:cNvPr id="83" name="rc83"/>
+            <p:cNvSpPr/>
+            <p:nvPr/>
+          </p:nvSpPr>
+          <p:spPr>
+            <a:xfrm>
+              <a:off x="7641321" y="1590617"/>
+              <a:ext cx="1295770" cy="218555"/>
+            </a:xfrm>
+            <a:prstGeom prst="rect">
+              <a:avLst/>
+            </a:prstGeom>
+            <a:solidFill>
+              <a:srgbClr val="D9D9D9">
+                <a:alpha val="100000"/>
+              </a:srgbClr>
+            </a:solidFill>
+            <a:ln w="13550" cap="rnd">
+              <a:solidFill>
+                <a:srgbClr val="333333">
+                  <a:alpha val="100000"/>
+                </a:srgbClr>
+              </a:solidFill>
+              <a:prstDash val="solid"/>
+              <a:round/>
+            </a:ln>
+          </p:spPr>
+          <p:txBody>
+            <a:bodyPr/>
+            <a:lstStyle/>
+            <a:p/>
+          </p:txBody>
+        </p:sp>
+        <p:sp>
+          <p:nvSpPr>
+            <p:cNvPr id="84" name="tx84"/>
+            <p:cNvSpPr/>
+            <p:nvPr/>
+          </p:nvSpPr>
+          <p:spPr>
+            <a:xfrm>
+              <a:off x="8205386" y="1670045"/>
+              <a:ext cx="167640" cy="69850"/>
             </a:xfrm>
             <a:prstGeom prst="rect">
               <a:avLst/>
@@ -4289,47 +6265,47 @@
                 </a:spcAft>
               </a:pPr>
               <a:r>
-                <a:rPr sz="880" b="1">
+                <a:rPr sz="880">
                   <a:solidFill>
-                    <a:srgbClr val="4D4D4D">
+                    <a:srgbClr val="1A1A1A">
                       <a:alpha val="100000"/>
                     </a:srgbClr>
                   </a:solidFill>
                   <a:latin typeface="Arial"/>
                   <a:cs typeface="Arial"/>
                 </a:rPr>
-                <a:t>1</a:t>
+                <a:t>其他</a:t>
               </a:r>
             </a:p>
           </p:txBody>
         </p:sp>
         <p:sp>
           <p:nvSpPr>
-            <p:cNvPr id="33" name="pl33"/>
-            <p:cNvSpPr/>
-            <p:nvPr/>
-          </p:nvSpPr>
-          <p:spPr>
-            <a:xfrm>
-              <a:off x="1988754" y="5171815"/>
-              <a:ext cx="34794" cy="0"/>
+            <p:cNvPr id="85" name="pl85"/>
+            <p:cNvSpPr/>
+            <p:nvPr/>
+          </p:nvSpPr>
+          <p:spPr>
+            <a:xfrm>
+              <a:off x="2533273" y="5274097"/>
+              <a:ext cx="0" cy="34794"/>
             </a:xfrm>
             <a:custGeom>
               <a:avLst/>
               <a:pathLst>
-                <a:path w="34794" h="0">
+                <a:path w="0" h="34794">
                   <a:moveTo>
+                    <a:pt x="0" y="34794"/>
+                  </a:moveTo>
+                  <a:lnTo>
                     <a:pt x="0" y="0"/>
-                  </a:moveTo>
-                  <a:lnTo>
-                    <a:pt x="34794" y="0"/>
                   </a:lnTo>
                 </a:path>
               </a:pathLst>
             </a:custGeom>
-            <a:ln w="6775" cap="flat">
+            <a:ln w="13550" cap="flat">
               <a:solidFill>
-                <a:srgbClr val="B3B3B3">
+                <a:srgbClr val="333333">
                   <a:alpha val="100000"/>
                 </a:srgbClr>
               </a:solidFill>
@@ -4345,31 +6321,31 @@
         </p:sp>
         <p:sp>
           <p:nvSpPr>
-            <p:cNvPr id="34" name="pl34"/>
-            <p:cNvSpPr/>
-            <p:nvPr/>
-          </p:nvSpPr>
-          <p:spPr>
-            <a:xfrm>
-              <a:off x="1988754" y="4393293"/>
-              <a:ext cx="34794" cy="0"/>
+            <p:cNvPr id="86" name="pl86"/>
+            <p:cNvSpPr/>
+            <p:nvPr/>
+          </p:nvSpPr>
+          <p:spPr>
+            <a:xfrm>
+              <a:off x="3122260" y="5274097"/>
+              <a:ext cx="0" cy="34794"/>
             </a:xfrm>
             <a:custGeom>
               <a:avLst/>
               <a:pathLst>
-                <a:path w="34794" h="0">
+                <a:path w="0" h="34794">
                   <a:moveTo>
+                    <a:pt x="0" y="34794"/>
+                  </a:moveTo>
+                  <a:lnTo>
                     <a:pt x="0" y="0"/>
-                  </a:moveTo>
-                  <a:lnTo>
-                    <a:pt x="34794" y="0"/>
                   </a:lnTo>
                 </a:path>
               </a:pathLst>
             </a:custGeom>
-            <a:ln w="6775" cap="flat">
+            <a:ln w="13550" cap="flat">
               <a:solidFill>
-                <a:srgbClr val="B3B3B3">
+                <a:srgbClr val="333333">
                   <a:alpha val="100000"/>
                 </a:srgbClr>
               </a:solidFill>
@@ -4385,31 +6361,31 @@
         </p:sp>
         <p:sp>
           <p:nvSpPr>
-            <p:cNvPr id="35" name="pl35"/>
-            <p:cNvSpPr/>
-            <p:nvPr/>
-          </p:nvSpPr>
-          <p:spPr>
-            <a:xfrm>
-              <a:off x="1988754" y="3614772"/>
-              <a:ext cx="34794" cy="0"/>
+            <p:cNvPr id="87" name="pl87"/>
+            <p:cNvSpPr/>
+            <p:nvPr/>
+          </p:nvSpPr>
+          <p:spPr>
+            <a:xfrm>
+              <a:off x="3898633" y="5274097"/>
+              <a:ext cx="0" cy="34794"/>
             </a:xfrm>
             <a:custGeom>
               <a:avLst/>
               <a:pathLst>
-                <a:path w="34794" h="0">
+                <a:path w="0" h="34794">
                   <a:moveTo>
+                    <a:pt x="0" y="34794"/>
+                  </a:moveTo>
+                  <a:lnTo>
                     <a:pt x="0" y="0"/>
-                  </a:moveTo>
-                  <a:lnTo>
-                    <a:pt x="34794" y="0"/>
                   </a:lnTo>
                 </a:path>
               </a:pathLst>
             </a:custGeom>
-            <a:ln w="6775" cap="flat">
+            <a:ln w="13550" cap="flat">
               <a:solidFill>
-                <a:srgbClr val="B3B3B3">
+                <a:srgbClr val="333333">
                   <a:alpha val="100000"/>
                 </a:srgbClr>
               </a:solidFill>
@@ -4425,31 +6401,31 @@
         </p:sp>
         <p:sp>
           <p:nvSpPr>
-            <p:cNvPr id="36" name="pl36"/>
-            <p:cNvSpPr/>
-            <p:nvPr/>
-          </p:nvSpPr>
-          <p:spPr>
-            <a:xfrm>
-              <a:off x="1988754" y="2836251"/>
-              <a:ext cx="34794" cy="0"/>
+            <p:cNvPr id="88" name="pl88"/>
+            <p:cNvSpPr/>
+            <p:nvPr/>
+          </p:nvSpPr>
+          <p:spPr>
+            <a:xfrm>
+              <a:off x="4487620" y="5274097"/>
+              <a:ext cx="0" cy="34794"/>
             </a:xfrm>
             <a:custGeom>
               <a:avLst/>
               <a:pathLst>
-                <a:path w="34794" h="0">
+                <a:path w="0" h="34794">
                   <a:moveTo>
+                    <a:pt x="0" y="34794"/>
+                  </a:moveTo>
+                  <a:lnTo>
                     <a:pt x="0" y="0"/>
-                  </a:moveTo>
-                  <a:lnTo>
-                    <a:pt x="34794" y="0"/>
                   </a:lnTo>
                 </a:path>
               </a:pathLst>
             </a:custGeom>
-            <a:ln w="6775" cap="flat">
+            <a:ln w="13550" cap="flat">
               <a:solidFill>
-                <a:srgbClr val="B3B3B3">
+                <a:srgbClr val="333333">
                   <a:alpha val="100000"/>
                 </a:srgbClr>
               </a:solidFill>
@@ -4465,31 +6441,31 @@
         </p:sp>
         <p:sp>
           <p:nvSpPr>
-            <p:cNvPr id="37" name="pl37"/>
-            <p:cNvSpPr/>
-            <p:nvPr/>
-          </p:nvSpPr>
-          <p:spPr>
-            <a:xfrm>
-              <a:off x="1988754" y="2057730"/>
-              <a:ext cx="34794" cy="0"/>
+            <p:cNvPr id="89" name="pl89"/>
+            <p:cNvSpPr/>
+            <p:nvPr/>
+          </p:nvSpPr>
+          <p:spPr>
+            <a:xfrm>
+              <a:off x="5263993" y="5274097"/>
+              <a:ext cx="0" cy="34794"/>
             </a:xfrm>
             <a:custGeom>
               <a:avLst/>
               <a:pathLst>
-                <a:path w="34794" h="0">
+                <a:path w="0" h="34794">
                   <a:moveTo>
+                    <a:pt x="0" y="34794"/>
+                  </a:moveTo>
+                  <a:lnTo>
                     <a:pt x="0" y="0"/>
-                  </a:moveTo>
-                  <a:lnTo>
-                    <a:pt x="34794" y="0"/>
                   </a:lnTo>
                 </a:path>
               </a:pathLst>
             </a:custGeom>
-            <a:ln w="6775" cap="flat">
+            <a:ln w="13550" cap="flat">
               <a:solidFill>
-                <a:srgbClr val="B3B3B3">
+                <a:srgbClr val="333333">
                   <a:alpha val="100000"/>
                 </a:srgbClr>
               </a:solidFill>
@@ -4505,13 +6481,13 @@
         </p:sp>
         <p:sp>
           <p:nvSpPr>
-            <p:cNvPr id="38" name="pl38"/>
-            <p:cNvSpPr/>
-            <p:nvPr/>
-          </p:nvSpPr>
-          <p:spPr>
-            <a:xfrm>
-              <a:off x="2023549" y="5638927"/>
+            <p:cNvPr id="90" name="pl90"/>
+            <p:cNvSpPr/>
+            <p:nvPr/>
+          </p:nvSpPr>
+          <p:spPr>
+            <a:xfrm>
+              <a:off x="5852980" y="5274097"/>
               <a:ext cx="0" cy="34794"/>
             </a:xfrm>
             <a:custGeom>
@@ -4527,9 +6503,9 @@
                 </a:path>
               </a:pathLst>
             </a:custGeom>
-            <a:ln w="6775" cap="flat">
+            <a:ln w="13550" cap="flat">
               <a:solidFill>
-                <a:srgbClr val="B3B3B3">
+                <a:srgbClr val="333333">
                   <a:alpha val="100000"/>
                 </a:srgbClr>
               </a:solidFill>
@@ -4545,13 +6521,13 @@
         </p:sp>
         <p:sp>
           <p:nvSpPr>
-            <p:cNvPr id="39" name="pl39"/>
-            <p:cNvSpPr/>
-            <p:nvPr/>
-          </p:nvSpPr>
-          <p:spPr>
-            <a:xfrm>
-              <a:off x="4381929" y="5638927"/>
+            <p:cNvPr id="91" name="pl91"/>
+            <p:cNvSpPr/>
+            <p:nvPr/>
+          </p:nvSpPr>
+          <p:spPr>
+            <a:xfrm>
+              <a:off x="6629353" y="5274097"/>
               <a:ext cx="0" cy="34794"/>
             </a:xfrm>
             <a:custGeom>
@@ -4567,9 +6543,9 @@
                 </a:path>
               </a:pathLst>
             </a:custGeom>
-            <a:ln w="6775" cap="flat">
+            <a:ln w="13550" cap="flat">
               <a:solidFill>
-                <a:srgbClr val="B3B3B3">
+                <a:srgbClr val="333333">
                   <a:alpha val="100000"/>
                 </a:srgbClr>
               </a:solidFill>
@@ -4585,13 +6561,13 @@
         </p:sp>
         <p:sp>
           <p:nvSpPr>
-            <p:cNvPr id="40" name="pl40"/>
-            <p:cNvSpPr/>
-            <p:nvPr/>
-          </p:nvSpPr>
-          <p:spPr>
-            <a:xfrm>
-              <a:off x="6740308" y="5638927"/>
+            <p:cNvPr id="92" name="pl92"/>
+            <p:cNvSpPr/>
+            <p:nvPr/>
+          </p:nvSpPr>
+          <p:spPr>
+            <a:xfrm>
+              <a:off x="7218340" y="5274097"/>
               <a:ext cx="0" cy="34794"/>
             </a:xfrm>
             <a:custGeom>
@@ -4607,9 +6583,9 @@
                 </a:path>
               </a:pathLst>
             </a:custGeom>
-            <a:ln w="6775" cap="flat">
+            <a:ln w="13550" cap="flat">
               <a:solidFill>
-                <a:srgbClr val="B3B3B3">
+                <a:srgbClr val="333333">
                   <a:alpha val="100000"/>
                 </a:srgbClr>
               </a:solidFill>
@@ -4625,13 +6601,93 @@
         </p:sp>
         <p:sp>
           <p:nvSpPr>
-            <p:cNvPr id="41" name="tx41"/>
-            <p:cNvSpPr/>
-            <p:nvPr/>
-          </p:nvSpPr>
-          <p:spPr>
-            <a:xfrm>
-              <a:off x="1992471" y="5699866"/>
+            <p:cNvPr id="93" name="pl93"/>
+            <p:cNvSpPr/>
+            <p:nvPr/>
+          </p:nvSpPr>
+          <p:spPr>
+            <a:xfrm>
+              <a:off x="7994713" y="5274097"/>
+              <a:ext cx="0" cy="34794"/>
+            </a:xfrm>
+            <a:custGeom>
+              <a:avLst/>
+              <a:pathLst>
+                <a:path w="0" h="34794">
+                  <a:moveTo>
+                    <a:pt x="0" y="34794"/>
+                  </a:moveTo>
+                  <a:lnTo>
+                    <a:pt x="0" y="0"/>
+                  </a:lnTo>
+                </a:path>
+              </a:pathLst>
+            </a:custGeom>
+            <a:ln w="13550" cap="flat">
+              <a:solidFill>
+                <a:srgbClr val="333333">
+                  <a:alpha val="100000"/>
+                </a:srgbClr>
+              </a:solidFill>
+              <a:prstDash val="solid"/>
+              <a:round/>
+            </a:ln>
+          </p:spPr>
+          <p:txBody>
+            <a:bodyPr/>
+            <a:lstStyle/>
+            <a:p/>
+          </p:txBody>
+        </p:sp>
+        <p:sp>
+          <p:nvSpPr>
+            <p:cNvPr id="94" name="pl94"/>
+            <p:cNvSpPr/>
+            <p:nvPr/>
+          </p:nvSpPr>
+          <p:spPr>
+            <a:xfrm>
+              <a:off x="8583700" y="5274097"/>
+              <a:ext cx="0" cy="34794"/>
+            </a:xfrm>
+            <a:custGeom>
+              <a:avLst/>
+              <a:pathLst>
+                <a:path w="0" h="34794">
+                  <a:moveTo>
+                    <a:pt x="0" y="34794"/>
+                  </a:moveTo>
+                  <a:lnTo>
+                    <a:pt x="0" y="0"/>
+                  </a:lnTo>
+                </a:path>
+              </a:pathLst>
+            </a:custGeom>
+            <a:ln w="13550" cap="flat">
+              <a:solidFill>
+                <a:srgbClr val="333333">
+                  <a:alpha val="100000"/>
+                </a:srgbClr>
+              </a:solidFill>
+              <a:prstDash val="solid"/>
+              <a:round/>
+            </a:ln>
+          </p:spPr>
+          <p:txBody>
+            <a:bodyPr/>
+            <a:lstStyle/>
+            <a:p/>
+          </p:txBody>
+        </p:sp>
+        <p:sp>
+          <p:nvSpPr>
+            <p:cNvPr id="95" name="tx95"/>
+            <p:cNvSpPr/>
+            <p:nvPr/>
+          </p:nvSpPr>
+          <p:spPr>
+            <a:xfrm>
+              <a:off x="2055095" y="5074909"/>
               <a:ext cx="62155" cy="81691"/>
             </a:xfrm>
             <a:prstGeom prst="rect">
@@ -4671,14 +6727,14 @@
         </p:sp>
         <p:sp>
           <p:nvSpPr>
-            <p:cNvPr id="42" name="tx42"/>
-            <p:cNvSpPr/>
-            <p:nvPr/>
-          </p:nvSpPr>
-          <p:spPr>
-            <a:xfrm>
-              <a:off x="4257617" y="5699866"/>
-              <a:ext cx="248622" cy="81691"/>
+            <p:cNvPr id="96" name="tx96"/>
+            <p:cNvSpPr/>
+            <p:nvPr/>
+          </p:nvSpPr>
+          <p:spPr>
+            <a:xfrm>
+              <a:off x="1930784" y="4153876"/>
+              <a:ext cx="186466" cy="81691"/>
             </a:xfrm>
             <a:prstGeom prst="rect">
               <a:avLst/>
@@ -4710,21 +6766,21 @@
                   <a:latin typeface="Arial"/>
                   <a:cs typeface="Arial"/>
                 </a:rPr>
-                <a:t>1000</a:t>
+                <a:t>100</a:t>
               </a:r>
             </a:p>
           </p:txBody>
         </p:sp>
         <p:sp>
           <p:nvSpPr>
-            <p:cNvPr id="43" name="tx43"/>
-            <p:cNvSpPr/>
-            <p:nvPr/>
-          </p:nvSpPr>
-          <p:spPr>
-            <a:xfrm>
-              <a:off x="6615997" y="5699866"/>
-              <a:ext cx="248622" cy="81691"/>
+            <p:cNvPr id="97" name="tx97"/>
+            <p:cNvSpPr/>
+            <p:nvPr/>
+          </p:nvSpPr>
+          <p:spPr>
+            <a:xfrm>
+              <a:off x="1930784" y="3232844"/>
+              <a:ext cx="186466" cy="81691"/>
             </a:xfrm>
             <a:prstGeom prst="rect">
               <a:avLst/>
@@ -4756,7 +6812,435 @@
                   <a:latin typeface="Arial"/>
                   <a:cs typeface="Arial"/>
                 </a:rPr>
-                <a:t>2000</a:t>
+                <a:t>200</a:t>
+              </a:r>
+            </a:p>
+          </p:txBody>
+        </p:sp>
+        <p:sp>
+          <p:nvSpPr>
+            <p:cNvPr id="98" name="tx98"/>
+            <p:cNvSpPr/>
+            <p:nvPr/>
+          </p:nvSpPr>
+          <p:spPr>
+            <a:xfrm>
+              <a:off x="1930784" y="2311757"/>
+              <a:ext cx="186466" cy="81746"/>
+            </a:xfrm>
+            <a:prstGeom prst="rect">
+              <a:avLst/>
+            </a:prstGeom>
+            <a:noFill/>
+          </p:spPr>
+          <p:txBody>
+            <a:bodyPr lIns="0" rIns="0" tIns="0" bIns="0" anchorCtr="1" anchor="ctr" wrap="none"/>
+            <a:lstStyle/>
+            <a:p>
+              <a:pPr algn="l" marL="0" marR="0" indent="0">
+                <a:lnSpc>
+                  <a:spcPts val="880"/>
+                </a:lnSpc>
+                <a:spcBef>
+                  <a:spcPts val="0"/>
+                </a:spcBef>
+                <a:spcAft>
+                  <a:spcPts val="0"/>
+                </a:spcAft>
+              </a:pPr>
+              <a:r>
+                <a:rPr sz="880">
+                  <a:solidFill>
+                    <a:srgbClr val="4D4D4D">
+                      <a:alpha val="100000"/>
+                    </a:srgbClr>
+                  </a:solidFill>
+                  <a:latin typeface="Arial"/>
+                  <a:cs typeface="Arial"/>
+                </a:rPr>
+                <a:t>300</a:t>
+              </a:r>
+            </a:p>
+          </p:txBody>
+        </p:sp>
+        <p:sp>
+          <p:nvSpPr>
+            <p:cNvPr id="99" name="pl99"/>
+            <p:cNvSpPr/>
+            <p:nvPr/>
+          </p:nvSpPr>
+          <p:spPr>
+            <a:xfrm>
+              <a:off x="2145087" y="5116600"/>
+              <a:ext cx="34794" cy="0"/>
+            </a:xfrm>
+            <a:custGeom>
+              <a:avLst/>
+              <a:pathLst>
+                <a:path w="34794" h="0">
+                  <a:moveTo>
+                    <a:pt x="0" y="0"/>
+                  </a:moveTo>
+                  <a:lnTo>
+                    <a:pt x="34794" y="0"/>
+                  </a:lnTo>
+                </a:path>
+              </a:pathLst>
+            </a:custGeom>
+            <a:ln w="13550" cap="flat">
+              <a:solidFill>
+                <a:srgbClr val="333333">
+                  <a:alpha val="100000"/>
+                </a:srgbClr>
+              </a:solidFill>
+              <a:prstDash val="solid"/>
+              <a:round/>
+            </a:ln>
+          </p:spPr>
+          <p:txBody>
+            <a:bodyPr/>
+            <a:lstStyle/>
+            <a:p/>
+          </p:txBody>
+        </p:sp>
+        <p:sp>
+          <p:nvSpPr>
+            <p:cNvPr id="100" name="pl100"/>
+            <p:cNvSpPr/>
+            <p:nvPr/>
+          </p:nvSpPr>
+          <p:spPr>
+            <a:xfrm>
+              <a:off x="2145087" y="4195568"/>
+              <a:ext cx="34794" cy="0"/>
+            </a:xfrm>
+            <a:custGeom>
+              <a:avLst/>
+              <a:pathLst>
+                <a:path w="34794" h="0">
+                  <a:moveTo>
+                    <a:pt x="0" y="0"/>
+                  </a:moveTo>
+                  <a:lnTo>
+                    <a:pt x="34794" y="0"/>
+                  </a:lnTo>
+                </a:path>
+              </a:pathLst>
+            </a:custGeom>
+            <a:ln w="13550" cap="flat">
+              <a:solidFill>
+                <a:srgbClr val="333333">
+                  <a:alpha val="100000"/>
+                </a:srgbClr>
+              </a:solidFill>
+              <a:prstDash val="solid"/>
+              <a:round/>
+            </a:ln>
+          </p:spPr>
+          <p:txBody>
+            <a:bodyPr/>
+            <a:lstStyle/>
+            <a:p/>
+          </p:txBody>
+        </p:sp>
+        <p:sp>
+          <p:nvSpPr>
+            <p:cNvPr id="101" name="pl101"/>
+            <p:cNvSpPr/>
+            <p:nvPr/>
+          </p:nvSpPr>
+          <p:spPr>
+            <a:xfrm>
+              <a:off x="2145087" y="3274535"/>
+              <a:ext cx="34794" cy="0"/>
+            </a:xfrm>
+            <a:custGeom>
+              <a:avLst/>
+              <a:pathLst>
+                <a:path w="34794" h="0">
+                  <a:moveTo>
+                    <a:pt x="0" y="0"/>
+                  </a:moveTo>
+                  <a:lnTo>
+                    <a:pt x="34794" y="0"/>
+                  </a:lnTo>
+                </a:path>
+              </a:pathLst>
+            </a:custGeom>
+            <a:ln w="13550" cap="flat">
+              <a:solidFill>
+                <a:srgbClr val="333333">
+                  <a:alpha val="100000"/>
+                </a:srgbClr>
+              </a:solidFill>
+              <a:prstDash val="solid"/>
+              <a:round/>
+            </a:ln>
+          </p:spPr>
+          <p:txBody>
+            <a:bodyPr/>
+            <a:lstStyle/>
+            <a:p/>
+          </p:txBody>
+        </p:sp>
+        <p:sp>
+          <p:nvSpPr>
+            <p:cNvPr id="102" name="pl102"/>
+            <p:cNvSpPr/>
+            <p:nvPr/>
+          </p:nvSpPr>
+          <p:spPr>
+            <a:xfrm>
+              <a:off x="2145087" y="2353503"/>
+              <a:ext cx="34794" cy="0"/>
+            </a:xfrm>
+            <a:custGeom>
+              <a:avLst/>
+              <a:pathLst>
+                <a:path w="34794" h="0">
+                  <a:moveTo>
+                    <a:pt x="0" y="0"/>
+                  </a:moveTo>
+                  <a:lnTo>
+                    <a:pt x="34794" y="0"/>
+                  </a:lnTo>
+                </a:path>
+              </a:pathLst>
+            </a:custGeom>
+            <a:ln w="13550" cap="flat">
+              <a:solidFill>
+                <a:srgbClr val="333333">
+                  <a:alpha val="100000"/>
+                </a:srgbClr>
+              </a:solidFill>
+              <a:prstDash val="solid"/>
+              <a:round/>
+            </a:ln>
+          </p:spPr>
+          <p:txBody>
+            <a:bodyPr/>
+            <a:lstStyle/>
+            <a:p/>
+          </p:txBody>
+        </p:sp>
+        <p:sp>
+          <p:nvSpPr>
+            <p:cNvPr id="103" name="rc103"/>
+            <p:cNvSpPr/>
+            <p:nvPr/>
+          </p:nvSpPr>
+          <p:spPr>
+            <a:xfrm>
+              <a:off x="4891948" y="5613598"/>
+              <a:ext cx="1333077" cy="358634"/>
+            </a:xfrm>
+            <a:prstGeom prst="rect">
+              <a:avLst/>
+            </a:prstGeom>
+            <a:solidFill>
+              <a:srgbClr val="FFFFFF">
+                <a:alpha val="100000"/>
+              </a:srgbClr>
+            </a:solidFill>
+          </p:spPr>
+          <p:txBody>
+            <a:bodyPr/>
+            <a:lstStyle/>
+            <a:p/>
+          </p:txBody>
+        </p:sp>
+        <p:sp>
+          <p:nvSpPr>
+            <p:cNvPr id="104" name="rc104"/>
+            <p:cNvSpPr/>
+            <p:nvPr/>
+          </p:nvSpPr>
+          <p:spPr>
+            <a:xfrm>
+              <a:off x="5031126" y="5683187"/>
+              <a:ext cx="219455" cy="219455"/>
+            </a:xfrm>
+            <a:prstGeom prst="rect">
+              <a:avLst/>
+            </a:prstGeom>
+            <a:solidFill>
+              <a:srgbClr val="FFFFFF">
+                <a:alpha val="100000"/>
+              </a:srgbClr>
+            </a:solidFill>
+          </p:spPr>
+          <p:txBody>
+            <a:bodyPr/>
+            <a:lstStyle/>
+            <a:p/>
+          </p:txBody>
+        </p:sp>
+        <p:sp>
+          <p:nvSpPr>
+            <p:cNvPr id="105" name="rc105"/>
+            <p:cNvSpPr/>
+            <p:nvPr/>
+          </p:nvSpPr>
+          <p:spPr>
+            <a:xfrm>
+              <a:off x="5040126" y="5692187"/>
+              <a:ext cx="201456" cy="201456"/>
+            </a:xfrm>
+            <a:prstGeom prst="rect">
+              <a:avLst/>
+            </a:prstGeom>
+            <a:solidFill>
+              <a:srgbClr val="FEE0D2">
+                <a:alpha val="100000"/>
+              </a:srgbClr>
+            </a:solidFill>
+          </p:spPr>
+          <p:txBody>
+            <a:bodyPr/>
+            <a:lstStyle/>
+            <a:p/>
+          </p:txBody>
+        </p:sp>
+        <p:sp>
+          <p:nvSpPr>
+            <p:cNvPr id="106" name="rc106"/>
+            <p:cNvSpPr/>
+            <p:nvPr/>
+          </p:nvSpPr>
+          <p:spPr>
+            <a:xfrm>
+              <a:off x="5580413" y="5683187"/>
+              <a:ext cx="219455" cy="219455"/>
+            </a:xfrm>
+            <a:prstGeom prst="rect">
+              <a:avLst/>
+            </a:prstGeom>
+            <a:solidFill>
+              <a:srgbClr val="FFFFFF">
+                <a:alpha val="100000"/>
+              </a:srgbClr>
+            </a:solidFill>
+          </p:spPr>
+          <p:txBody>
+            <a:bodyPr/>
+            <a:lstStyle/>
+            <a:p/>
+          </p:txBody>
+        </p:sp>
+        <p:sp>
+          <p:nvSpPr>
+            <p:cNvPr id="107" name="rc107"/>
+            <p:cNvSpPr/>
+            <p:nvPr/>
+          </p:nvSpPr>
+          <p:spPr>
+            <a:xfrm>
+              <a:off x="5589413" y="5692187"/>
+              <a:ext cx="201456" cy="201456"/>
+            </a:xfrm>
+            <a:prstGeom prst="rect">
+              <a:avLst/>
+            </a:prstGeom>
+            <a:solidFill>
+              <a:srgbClr val="FC9272">
+                <a:alpha val="100000"/>
+              </a:srgbClr>
+            </a:solidFill>
+          </p:spPr>
+          <p:txBody>
+            <a:bodyPr/>
+            <a:lstStyle/>
+            <a:p/>
+          </p:txBody>
+        </p:sp>
+        <p:sp>
+          <p:nvSpPr>
+            <p:cNvPr id="108" name="tx108"/>
+            <p:cNvSpPr/>
+            <p:nvPr/>
+          </p:nvSpPr>
+          <p:spPr>
+            <a:xfrm>
+              <a:off x="5320171" y="5763065"/>
+              <a:ext cx="167640" cy="69850"/>
+            </a:xfrm>
+            <a:prstGeom prst="rect">
+              <a:avLst/>
+            </a:prstGeom>
+            <a:noFill/>
+          </p:spPr>
+          <p:txBody>
+            <a:bodyPr lIns="0" rIns="0" tIns="0" bIns="0" anchorCtr="1" anchor="ctr" wrap="none"/>
+            <a:lstStyle/>
+            <a:p>
+              <a:pPr algn="l" marL="0" marR="0" indent="0">
+                <a:lnSpc>
+                  <a:spcPts val="880"/>
+                </a:lnSpc>
+                <a:spcBef>
+                  <a:spcPts val="0"/>
+                </a:spcBef>
+                <a:spcAft>
+                  <a:spcPts val="0"/>
+                </a:spcAft>
+              </a:pPr>
+              <a:r>
+                <a:rPr sz="880">
+                  <a:solidFill>
+                    <a:srgbClr val="000000">
+                      <a:alpha val="100000"/>
+                    </a:srgbClr>
+                  </a:solidFill>
+                  <a:latin typeface="Arial"/>
+                  <a:cs typeface="Arial"/>
+                </a:rPr>
+                <a:t>必要</a:t>
+              </a:r>
+            </a:p>
+          </p:txBody>
+        </p:sp>
+        <p:sp>
+          <p:nvSpPr>
+            <p:cNvPr id="109" name="tx109"/>
+            <p:cNvSpPr/>
+            <p:nvPr/>
+          </p:nvSpPr>
+          <p:spPr>
+            <a:xfrm>
+              <a:off x="5869458" y="5763065"/>
+              <a:ext cx="251460" cy="69850"/>
+            </a:xfrm>
+            <a:prstGeom prst="rect">
+              <a:avLst/>
+            </a:prstGeom>
+            <a:noFill/>
+          </p:spPr>
+          <p:txBody>
+            <a:bodyPr lIns="0" rIns="0" tIns="0" bIns="0" anchorCtr="1" anchor="ctr" wrap="none"/>
+            <a:lstStyle/>
+            <a:p>
+              <a:pPr algn="l" marL="0" marR="0" indent="0">
+                <a:lnSpc>
+                  <a:spcPts val="880"/>
+                </a:lnSpc>
+                <a:spcBef>
+                  <a:spcPts val="0"/>
+                </a:spcBef>
+                <a:spcAft>
+                  <a:spcPts val="0"/>
+                </a:spcAft>
+              </a:pPr>
+              <a:r>
+                <a:rPr sz="880">
+                  <a:solidFill>
+                    <a:srgbClr val="000000">
+                      <a:alpha val="100000"/>
+                    </a:srgbClr>
+                  </a:solidFill>
+                  <a:latin typeface="Arial"/>
+                  <a:cs typeface="Arial"/>
+                </a:rPr>
+                <a:t>不必要</a:t>
               </a:r>
             </a:p>
           </p:txBody>

--- a/_book/plot/unnamed-chunk-55-1.pptx
+++ b/_book/plot/unnamed-chunk-55-1.pptx
@@ -3218,7 +3218,7 @@
           </p:nvSpPr>
           <p:spPr>
             <a:xfrm>
-              <a:off x="2179881" y="4656084"/>
+              <a:off x="2179881" y="4666610"/>
               <a:ext cx="1295770" cy="0"/>
             </a:xfrm>
             <a:custGeom>
@@ -3261,7 +3261,7 @@
           </p:nvSpPr>
           <p:spPr>
             <a:xfrm>
-              <a:off x="2179881" y="3735052"/>
+              <a:off x="2179881" y="3766630"/>
               <a:ext cx="1295770" cy="0"/>
             </a:xfrm>
             <a:custGeom>
@@ -3304,7 +3304,7 @@
           </p:nvSpPr>
           <p:spPr>
             <a:xfrm>
-              <a:off x="2179881" y="2814019"/>
+              <a:off x="2179881" y="2866650"/>
               <a:ext cx="1295770" cy="0"/>
             </a:xfrm>
             <a:custGeom>
@@ -3347,7 +3347,7 @@
           </p:nvSpPr>
           <p:spPr>
             <a:xfrm>
-              <a:off x="2179881" y="1892987"/>
+              <a:off x="2179881" y="1966669"/>
               <a:ext cx="1295770" cy="0"/>
             </a:xfrm>
             <a:custGeom>
@@ -3433,7 +3433,7 @@
           </p:nvSpPr>
           <p:spPr>
             <a:xfrm>
-              <a:off x="2179881" y="4195568"/>
+              <a:off x="2179881" y="4216620"/>
               <a:ext cx="1295770" cy="0"/>
             </a:xfrm>
             <a:custGeom>
@@ -3476,7 +3476,7 @@
           </p:nvSpPr>
           <p:spPr>
             <a:xfrm>
-              <a:off x="2179881" y="3274535"/>
+              <a:off x="2179881" y="3316640"/>
               <a:ext cx="1295770" cy="0"/>
             </a:xfrm>
             <a:custGeom>
@@ -3519,7 +3519,7 @@
           </p:nvSpPr>
           <p:spPr>
             <a:xfrm>
-              <a:off x="2179881" y="2353503"/>
+              <a:off x="2179881" y="2416659"/>
               <a:ext cx="1295770" cy="0"/>
             </a:xfrm>
             <a:custGeom>
@@ -3562,7 +3562,7 @@
           </p:nvSpPr>
           <p:spPr>
             <a:xfrm>
-              <a:off x="2533273" y="1809173"/>
+              <a:off x="2422838" y="1809173"/>
               <a:ext cx="0" cy="3464924"/>
             </a:xfrm>
             <a:custGeom>
@@ -3605,7 +3605,7 @@
           </p:nvSpPr>
           <p:spPr>
             <a:xfrm>
-              <a:off x="3122260" y="1809173"/>
+              <a:off x="2827767" y="1809173"/>
               <a:ext cx="0" cy="3464924"/>
             </a:xfrm>
             <a:custGeom>
@@ -3642,14 +3642,57 @@
         </p:sp>
         <p:sp>
           <p:nvSpPr>
-            <p:cNvPr id="16" name="rc16"/>
-            <p:cNvSpPr/>
-            <p:nvPr/>
-          </p:nvSpPr>
-          <p:spPr>
-            <a:xfrm>
-              <a:off x="2268229" y="1966669"/>
-              <a:ext cx="530088" cy="3149931"/>
+            <p:cNvPr id="16" name="pl16"/>
+            <p:cNvSpPr/>
+            <p:nvPr/>
+          </p:nvSpPr>
+          <p:spPr>
+            <a:xfrm>
+              <a:off x="3232695" y="1809173"/>
+              <a:ext cx="0" cy="3464924"/>
+            </a:xfrm>
+            <a:custGeom>
+              <a:avLst/>
+              <a:pathLst>
+                <a:path w="0" h="3464924">
+                  <a:moveTo>
+                    <a:pt x="0" y="3464924"/>
+                  </a:moveTo>
+                  <a:lnTo>
+                    <a:pt x="0" y="0"/>
+                  </a:lnTo>
+                  <a:lnTo>
+                    <a:pt x="0" y="0"/>
+                  </a:lnTo>
+                </a:path>
+              </a:pathLst>
+            </a:custGeom>
+            <a:ln w="13550" cap="flat">
+              <a:solidFill>
+                <a:srgbClr val="EBEBEB">
+                  <a:alpha val="100000"/>
+                </a:srgbClr>
+              </a:solidFill>
+              <a:prstDash val="solid"/>
+              <a:round/>
+            </a:ln>
+          </p:spPr>
+          <p:txBody>
+            <a:bodyPr/>
+            <a:lstStyle/>
+            <a:p/>
+          </p:txBody>
+        </p:sp>
+        <p:sp>
+          <p:nvSpPr>
+            <p:cNvPr id="17" name="rc17"/>
+            <p:cNvSpPr/>
+            <p:nvPr/>
+          </p:nvSpPr>
+          <p:spPr>
+            <a:xfrm>
+              <a:off x="2240620" y="5035602"/>
+              <a:ext cx="364435" cy="80998"/>
             </a:xfrm>
             <a:prstGeom prst="rect">
               <a:avLst/>
@@ -3668,14 +3711,14 @@
         </p:sp>
         <p:sp>
           <p:nvSpPr>
-            <p:cNvPr id="17" name="rc17"/>
-            <p:cNvSpPr/>
-            <p:nvPr/>
-          </p:nvSpPr>
-          <p:spPr>
-            <a:xfrm>
-              <a:off x="2857216" y="4213989"/>
-              <a:ext cx="530088" cy="902611"/>
+            <p:cNvPr id="18" name="rc18"/>
+            <p:cNvSpPr/>
+            <p:nvPr/>
+          </p:nvSpPr>
+          <p:spPr>
+            <a:xfrm>
+              <a:off x="2645549" y="4387616"/>
+              <a:ext cx="364435" cy="728984"/>
             </a:xfrm>
             <a:prstGeom prst="rect">
               <a:avLst/>
@@ -3694,7 +3737,33 @@
         </p:sp>
         <p:sp>
           <p:nvSpPr>
-            <p:cNvPr id="18" name="rc18"/>
+            <p:cNvPr id="19" name="rc19"/>
+            <p:cNvSpPr/>
+            <p:nvPr/>
+          </p:nvSpPr>
+          <p:spPr>
+            <a:xfrm>
+              <a:off x="3050477" y="1966669"/>
+              <a:ext cx="364435" cy="3149931"/>
+            </a:xfrm>
+            <a:prstGeom prst="rect">
+              <a:avLst/>
+            </a:prstGeom>
+            <a:solidFill>
+              <a:srgbClr val="DE2D26">
+                <a:alpha val="100000"/>
+              </a:srgbClr>
+            </a:solidFill>
+          </p:spPr>
+          <p:txBody>
+            <a:bodyPr/>
+            <a:lstStyle/>
+            <a:p/>
+          </p:txBody>
+        </p:sp>
+        <p:sp>
+          <p:nvSpPr>
+            <p:cNvPr id="20" name="rc20"/>
             <p:cNvSpPr/>
             <p:nvPr/>
           </p:nvSpPr>
@@ -3724,7 +3793,7 @@
         </p:sp>
         <p:sp>
           <p:nvSpPr>
-            <p:cNvPr id="19" name="rc19"/>
+            <p:cNvPr id="21" name="rc21"/>
             <p:cNvSpPr/>
             <p:nvPr/>
           </p:nvSpPr>
@@ -3750,13 +3819,13 @@
         </p:sp>
         <p:sp>
           <p:nvSpPr>
-            <p:cNvPr id="20" name="pl20"/>
-            <p:cNvSpPr/>
-            <p:nvPr/>
-          </p:nvSpPr>
-          <p:spPr>
-            <a:xfrm>
-              <a:off x="3545241" y="4656084"/>
+            <p:cNvPr id="22" name="pl22"/>
+            <p:cNvSpPr/>
+            <p:nvPr/>
+          </p:nvSpPr>
+          <p:spPr>
+            <a:xfrm>
+              <a:off x="3545241" y="4666610"/>
               <a:ext cx="1295770" cy="0"/>
             </a:xfrm>
             <a:custGeom>
@@ -3793,13 +3862,13 @@
         </p:sp>
         <p:sp>
           <p:nvSpPr>
-            <p:cNvPr id="21" name="pl21"/>
-            <p:cNvSpPr/>
-            <p:nvPr/>
-          </p:nvSpPr>
-          <p:spPr>
-            <a:xfrm>
-              <a:off x="3545241" y="3735052"/>
+            <p:cNvPr id="23" name="pl23"/>
+            <p:cNvSpPr/>
+            <p:nvPr/>
+          </p:nvSpPr>
+          <p:spPr>
+            <a:xfrm>
+              <a:off x="3545241" y="3766630"/>
               <a:ext cx="1295770" cy="0"/>
             </a:xfrm>
             <a:custGeom>
@@ -3836,13 +3905,13 @@
         </p:sp>
         <p:sp>
           <p:nvSpPr>
-            <p:cNvPr id="22" name="pl22"/>
-            <p:cNvSpPr/>
-            <p:nvPr/>
-          </p:nvSpPr>
-          <p:spPr>
-            <a:xfrm>
-              <a:off x="3545241" y="2814019"/>
+            <p:cNvPr id="24" name="pl24"/>
+            <p:cNvSpPr/>
+            <p:nvPr/>
+          </p:nvSpPr>
+          <p:spPr>
+            <a:xfrm>
+              <a:off x="3545241" y="2866650"/>
               <a:ext cx="1295770" cy="0"/>
             </a:xfrm>
             <a:custGeom>
@@ -3879,13 +3948,13 @@
         </p:sp>
         <p:sp>
           <p:nvSpPr>
-            <p:cNvPr id="23" name="pl23"/>
-            <p:cNvSpPr/>
-            <p:nvPr/>
-          </p:nvSpPr>
-          <p:spPr>
-            <a:xfrm>
-              <a:off x="3545241" y="1892987"/>
+            <p:cNvPr id="25" name="pl25"/>
+            <p:cNvSpPr/>
+            <p:nvPr/>
+          </p:nvSpPr>
+          <p:spPr>
+            <a:xfrm>
+              <a:off x="3545241" y="1966669"/>
               <a:ext cx="1295770" cy="0"/>
             </a:xfrm>
             <a:custGeom>
@@ -3922,7 +3991,7 @@
         </p:sp>
         <p:sp>
           <p:nvSpPr>
-            <p:cNvPr id="24" name="pl24"/>
+            <p:cNvPr id="26" name="pl26"/>
             <p:cNvSpPr/>
             <p:nvPr/>
           </p:nvSpPr>
@@ -3965,13 +4034,13 @@
         </p:sp>
         <p:sp>
           <p:nvSpPr>
-            <p:cNvPr id="25" name="pl25"/>
-            <p:cNvSpPr/>
-            <p:nvPr/>
-          </p:nvSpPr>
-          <p:spPr>
-            <a:xfrm>
-              <a:off x="3545241" y="4195568"/>
+            <p:cNvPr id="27" name="pl27"/>
+            <p:cNvSpPr/>
+            <p:nvPr/>
+          </p:nvSpPr>
+          <p:spPr>
+            <a:xfrm>
+              <a:off x="3545241" y="4216620"/>
               <a:ext cx="1295770" cy="0"/>
             </a:xfrm>
             <a:custGeom>
@@ -4008,13 +4077,13 @@
         </p:sp>
         <p:sp>
           <p:nvSpPr>
-            <p:cNvPr id="26" name="pl26"/>
-            <p:cNvSpPr/>
-            <p:nvPr/>
-          </p:nvSpPr>
-          <p:spPr>
-            <a:xfrm>
-              <a:off x="3545241" y="3274535"/>
+            <p:cNvPr id="28" name="pl28"/>
+            <p:cNvSpPr/>
+            <p:nvPr/>
+          </p:nvSpPr>
+          <p:spPr>
+            <a:xfrm>
+              <a:off x="3545241" y="3316640"/>
               <a:ext cx="1295770" cy="0"/>
             </a:xfrm>
             <a:custGeom>
@@ -4051,13 +4120,13 @@
         </p:sp>
         <p:sp>
           <p:nvSpPr>
-            <p:cNvPr id="27" name="pl27"/>
-            <p:cNvSpPr/>
-            <p:nvPr/>
-          </p:nvSpPr>
-          <p:spPr>
-            <a:xfrm>
-              <a:off x="3545241" y="2353503"/>
+            <p:cNvPr id="29" name="pl29"/>
+            <p:cNvSpPr/>
+            <p:nvPr/>
+          </p:nvSpPr>
+          <p:spPr>
+            <a:xfrm>
+              <a:off x="3545241" y="2416659"/>
               <a:ext cx="1295770" cy="0"/>
             </a:xfrm>
             <a:custGeom>
@@ -4094,13 +4163,13 @@
         </p:sp>
         <p:sp>
           <p:nvSpPr>
-            <p:cNvPr id="28" name="pl28"/>
-            <p:cNvSpPr/>
-            <p:nvPr/>
-          </p:nvSpPr>
-          <p:spPr>
-            <a:xfrm>
-              <a:off x="3898633" y="1809173"/>
+            <p:cNvPr id="30" name="pl30"/>
+            <p:cNvSpPr/>
+            <p:nvPr/>
+          </p:nvSpPr>
+          <p:spPr>
+            <a:xfrm>
+              <a:off x="3788198" y="1809173"/>
               <a:ext cx="0" cy="3464924"/>
             </a:xfrm>
             <a:custGeom>
@@ -4137,13 +4206,13 @@
         </p:sp>
         <p:sp>
           <p:nvSpPr>
-            <p:cNvPr id="29" name="pl29"/>
-            <p:cNvSpPr/>
-            <p:nvPr/>
-          </p:nvSpPr>
-          <p:spPr>
-            <a:xfrm>
-              <a:off x="4487620" y="1809173"/>
+            <p:cNvPr id="31" name="pl31"/>
+            <p:cNvSpPr/>
+            <p:nvPr/>
+          </p:nvSpPr>
+          <p:spPr>
+            <a:xfrm>
+              <a:off x="4193127" y="1809173"/>
               <a:ext cx="0" cy="3464924"/>
             </a:xfrm>
             <a:custGeom>
@@ -4180,14 +4249,57 @@
         </p:sp>
         <p:sp>
           <p:nvSpPr>
-            <p:cNvPr id="30" name="rc30"/>
-            <p:cNvSpPr/>
-            <p:nvPr/>
-          </p:nvSpPr>
-          <p:spPr>
-            <a:xfrm>
-              <a:off x="3633589" y="3200853"/>
-              <a:ext cx="530088" cy="1915747"/>
+            <p:cNvPr id="32" name="pl32"/>
+            <p:cNvSpPr/>
+            <p:nvPr/>
+          </p:nvSpPr>
+          <p:spPr>
+            <a:xfrm>
+              <a:off x="4598055" y="1809173"/>
+              <a:ext cx="0" cy="3464924"/>
+            </a:xfrm>
+            <a:custGeom>
+              <a:avLst/>
+              <a:pathLst>
+                <a:path w="0" h="3464924">
+                  <a:moveTo>
+                    <a:pt x="0" y="3464924"/>
+                  </a:moveTo>
+                  <a:lnTo>
+                    <a:pt x="0" y="0"/>
+                  </a:lnTo>
+                  <a:lnTo>
+                    <a:pt x="0" y="0"/>
+                  </a:lnTo>
+                </a:path>
+              </a:pathLst>
+            </a:custGeom>
+            <a:ln w="13550" cap="flat">
+              <a:solidFill>
+                <a:srgbClr val="EBEBEB">
+                  <a:alpha val="100000"/>
+                </a:srgbClr>
+              </a:solidFill>
+              <a:prstDash val="solid"/>
+              <a:round/>
+            </a:ln>
+          </p:spPr>
+          <p:txBody>
+            <a:bodyPr/>
+            <a:lstStyle/>
+            <a:p/>
+          </p:txBody>
+        </p:sp>
+        <p:sp>
+          <p:nvSpPr>
+            <p:cNvPr id="33" name="rc33"/>
+            <p:cNvSpPr/>
+            <p:nvPr/>
+          </p:nvSpPr>
+          <p:spPr>
+            <a:xfrm>
+              <a:off x="3605980" y="5071601"/>
+              <a:ext cx="364435" cy="44999"/>
             </a:xfrm>
             <a:prstGeom prst="rect">
               <a:avLst/>
@@ -4206,14 +4318,14 @@
         </p:sp>
         <p:sp>
           <p:nvSpPr>
-            <p:cNvPr id="31" name="rc31"/>
-            <p:cNvSpPr/>
-            <p:nvPr/>
-          </p:nvSpPr>
-          <p:spPr>
-            <a:xfrm>
-              <a:off x="4222576" y="4646874"/>
-              <a:ext cx="530088" cy="469726"/>
+            <p:cNvPr id="34" name="rc34"/>
+            <p:cNvSpPr/>
+            <p:nvPr/>
+          </p:nvSpPr>
+          <p:spPr>
+            <a:xfrm>
+              <a:off x="4010909" y="4747608"/>
+              <a:ext cx="364435" cy="368991"/>
             </a:xfrm>
             <a:prstGeom prst="rect">
               <a:avLst/>
@@ -4232,7 +4344,33 @@
         </p:sp>
         <p:sp>
           <p:nvSpPr>
-            <p:cNvPr id="32" name="rc32"/>
+            <p:cNvPr id="35" name="rc35"/>
+            <p:cNvSpPr/>
+            <p:nvPr/>
+          </p:nvSpPr>
+          <p:spPr>
+            <a:xfrm>
+              <a:off x="4415837" y="3199642"/>
+              <a:ext cx="364435" cy="1916958"/>
+            </a:xfrm>
+            <a:prstGeom prst="rect">
+              <a:avLst/>
+            </a:prstGeom>
+            <a:solidFill>
+              <a:srgbClr val="DE2D26">
+                <a:alpha val="100000"/>
+              </a:srgbClr>
+            </a:solidFill>
+          </p:spPr>
+          <p:txBody>
+            <a:bodyPr/>
+            <a:lstStyle/>
+            <a:p/>
+          </p:txBody>
+        </p:sp>
+        <p:sp>
+          <p:nvSpPr>
+            <p:cNvPr id="36" name="rc36"/>
             <p:cNvSpPr/>
             <p:nvPr/>
           </p:nvSpPr>
@@ -4262,7 +4400,7 @@
         </p:sp>
         <p:sp>
           <p:nvSpPr>
-            <p:cNvPr id="33" name="rc33"/>
+            <p:cNvPr id="37" name="rc37"/>
             <p:cNvSpPr/>
             <p:nvPr/>
           </p:nvSpPr>
@@ -4288,13 +4426,13 @@
         </p:sp>
         <p:sp>
           <p:nvSpPr>
-            <p:cNvPr id="34" name="pl34"/>
-            <p:cNvSpPr/>
-            <p:nvPr/>
-          </p:nvSpPr>
-          <p:spPr>
-            <a:xfrm>
-              <a:off x="4910601" y="4656084"/>
+            <p:cNvPr id="38" name="pl38"/>
+            <p:cNvSpPr/>
+            <p:nvPr/>
+          </p:nvSpPr>
+          <p:spPr>
+            <a:xfrm>
+              <a:off x="4910601" y="4666610"/>
               <a:ext cx="1295770" cy="0"/>
             </a:xfrm>
             <a:custGeom>
@@ -4331,13 +4469,13 @@
         </p:sp>
         <p:sp>
           <p:nvSpPr>
-            <p:cNvPr id="35" name="pl35"/>
-            <p:cNvSpPr/>
-            <p:nvPr/>
-          </p:nvSpPr>
-          <p:spPr>
-            <a:xfrm>
-              <a:off x="4910601" y="3735052"/>
+            <p:cNvPr id="39" name="pl39"/>
+            <p:cNvSpPr/>
+            <p:nvPr/>
+          </p:nvSpPr>
+          <p:spPr>
+            <a:xfrm>
+              <a:off x="4910601" y="3766630"/>
               <a:ext cx="1295770" cy="0"/>
             </a:xfrm>
             <a:custGeom>
@@ -4374,13 +4512,13 @@
         </p:sp>
         <p:sp>
           <p:nvSpPr>
-            <p:cNvPr id="36" name="pl36"/>
-            <p:cNvSpPr/>
-            <p:nvPr/>
-          </p:nvSpPr>
-          <p:spPr>
-            <a:xfrm>
-              <a:off x="4910601" y="2814019"/>
+            <p:cNvPr id="40" name="pl40"/>
+            <p:cNvSpPr/>
+            <p:nvPr/>
+          </p:nvSpPr>
+          <p:spPr>
+            <a:xfrm>
+              <a:off x="4910601" y="2866650"/>
               <a:ext cx="1295770" cy="0"/>
             </a:xfrm>
             <a:custGeom>
@@ -4417,13 +4555,13 @@
         </p:sp>
         <p:sp>
           <p:nvSpPr>
-            <p:cNvPr id="37" name="pl37"/>
-            <p:cNvSpPr/>
-            <p:nvPr/>
-          </p:nvSpPr>
-          <p:spPr>
-            <a:xfrm>
-              <a:off x="4910601" y="1892987"/>
+            <p:cNvPr id="41" name="pl41"/>
+            <p:cNvSpPr/>
+            <p:nvPr/>
+          </p:nvSpPr>
+          <p:spPr>
+            <a:xfrm>
+              <a:off x="4910601" y="1966669"/>
               <a:ext cx="1295770" cy="0"/>
             </a:xfrm>
             <a:custGeom>
@@ -4460,7 +4598,7 @@
         </p:sp>
         <p:sp>
           <p:nvSpPr>
-            <p:cNvPr id="38" name="pl38"/>
+            <p:cNvPr id="42" name="pl42"/>
             <p:cNvSpPr/>
             <p:nvPr/>
           </p:nvSpPr>
@@ -4503,13 +4641,13 @@
         </p:sp>
         <p:sp>
           <p:nvSpPr>
-            <p:cNvPr id="39" name="pl39"/>
-            <p:cNvSpPr/>
-            <p:nvPr/>
-          </p:nvSpPr>
-          <p:spPr>
-            <a:xfrm>
-              <a:off x="4910601" y="4195568"/>
+            <p:cNvPr id="43" name="pl43"/>
+            <p:cNvSpPr/>
+            <p:nvPr/>
+          </p:nvSpPr>
+          <p:spPr>
+            <a:xfrm>
+              <a:off x="4910601" y="4216620"/>
               <a:ext cx="1295770" cy="0"/>
             </a:xfrm>
             <a:custGeom>
@@ -4546,13 +4684,13 @@
         </p:sp>
         <p:sp>
           <p:nvSpPr>
-            <p:cNvPr id="40" name="pl40"/>
-            <p:cNvSpPr/>
-            <p:nvPr/>
-          </p:nvSpPr>
-          <p:spPr>
-            <a:xfrm>
-              <a:off x="4910601" y="3274535"/>
+            <p:cNvPr id="44" name="pl44"/>
+            <p:cNvSpPr/>
+            <p:nvPr/>
+          </p:nvSpPr>
+          <p:spPr>
+            <a:xfrm>
+              <a:off x="4910601" y="3316640"/>
               <a:ext cx="1295770" cy="0"/>
             </a:xfrm>
             <a:custGeom>
@@ -4589,13 +4727,13 @@
         </p:sp>
         <p:sp>
           <p:nvSpPr>
-            <p:cNvPr id="41" name="pl41"/>
-            <p:cNvSpPr/>
-            <p:nvPr/>
-          </p:nvSpPr>
-          <p:spPr>
-            <a:xfrm>
-              <a:off x="4910601" y="2353503"/>
+            <p:cNvPr id="45" name="pl45"/>
+            <p:cNvSpPr/>
+            <p:nvPr/>
+          </p:nvSpPr>
+          <p:spPr>
+            <a:xfrm>
+              <a:off x="4910601" y="2416659"/>
               <a:ext cx="1295770" cy="0"/>
             </a:xfrm>
             <a:custGeom>
@@ -4632,13 +4770,13 @@
         </p:sp>
         <p:sp>
           <p:nvSpPr>
-            <p:cNvPr id="42" name="pl42"/>
-            <p:cNvSpPr/>
-            <p:nvPr/>
-          </p:nvSpPr>
-          <p:spPr>
-            <a:xfrm>
-              <a:off x="5263993" y="1809173"/>
+            <p:cNvPr id="46" name="pl46"/>
+            <p:cNvSpPr/>
+            <p:nvPr/>
+          </p:nvSpPr>
+          <p:spPr>
+            <a:xfrm>
+              <a:off x="5153558" y="1809173"/>
               <a:ext cx="0" cy="3464924"/>
             </a:xfrm>
             <a:custGeom>
@@ -4675,13 +4813,13 @@
         </p:sp>
         <p:sp>
           <p:nvSpPr>
-            <p:cNvPr id="43" name="pl43"/>
-            <p:cNvSpPr/>
-            <p:nvPr/>
-          </p:nvSpPr>
-          <p:spPr>
-            <a:xfrm>
-              <a:off x="5852980" y="1809173"/>
+            <p:cNvPr id="47" name="pl47"/>
+            <p:cNvSpPr/>
+            <p:nvPr/>
+          </p:nvSpPr>
+          <p:spPr>
+            <a:xfrm>
+              <a:off x="5558487" y="1809173"/>
               <a:ext cx="0" cy="3464924"/>
             </a:xfrm>
             <a:custGeom>
@@ -4718,14 +4856,57 @@
         </p:sp>
         <p:sp>
           <p:nvSpPr>
-            <p:cNvPr id="44" name="rc44"/>
-            <p:cNvSpPr/>
-            <p:nvPr/>
-          </p:nvSpPr>
-          <p:spPr>
-            <a:xfrm>
-              <a:off x="4998949" y="4702136"/>
-              <a:ext cx="530088" cy="414464"/>
+            <p:cNvPr id="48" name="pl48"/>
+            <p:cNvSpPr/>
+            <p:nvPr/>
+          </p:nvSpPr>
+          <p:spPr>
+            <a:xfrm>
+              <a:off x="5963415" y="1809173"/>
+              <a:ext cx="0" cy="3464924"/>
+            </a:xfrm>
+            <a:custGeom>
+              <a:avLst/>
+              <a:pathLst>
+                <a:path w="0" h="3464924">
+                  <a:moveTo>
+                    <a:pt x="0" y="3464924"/>
+                  </a:moveTo>
+                  <a:lnTo>
+                    <a:pt x="0" y="0"/>
+                  </a:lnTo>
+                  <a:lnTo>
+                    <a:pt x="0" y="0"/>
+                  </a:lnTo>
+                </a:path>
+              </a:pathLst>
+            </a:custGeom>
+            <a:ln w="13550" cap="flat">
+              <a:solidFill>
+                <a:srgbClr val="EBEBEB">
+                  <a:alpha val="100000"/>
+                </a:srgbClr>
+              </a:solidFill>
+              <a:prstDash val="solid"/>
+              <a:round/>
+            </a:ln>
+          </p:spPr>
+          <p:txBody>
+            <a:bodyPr/>
+            <a:lstStyle/>
+            <a:p/>
+          </p:txBody>
+        </p:sp>
+        <p:sp>
+          <p:nvSpPr>
+            <p:cNvPr id="49" name="rc49"/>
+            <p:cNvSpPr/>
+            <p:nvPr/>
+          </p:nvSpPr>
+          <p:spPr>
+            <a:xfrm>
+              <a:off x="4971340" y="5107601"/>
+              <a:ext cx="364435" cy="8999"/>
             </a:xfrm>
             <a:prstGeom prst="rect">
               <a:avLst/>
@@ -4744,14 +4925,14 @@
         </p:sp>
         <p:sp>
           <p:nvSpPr>
-            <p:cNvPr id="45" name="rc45"/>
-            <p:cNvSpPr/>
-            <p:nvPr/>
-          </p:nvSpPr>
-          <p:spPr>
-            <a:xfrm>
-              <a:off x="5587936" y="4738977"/>
-              <a:ext cx="530088" cy="377623"/>
+            <p:cNvPr id="50" name="rc50"/>
+            <p:cNvSpPr/>
+            <p:nvPr/>
+          </p:nvSpPr>
+          <p:spPr>
+            <a:xfrm>
+              <a:off x="5376269" y="4936604"/>
+              <a:ext cx="364435" cy="179996"/>
             </a:xfrm>
             <a:prstGeom prst="rect">
               <a:avLst/>
@@ -4770,7 +4951,33 @@
         </p:sp>
         <p:sp>
           <p:nvSpPr>
-            <p:cNvPr id="46" name="rc46"/>
+            <p:cNvPr id="51" name="rc51"/>
+            <p:cNvSpPr/>
+            <p:nvPr/>
+          </p:nvSpPr>
+          <p:spPr>
+            <a:xfrm>
+              <a:off x="5781197" y="4531613"/>
+              <a:ext cx="364435" cy="584987"/>
+            </a:xfrm>
+            <a:prstGeom prst="rect">
+              <a:avLst/>
+            </a:prstGeom>
+            <a:solidFill>
+              <a:srgbClr val="DE2D26">
+                <a:alpha val="100000"/>
+              </a:srgbClr>
+            </a:solidFill>
+          </p:spPr>
+          <p:txBody>
+            <a:bodyPr/>
+            <a:lstStyle/>
+            <a:p/>
+          </p:txBody>
+        </p:sp>
+        <p:sp>
+          <p:nvSpPr>
+            <p:cNvPr id="52" name="rc52"/>
             <p:cNvSpPr/>
             <p:nvPr/>
           </p:nvSpPr>
@@ -4800,7 +5007,7 @@
         </p:sp>
         <p:sp>
           <p:nvSpPr>
-            <p:cNvPr id="47" name="rc47"/>
+            <p:cNvPr id="53" name="rc53"/>
             <p:cNvSpPr/>
             <p:nvPr/>
           </p:nvSpPr>
@@ -4826,13 +5033,13 @@
         </p:sp>
         <p:sp>
           <p:nvSpPr>
-            <p:cNvPr id="48" name="pl48"/>
-            <p:cNvSpPr/>
-            <p:nvPr/>
-          </p:nvSpPr>
-          <p:spPr>
-            <a:xfrm>
-              <a:off x="6275961" y="4656084"/>
+            <p:cNvPr id="54" name="pl54"/>
+            <p:cNvSpPr/>
+            <p:nvPr/>
+          </p:nvSpPr>
+          <p:spPr>
+            <a:xfrm>
+              <a:off x="6275961" y="4666610"/>
               <a:ext cx="1295770" cy="0"/>
             </a:xfrm>
             <a:custGeom>
@@ -4869,13 +5076,13 @@
         </p:sp>
         <p:sp>
           <p:nvSpPr>
-            <p:cNvPr id="49" name="pl49"/>
-            <p:cNvSpPr/>
-            <p:nvPr/>
-          </p:nvSpPr>
-          <p:spPr>
-            <a:xfrm>
-              <a:off x="6275961" y="3735052"/>
+            <p:cNvPr id="55" name="pl55"/>
+            <p:cNvSpPr/>
+            <p:nvPr/>
+          </p:nvSpPr>
+          <p:spPr>
+            <a:xfrm>
+              <a:off x="6275961" y="3766630"/>
               <a:ext cx="1295770" cy="0"/>
             </a:xfrm>
             <a:custGeom>
@@ -4912,13 +5119,13 @@
         </p:sp>
         <p:sp>
           <p:nvSpPr>
-            <p:cNvPr id="50" name="pl50"/>
-            <p:cNvSpPr/>
-            <p:nvPr/>
-          </p:nvSpPr>
-          <p:spPr>
-            <a:xfrm>
-              <a:off x="6275961" y="2814019"/>
+            <p:cNvPr id="56" name="pl56"/>
+            <p:cNvSpPr/>
+            <p:nvPr/>
+          </p:nvSpPr>
+          <p:spPr>
+            <a:xfrm>
+              <a:off x="6275961" y="2866650"/>
               <a:ext cx="1295770" cy="0"/>
             </a:xfrm>
             <a:custGeom>
@@ -4955,13 +5162,13 @@
         </p:sp>
         <p:sp>
           <p:nvSpPr>
-            <p:cNvPr id="51" name="pl51"/>
-            <p:cNvSpPr/>
-            <p:nvPr/>
-          </p:nvSpPr>
-          <p:spPr>
-            <a:xfrm>
-              <a:off x="6275961" y="1892987"/>
+            <p:cNvPr id="57" name="pl57"/>
+            <p:cNvSpPr/>
+            <p:nvPr/>
+          </p:nvSpPr>
+          <p:spPr>
+            <a:xfrm>
+              <a:off x="6275961" y="1966669"/>
               <a:ext cx="1295770" cy="0"/>
             </a:xfrm>
             <a:custGeom>
@@ -4998,7 +5205,7 @@
         </p:sp>
         <p:sp>
           <p:nvSpPr>
-            <p:cNvPr id="52" name="pl52"/>
+            <p:cNvPr id="58" name="pl58"/>
             <p:cNvSpPr/>
             <p:nvPr/>
           </p:nvSpPr>
@@ -5041,13 +5248,13 @@
         </p:sp>
         <p:sp>
           <p:nvSpPr>
-            <p:cNvPr id="53" name="pl53"/>
-            <p:cNvSpPr/>
-            <p:nvPr/>
-          </p:nvSpPr>
-          <p:spPr>
-            <a:xfrm>
-              <a:off x="6275961" y="4195568"/>
+            <p:cNvPr id="59" name="pl59"/>
+            <p:cNvSpPr/>
+            <p:nvPr/>
+          </p:nvSpPr>
+          <p:spPr>
+            <a:xfrm>
+              <a:off x="6275961" y="4216620"/>
               <a:ext cx="1295770" cy="0"/>
             </a:xfrm>
             <a:custGeom>
@@ -5084,13 +5291,13 @@
         </p:sp>
         <p:sp>
           <p:nvSpPr>
-            <p:cNvPr id="54" name="pl54"/>
-            <p:cNvSpPr/>
-            <p:nvPr/>
-          </p:nvSpPr>
-          <p:spPr>
-            <a:xfrm>
-              <a:off x="6275961" y="3274535"/>
+            <p:cNvPr id="60" name="pl60"/>
+            <p:cNvSpPr/>
+            <p:nvPr/>
+          </p:nvSpPr>
+          <p:spPr>
+            <a:xfrm>
+              <a:off x="6275961" y="3316640"/>
               <a:ext cx="1295770" cy="0"/>
             </a:xfrm>
             <a:custGeom>
@@ -5127,13 +5334,13 @@
         </p:sp>
         <p:sp>
           <p:nvSpPr>
-            <p:cNvPr id="55" name="pl55"/>
-            <p:cNvSpPr/>
-            <p:nvPr/>
-          </p:nvSpPr>
-          <p:spPr>
-            <a:xfrm>
-              <a:off x="6275961" y="2353503"/>
+            <p:cNvPr id="61" name="pl61"/>
+            <p:cNvSpPr/>
+            <p:nvPr/>
+          </p:nvSpPr>
+          <p:spPr>
+            <a:xfrm>
+              <a:off x="6275961" y="2416659"/>
               <a:ext cx="1295770" cy="0"/>
             </a:xfrm>
             <a:custGeom>
@@ -5170,13 +5377,13 @@
         </p:sp>
         <p:sp>
           <p:nvSpPr>
-            <p:cNvPr id="56" name="pl56"/>
-            <p:cNvSpPr/>
-            <p:nvPr/>
-          </p:nvSpPr>
-          <p:spPr>
-            <a:xfrm>
-              <a:off x="6629353" y="1809173"/>
+            <p:cNvPr id="62" name="pl62"/>
+            <p:cNvSpPr/>
+            <p:nvPr/>
+          </p:nvSpPr>
+          <p:spPr>
+            <a:xfrm>
+              <a:off x="6518918" y="1809173"/>
               <a:ext cx="0" cy="3464924"/>
             </a:xfrm>
             <a:custGeom>
@@ -5213,13 +5420,13 @@
         </p:sp>
         <p:sp>
           <p:nvSpPr>
-            <p:cNvPr id="57" name="pl57"/>
-            <p:cNvSpPr/>
-            <p:nvPr/>
-          </p:nvSpPr>
-          <p:spPr>
-            <a:xfrm>
-              <a:off x="7218340" y="1809173"/>
+            <p:cNvPr id="63" name="pl63"/>
+            <p:cNvSpPr/>
+            <p:nvPr/>
+          </p:nvSpPr>
+          <p:spPr>
+            <a:xfrm>
+              <a:off x="6923847" y="1809173"/>
               <a:ext cx="0" cy="3464924"/>
             </a:xfrm>
             <a:custGeom>
@@ -5256,14 +5463,57 @@
         </p:sp>
         <p:sp>
           <p:nvSpPr>
-            <p:cNvPr id="58" name="rc58"/>
-            <p:cNvSpPr/>
-            <p:nvPr/>
-          </p:nvSpPr>
-          <p:spPr>
-            <a:xfrm>
-              <a:off x="6364309" y="4812660"/>
-              <a:ext cx="530088" cy="303940"/>
+            <p:cNvPr id="64" name="pl64"/>
+            <p:cNvSpPr/>
+            <p:nvPr/>
+          </p:nvSpPr>
+          <p:spPr>
+            <a:xfrm>
+              <a:off x="7328775" y="1809173"/>
+              <a:ext cx="0" cy="3464924"/>
+            </a:xfrm>
+            <a:custGeom>
+              <a:avLst/>
+              <a:pathLst>
+                <a:path w="0" h="3464924">
+                  <a:moveTo>
+                    <a:pt x="0" y="3464924"/>
+                  </a:moveTo>
+                  <a:lnTo>
+                    <a:pt x="0" y="0"/>
+                  </a:lnTo>
+                  <a:lnTo>
+                    <a:pt x="0" y="0"/>
+                  </a:lnTo>
+                </a:path>
+              </a:pathLst>
+            </a:custGeom>
+            <a:ln w="13550" cap="flat">
+              <a:solidFill>
+                <a:srgbClr val="EBEBEB">
+                  <a:alpha val="100000"/>
+                </a:srgbClr>
+              </a:solidFill>
+              <a:prstDash val="solid"/>
+              <a:round/>
+            </a:ln>
+          </p:spPr>
+          <p:txBody>
+            <a:bodyPr/>
+            <a:lstStyle/>
+            <a:p/>
+          </p:txBody>
+        </p:sp>
+        <p:sp>
+          <p:nvSpPr>
+            <p:cNvPr id="65" name="rc65"/>
+            <p:cNvSpPr/>
+            <p:nvPr/>
+          </p:nvSpPr>
+          <p:spPr>
+            <a:xfrm>
+              <a:off x="6336700" y="5098601"/>
+              <a:ext cx="364435" cy="17999"/>
             </a:xfrm>
             <a:prstGeom prst="rect">
               <a:avLst/>
@@ -5282,14 +5532,14 @@
         </p:sp>
         <p:sp>
           <p:nvSpPr>
-            <p:cNvPr id="59" name="rc59"/>
-            <p:cNvSpPr/>
-            <p:nvPr/>
-          </p:nvSpPr>
-          <p:spPr>
-            <a:xfrm>
-              <a:off x="6953296" y="4775818"/>
-              <a:ext cx="530088" cy="340782"/>
+            <p:cNvPr id="66" name="rc66"/>
+            <p:cNvSpPr/>
+            <p:nvPr/>
+          </p:nvSpPr>
+          <p:spPr>
+            <a:xfrm>
+              <a:off x="6741629" y="5008603"/>
+              <a:ext cx="364435" cy="107997"/>
             </a:xfrm>
             <a:prstGeom prst="rect">
               <a:avLst/>
@@ -5308,7 +5558,33 @@
         </p:sp>
         <p:sp>
           <p:nvSpPr>
-            <p:cNvPr id="60" name="rc60"/>
+            <p:cNvPr id="67" name="rc67"/>
+            <p:cNvSpPr/>
+            <p:nvPr/>
+          </p:nvSpPr>
+          <p:spPr>
+            <a:xfrm>
+              <a:off x="7146557" y="4612611"/>
+              <a:ext cx="364435" cy="503988"/>
+            </a:xfrm>
+            <a:prstGeom prst="rect">
+              <a:avLst/>
+            </a:prstGeom>
+            <a:solidFill>
+              <a:srgbClr val="DE2D26">
+                <a:alpha val="100000"/>
+              </a:srgbClr>
+            </a:solidFill>
+          </p:spPr>
+          <p:txBody>
+            <a:bodyPr/>
+            <a:lstStyle/>
+            <a:p/>
+          </p:txBody>
+        </p:sp>
+        <p:sp>
+          <p:nvSpPr>
+            <p:cNvPr id="68" name="rc68"/>
             <p:cNvSpPr/>
             <p:nvPr/>
           </p:nvSpPr>
@@ -5338,7 +5614,7 @@
         </p:sp>
         <p:sp>
           <p:nvSpPr>
-            <p:cNvPr id="61" name="rc61"/>
+            <p:cNvPr id="69" name="rc69"/>
             <p:cNvSpPr/>
             <p:nvPr/>
           </p:nvSpPr>
@@ -5364,13 +5640,13 @@
         </p:sp>
         <p:sp>
           <p:nvSpPr>
-            <p:cNvPr id="62" name="pl62"/>
-            <p:cNvSpPr/>
-            <p:nvPr/>
-          </p:nvSpPr>
-          <p:spPr>
-            <a:xfrm>
-              <a:off x="7641321" y="4656084"/>
+            <p:cNvPr id="70" name="pl70"/>
+            <p:cNvSpPr/>
+            <p:nvPr/>
+          </p:nvSpPr>
+          <p:spPr>
+            <a:xfrm>
+              <a:off x="7641321" y="4666610"/>
               <a:ext cx="1295770" cy="0"/>
             </a:xfrm>
             <a:custGeom>
@@ -5407,13 +5683,13 @@
         </p:sp>
         <p:sp>
           <p:nvSpPr>
-            <p:cNvPr id="63" name="pl63"/>
-            <p:cNvSpPr/>
-            <p:nvPr/>
-          </p:nvSpPr>
-          <p:spPr>
-            <a:xfrm>
-              <a:off x="7641321" y="3735052"/>
+            <p:cNvPr id="71" name="pl71"/>
+            <p:cNvSpPr/>
+            <p:nvPr/>
+          </p:nvSpPr>
+          <p:spPr>
+            <a:xfrm>
+              <a:off x="7641321" y="3766630"/>
               <a:ext cx="1295770" cy="0"/>
             </a:xfrm>
             <a:custGeom>
@@ -5450,13 +5726,13 @@
         </p:sp>
         <p:sp>
           <p:nvSpPr>
-            <p:cNvPr id="64" name="pl64"/>
-            <p:cNvSpPr/>
-            <p:nvPr/>
-          </p:nvSpPr>
-          <p:spPr>
-            <a:xfrm>
-              <a:off x="7641321" y="2814019"/>
+            <p:cNvPr id="72" name="pl72"/>
+            <p:cNvSpPr/>
+            <p:nvPr/>
+          </p:nvSpPr>
+          <p:spPr>
+            <a:xfrm>
+              <a:off x="7641321" y="2866650"/>
               <a:ext cx="1295770" cy="0"/>
             </a:xfrm>
             <a:custGeom>
@@ -5493,13 +5769,13 @@
         </p:sp>
         <p:sp>
           <p:nvSpPr>
-            <p:cNvPr id="65" name="pl65"/>
-            <p:cNvSpPr/>
-            <p:nvPr/>
-          </p:nvSpPr>
-          <p:spPr>
-            <a:xfrm>
-              <a:off x="7641321" y="1892987"/>
+            <p:cNvPr id="73" name="pl73"/>
+            <p:cNvSpPr/>
+            <p:nvPr/>
+          </p:nvSpPr>
+          <p:spPr>
+            <a:xfrm>
+              <a:off x="7641321" y="1966669"/>
               <a:ext cx="1295770" cy="0"/>
             </a:xfrm>
             <a:custGeom>
@@ -5536,7 +5812,7 @@
         </p:sp>
         <p:sp>
           <p:nvSpPr>
-            <p:cNvPr id="66" name="pl66"/>
+            <p:cNvPr id="74" name="pl74"/>
             <p:cNvSpPr/>
             <p:nvPr/>
           </p:nvSpPr>
@@ -5579,13 +5855,13 @@
         </p:sp>
         <p:sp>
           <p:nvSpPr>
-            <p:cNvPr id="67" name="pl67"/>
-            <p:cNvSpPr/>
-            <p:nvPr/>
-          </p:nvSpPr>
-          <p:spPr>
-            <a:xfrm>
-              <a:off x="7641321" y="4195568"/>
+            <p:cNvPr id="75" name="pl75"/>
+            <p:cNvSpPr/>
+            <p:nvPr/>
+          </p:nvSpPr>
+          <p:spPr>
+            <a:xfrm>
+              <a:off x="7641321" y="4216620"/>
               <a:ext cx="1295770" cy="0"/>
             </a:xfrm>
             <a:custGeom>
@@ -5622,13 +5898,13 @@
         </p:sp>
         <p:sp>
           <p:nvSpPr>
-            <p:cNvPr id="68" name="pl68"/>
-            <p:cNvSpPr/>
-            <p:nvPr/>
-          </p:nvSpPr>
-          <p:spPr>
-            <a:xfrm>
-              <a:off x="7641321" y="3274535"/>
+            <p:cNvPr id="76" name="pl76"/>
+            <p:cNvSpPr/>
+            <p:nvPr/>
+          </p:nvSpPr>
+          <p:spPr>
+            <a:xfrm>
+              <a:off x="7641321" y="3316640"/>
               <a:ext cx="1295770" cy="0"/>
             </a:xfrm>
             <a:custGeom>
@@ -5665,13 +5941,13 @@
         </p:sp>
         <p:sp>
           <p:nvSpPr>
-            <p:cNvPr id="69" name="pl69"/>
-            <p:cNvSpPr/>
-            <p:nvPr/>
-          </p:nvSpPr>
-          <p:spPr>
-            <a:xfrm>
-              <a:off x="7641321" y="2353503"/>
+            <p:cNvPr id="77" name="pl77"/>
+            <p:cNvSpPr/>
+            <p:nvPr/>
+          </p:nvSpPr>
+          <p:spPr>
+            <a:xfrm>
+              <a:off x="7641321" y="2416659"/>
               <a:ext cx="1295770" cy="0"/>
             </a:xfrm>
             <a:custGeom>
@@ -5708,13 +5984,13 @@
         </p:sp>
         <p:sp>
           <p:nvSpPr>
-            <p:cNvPr id="70" name="pl70"/>
-            <p:cNvSpPr/>
-            <p:nvPr/>
-          </p:nvSpPr>
-          <p:spPr>
-            <a:xfrm>
-              <a:off x="7994713" y="1809173"/>
+            <p:cNvPr id="78" name="pl78"/>
+            <p:cNvSpPr/>
+            <p:nvPr/>
+          </p:nvSpPr>
+          <p:spPr>
+            <a:xfrm>
+              <a:off x="7884278" y="1809173"/>
               <a:ext cx="0" cy="3464924"/>
             </a:xfrm>
             <a:custGeom>
@@ -5751,13 +6027,13 @@
         </p:sp>
         <p:sp>
           <p:nvSpPr>
-            <p:cNvPr id="71" name="pl71"/>
-            <p:cNvSpPr/>
-            <p:nvPr/>
-          </p:nvSpPr>
-          <p:spPr>
-            <a:xfrm>
-              <a:off x="8583700" y="1809173"/>
+            <p:cNvPr id="79" name="pl79"/>
+            <p:cNvSpPr/>
+            <p:nvPr/>
+          </p:nvSpPr>
+          <p:spPr>
+            <a:xfrm>
+              <a:off x="8289206" y="1809173"/>
               <a:ext cx="0" cy="3464924"/>
             </a:xfrm>
             <a:custGeom>
@@ -5794,14 +6070,57 @@
         </p:sp>
         <p:sp>
           <p:nvSpPr>
-            <p:cNvPr id="72" name="rc72"/>
-            <p:cNvSpPr/>
-            <p:nvPr/>
-          </p:nvSpPr>
-          <p:spPr>
-            <a:xfrm>
-              <a:off x="7729669" y="4379774"/>
-              <a:ext cx="530088" cy="736826"/>
+            <p:cNvPr id="80" name="pl80"/>
+            <p:cNvSpPr/>
+            <p:nvPr/>
+          </p:nvSpPr>
+          <p:spPr>
+            <a:xfrm>
+              <a:off x="8694135" y="1809173"/>
+              <a:ext cx="0" cy="3464924"/>
+            </a:xfrm>
+            <a:custGeom>
+              <a:avLst/>
+              <a:pathLst>
+                <a:path w="0" h="3464924">
+                  <a:moveTo>
+                    <a:pt x="0" y="3464924"/>
+                  </a:moveTo>
+                  <a:lnTo>
+                    <a:pt x="0" y="0"/>
+                  </a:lnTo>
+                  <a:lnTo>
+                    <a:pt x="0" y="0"/>
+                  </a:lnTo>
+                </a:path>
+              </a:pathLst>
+            </a:custGeom>
+            <a:ln w="13550" cap="flat">
+              <a:solidFill>
+                <a:srgbClr val="EBEBEB">
+                  <a:alpha val="100000"/>
+                </a:srgbClr>
+              </a:solidFill>
+              <a:prstDash val="solid"/>
+              <a:round/>
+            </a:ln>
+          </p:spPr>
+          <p:txBody>
+            <a:bodyPr/>
+            <a:lstStyle/>
+            <a:p/>
+          </p:txBody>
+        </p:sp>
+        <p:sp>
+          <p:nvSpPr>
+            <p:cNvPr id="81" name="rc81"/>
+            <p:cNvSpPr/>
+            <p:nvPr/>
+          </p:nvSpPr>
+          <p:spPr>
+            <a:xfrm>
+              <a:off x="7702060" y="5098601"/>
+              <a:ext cx="364435" cy="17999"/>
             </a:xfrm>
             <a:prstGeom prst="rect">
               <a:avLst/>
@@ -5820,14 +6139,14 @@
         </p:sp>
         <p:sp>
           <p:nvSpPr>
-            <p:cNvPr id="73" name="rc73"/>
-            <p:cNvSpPr/>
-            <p:nvPr/>
-          </p:nvSpPr>
-          <p:spPr>
-            <a:xfrm>
-              <a:off x="8318656" y="4950815"/>
-              <a:ext cx="530088" cy="165785"/>
+            <p:cNvPr id="82" name="rc82"/>
+            <p:cNvSpPr/>
+            <p:nvPr/>
+          </p:nvSpPr>
+          <p:spPr>
+            <a:xfrm>
+              <a:off x="8106989" y="4963604"/>
+              <a:ext cx="364435" cy="152996"/>
             </a:xfrm>
             <a:prstGeom prst="rect">
               <a:avLst/>
@@ -5846,7 +6165,33 @@
         </p:sp>
         <p:sp>
           <p:nvSpPr>
-            <p:cNvPr id="74" name="rc74"/>
+            <p:cNvPr id="83" name="rc83"/>
+            <p:cNvSpPr/>
+            <p:nvPr/>
+          </p:nvSpPr>
+          <p:spPr>
+            <a:xfrm>
+              <a:off x="8511917" y="4405616"/>
+              <a:ext cx="364435" cy="710984"/>
+            </a:xfrm>
+            <a:prstGeom prst="rect">
+              <a:avLst/>
+            </a:prstGeom>
+            <a:solidFill>
+              <a:srgbClr val="DE2D26">
+                <a:alpha val="100000"/>
+              </a:srgbClr>
+            </a:solidFill>
+          </p:spPr>
+          <p:txBody>
+            <a:bodyPr/>
+            <a:lstStyle/>
+            <a:p/>
+          </p:txBody>
+        </p:sp>
+        <p:sp>
+          <p:nvSpPr>
+            <p:cNvPr id="84" name="rc84"/>
             <p:cNvSpPr/>
             <p:nvPr/>
           </p:nvSpPr>
@@ -5876,7 +6221,7 @@
         </p:sp>
         <p:sp>
           <p:nvSpPr>
-            <p:cNvPr id="75" name="rc75"/>
+            <p:cNvPr id="85" name="rc85"/>
             <p:cNvSpPr/>
             <p:nvPr/>
           </p:nvSpPr>
@@ -5911,7 +6256,7 @@
         </p:sp>
         <p:sp>
           <p:nvSpPr>
-            <p:cNvPr id="76" name="tx76"/>
+            <p:cNvPr id="86" name="tx86"/>
             <p:cNvSpPr/>
             <p:nvPr/>
           </p:nvSpPr>
@@ -5957,7 +6302,7 @@
         </p:sp>
         <p:sp>
           <p:nvSpPr>
-            <p:cNvPr id="77" name="rc77"/>
+            <p:cNvPr id="87" name="rc87"/>
             <p:cNvSpPr/>
             <p:nvPr/>
           </p:nvSpPr>
@@ -5992,7 +6337,7 @@
         </p:sp>
         <p:sp>
           <p:nvSpPr>
-            <p:cNvPr id="78" name="tx78"/>
+            <p:cNvPr id="88" name="tx88"/>
             <p:cNvSpPr/>
             <p:nvPr/>
           </p:nvSpPr>
@@ -6038,7 +6383,7 @@
         </p:sp>
         <p:sp>
           <p:nvSpPr>
-            <p:cNvPr id="79" name="rc79"/>
+            <p:cNvPr id="89" name="rc89"/>
             <p:cNvSpPr/>
             <p:nvPr/>
           </p:nvSpPr>
@@ -6073,7 +6418,7 @@
         </p:sp>
         <p:sp>
           <p:nvSpPr>
-            <p:cNvPr id="80" name="tx80"/>
+            <p:cNvPr id="90" name="tx90"/>
             <p:cNvSpPr/>
             <p:nvPr/>
           </p:nvSpPr>
@@ -6119,7 +6464,7 @@
         </p:sp>
         <p:sp>
           <p:nvSpPr>
-            <p:cNvPr id="81" name="rc81"/>
+            <p:cNvPr id="91" name="rc91"/>
             <p:cNvSpPr/>
             <p:nvPr/>
           </p:nvSpPr>
@@ -6154,7 +6499,7 @@
         </p:sp>
         <p:sp>
           <p:nvSpPr>
-            <p:cNvPr id="82" name="tx82"/>
+            <p:cNvPr id="92" name="tx92"/>
             <p:cNvSpPr/>
             <p:nvPr/>
           </p:nvSpPr>
@@ -6200,7 +6545,7 @@
         </p:sp>
         <p:sp>
           <p:nvSpPr>
-            <p:cNvPr id="83" name="rc83"/>
+            <p:cNvPr id="93" name="rc93"/>
             <p:cNvSpPr/>
             <p:nvPr/>
           </p:nvSpPr>
@@ -6235,7 +6580,7 @@
         </p:sp>
         <p:sp>
           <p:nvSpPr>
-            <p:cNvPr id="84" name="tx84"/>
+            <p:cNvPr id="94" name="tx94"/>
             <p:cNvSpPr/>
             <p:nvPr/>
           </p:nvSpPr>
@@ -6281,13 +6626,13 @@
         </p:sp>
         <p:sp>
           <p:nvSpPr>
-            <p:cNvPr id="85" name="pl85"/>
-            <p:cNvSpPr/>
-            <p:nvPr/>
-          </p:nvSpPr>
-          <p:spPr>
-            <a:xfrm>
-              <a:off x="2533273" y="5274097"/>
+            <p:cNvPr id="95" name="pl95"/>
+            <p:cNvSpPr/>
+            <p:nvPr/>
+          </p:nvSpPr>
+          <p:spPr>
+            <a:xfrm>
+              <a:off x="2422838" y="5274097"/>
               <a:ext cx="0" cy="34794"/>
             </a:xfrm>
             <a:custGeom>
@@ -6321,13 +6666,13 @@
         </p:sp>
         <p:sp>
           <p:nvSpPr>
-            <p:cNvPr id="86" name="pl86"/>
-            <p:cNvSpPr/>
-            <p:nvPr/>
-          </p:nvSpPr>
-          <p:spPr>
-            <a:xfrm>
-              <a:off x="3122260" y="5274097"/>
+            <p:cNvPr id="96" name="pl96"/>
+            <p:cNvSpPr/>
+            <p:nvPr/>
+          </p:nvSpPr>
+          <p:spPr>
+            <a:xfrm>
+              <a:off x="2827767" y="5274097"/>
               <a:ext cx="0" cy="34794"/>
             </a:xfrm>
             <a:custGeom>
@@ -6361,13 +6706,13 @@
         </p:sp>
         <p:sp>
           <p:nvSpPr>
-            <p:cNvPr id="87" name="pl87"/>
-            <p:cNvSpPr/>
-            <p:nvPr/>
-          </p:nvSpPr>
-          <p:spPr>
-            <a:xfrm>
-              <a:off x="3898633" y="5274097"/>
+            <p:cNvPr id="97" name="pl97"/>
+            <p:cNvSpPr/>
+            <p:nvPr/>
+          </p:nvSpPr>
+          <p:spPr>
+            <a:xfrm>
+              <a:off x="3232695" y="5274097"/>
               <a:ext cx="0" cy="34794"/>
             </a:xfrm>
             <a:custGeom>
@@ -6401,13 +6746,13 @@
         </p:sp>
         <p:sp>
           <p:nvSpPr>
-            <p:cNvPr id="88" name="pl88"/>
-            <p:cNvSpPr/>
-            <p:nvPr/>
-          </p:nvSpPr>
-          <p:spPr>
-            <a:xfrm>
-              <a:off x="4487620" y="5274097"/>
+            <p:cNvPr id="98" name="pl98"/>
+            <p:cNvSpPr/>
+            <p:nvPr/>
+          </p:nvSpPr>
+          <p:spPr>
+            <a:xfrm>
+              <a:off x="3788198" y="5274097"/>
               <a:ext cx="0" cy="34794"/>
             </a:xfrm>
             <a:custGeom>
@@ -6441,13 +6786,13 @@
         </p:sp>
         <p:sp>
           <p:nvSpPr>
-            <p:cNvPr id="89" name="pl89"/>
-            <p:cNvSpPr/>
-            <p:nvPr/>
-          </p:nvSpPr>
-          <p:spPr>
-            <a:xfrm>
-              <a:off x="5263993" y="5274097"/>
+            <p:cNvPr id="99" name="pl99"/>
+            <p:cNvSpPr/>
+            <p:nvPr/>
+          </p:nvSpPr>
+          <p:spPr>
+            <a:xfrm>
+              <a:off x="4193127" y="5274097"/>
               <a:ext cx="0" cy="34794"/>
             </a:xfrm>
             <a:custGeom>
@@ -6481,13 +6826,13 @@
         </p:sp>
         <p:sp>
           <p:nvSpPr>
-            <p:cNvPr id="90" name="pl90"/>
-            <p:cNvSpPr/>
-            <p:nvPr/>
-          </p:nvSpPr>
-          <p:spPr>
-            <a:xfrm>
-              <a:off x="5852980" y="5274097"/>
+            <p:cNvPr id="100" name="pl100"/>
+            <p:cNvSpPr/>
+            <p:nvPr/>
+          </p:nvSpPr>
+          <p:spPr>
+            <a:xfrm>
+              <a:off x="4598055" y="5274097"/>
               <a:ext cx="0" cy="34794"/>
             </a:xfrm>
             <a:custGeom>
@@ -6521,13 +6866,13 @@
         </p:sp>
         <p:sp>
           <p:nvSpPr>
-            <p:cNvPr id="91" name="pl91"/>
-            <p:cNvSpPr/>
-            <p:nvPr/>
-          </p:nvSpPr>
-          <p:spPr>
-            <a:xfrm>
-              <a:off x="6629353" y="5274097"/>
+            <p:cNvPr id="101" name="pl101"/>
+            <p:cNvSpPr/>
+            <p:nvPr/>
+          </p:nvSpPr>
+          <p:spPr>
+            <a:xfrm>
+              <a:off x="5153558" y="5274097"/>
               <a:ext cx="0" cy="34794"/>
             </a:xfrm>
             <a:custGeom>
@@ -6561,13 +6906,13 @@
         </p:sp>
         <p:sp>
           <p:nvSpPr>
-            <p:cNvPr id="92" name="pl92"/>
-            <p:cNvSpPr/>
-            <p:nvPr/>
-          </p:nvSpPr>
-          <p:spPr>
-            <a:xfrm>
-              <a:off x="7218340" y="5274097"/>
+            <p:cNvPr id="102" name="pl102"/>
+            <p:cNvSpPr/>
+            <p:nvPr/>
+          </p:nvSpPr>
+          <p:spPr>
+            <a:xfrm>
+              <a:off x="5558487" y="5274097"/>
               <a:ext cx="0" cy="34794"/>
             </a:xfrm>
             <a:custGeom>
@@ -6601,13 +6946,13 @@
         </p:sp>
         <p:sp>
           <p:nvSpPr>
-            <p:cNvPr id="93" name="pl93"/>
-            <p:cNvSpPr/>
-            <p:nvPr/>
-          </p:nvSpPr>
-          <p:spPr>
-            <a:xfrm>
-              <a:off x="7994713" y="5274097"/>
+            <p:cNvPr id="103" name="pl103"/>
+            <p:cNvSpPr/>
+            <p:nvPr/>
+          </p:nvSpPr>
+          <p:spPr>
+            <a:xfrm>
+              <a:off x="5963415" y="5274097"/>
               <a:ext cx="0" cy="34794"/>
             </a:xfrm>
             <a:custGeom>
@@ -6641,13 +6986,13 @@
         </p:sp>
         <p:sp>
           <p:nvSpPr>
-            <p:cNvPr id="94" name="pl94"/>
-            <p:cNvSpPr/>
-            <p:nvPr/>
-          </p:nvSpPr>
-          <p:spPr>
-            <a:xfrm>
-              <a:off x="8583700" y="5274097"/>
+            <p:cNvPr id="104" name="pl104"/>
+            <p:cNvSpPr/>
+            <p:nvPr/>
+          </p:nvSpPr>
+          <p:spPr>
+            <a:xfrm>
+              <a:off x="6518918" y="5274097"/>
               <a:ext cx="0" cy="34794"/>
             </a:xfrm>
             <a:custGeom>
@@ -6681,7 +7026,207 @@
         </p:sp>
         <p:sp>
           <p:nvSpPr>
-            <p:cNvPr id="95" name="tx95"/>
+            <p:cNvPr id="105" name="pl105"/>
+            <p:cNvSpPr/>
+            <p:nvPr/>
+          </p:nvSpPr>
+          <p:spPr>
+            <a:xfrm>
+              <a:off x="6923847" y="5274097"/>
+              <a:ext cx="0" cy="34794"/>
+            </a:xfrm>
+            <a:custGeom>
+              <a:avLst/>
+              <a:pathLst>
+                <a:path w="0" h="34794">
+                  <a:moveTo>
+                    <a:pt x="0" y="34794"/>
+                  </a:moveTo>
+                  <a:lnTo>
+                    <a:pt x="0" y="0"/>
+                  </a:lnTo>
+                </a:path>
+              </a:pathLst>
+            </a:custGeom>
+            <a:ln w="13550" cap="flat">
+              <a:solidFill>
+                <a:srgbClr val="333333">
+                  <a:alpha val="100000"/>
+                </a:srgbClr>
+              </a:solidFill>
+              <a:prstDash val="solid"/>
+              <a:round/>
+            </a:ln>
+          </p:spPr>
+          <p:txBody>
+            <a:bodyPr/>
+            <a:lstStyle/>
+            <a:p/>
+          </p:txBody>
+        </p:sp>
+        <p:sp>
+          <p:nvSpPr>
+            <p:cNvPr id="106" name="pl106"/>
+            <p:cNvSpPr/>
+            <p:nvPr/>
+          </p:nvSpPr>
+          <p:spPr>
+            <a:xfrm>
+              <a:off x="7328775" y="5274097"/>
+              <a:ext cx="0" cy="34794"/>
+            </a:xfrm>
+            <a:custGeom>
+              <a:avLst/>
+              <a:pathLst>
+                <a:path w="0" h="34794">
+                  <a:moveTo>
+                    <a:pt x="0" y="34794"/>
+                  </a:moveTo>
+                  <a:lnTo>
+                    <a:pt x="0" y="0"/>
+                  </a:lnTo>
+                </a:path>
+              </a:pathLst>
+            </a:custGeom>
+            <a:ln w="13550" cap="flat">
+              <a:solidFill>
+                <a:srgbClr val="333333">
+                  <a:alpha val="100000"/>
+                </a:srgbClr>
+              </a:solidFill>
+              <a:prstDash val="solid"/>
+              <a:round/>
+            </a:ln>
+          </p:spPr>
+          <p:txBody>
+            <a:bodyPr/>
+            <a:lstStyle/>
+            <a:p/>
+          </p:txBody>
+        </p:sp>
+        <p:sp>
+          <p:nvSpPr>
+            <p:cNvPr id="107" name="pl107"/>
+            <p:cNvSpPr/>
+            <p:nvPr/>
+          </p:nvSpPr>
+          <p:spPr>
+            <a:xfrm>
+              <a:off x="7884278" y="5274097"/>
+              <a:ext cx="0" cy="34794"/>
+            </a:xfrm>
+            <a:custGeom>
+              <a:avLst/>
+              <a:pathLst>
+                <a:path w="0" h="34794">
+                  <a:moveTo>
+                    <a:pt x="0" y="34794"/>
+                  </a:moveTo>
+                  <a:lnTo>
+                    <a:pt x="0" y="0"/>
+                  </a:lnTo>
+                </a:path>
+              </a:pathLst>
+            </a:custGeom>
+            <a:ln w="13550" cap="flat">
+              <a:solidFill>
+                <a:srgbClr val="333333">
+                  <a:alpha val="100000"/>
+                </a:srgbClr>
+              </a:solidFill>
+              <a:prstDash val="solid"/>
+              <a:round/>
+            </a:ln>
+          </p:spPr>
+          <p:txBody>
+            <a:bodyPr/>
+            <a:lstStyle/>
+            <a:p/>
+          </p:txBody>
+        </p:sp>
+        <p:sp>
+          <p:nvSpPr>
+            <p:cNvPr id="108" name="pl108"/>
+            <p:cNvSpPr/>
+            <p:nvPr/>
+          </p:nvSpPr>
+          <p:spPr>
+            <a:xfrm>
+              <a:off x="8289206" y="5274097"/>
+              <a:ext cx="0" cy="34794"/>
+            </a:xfrm>
+            <a:custGeom>
+              <a:avLst/>
+              <a:pathLst>
+                <a:path w="0" h="34794">
+                  <a:moveTo>
+                    <a:pt x="0" y="34794"/>
+                  </a:moveTo>
+                  <a:lnTo>
+                    <a:pt x="0" y="0"/>
+                  </a:lnTo>
+                </a:path>
+              </a:pathLst>
+            </a:custGeom>
+            <a:ln w="13550" cap="flat">
+              <a:solidFill>
+                <a:srgbClr val="333333">
+                  <a:alpha val="100000"/>
+                </a:srgbClr>
+              </a:solidFill>
+              <a:prstDash val="solid"/>
+              <a:round/>
+            </a:ln>
+          </p:spPr>
+          <p:txBody>
+            <a:bodyPr/>
+            <a:lstStyle/>
+            <a:p/>
+          </p:txBody>
+        </p:sp>
+        <p:sp>
+          <p:nvSpPr>
+            <p:cNvPr id="109" name="pl109"/>
+            <p:cNvSpPr/>
+            <p:nvPr/>
+          </p:nvSpPr>
+          <p:spPr>
+            <a:xfrm>
+              <a:off x="8694135" y="5274097"/>
+              <a:ext cx="0" cy="34794"/>
+            </a:xfrm>
+            <a:custGeom>
+              <a:avLst/>
+              <a:pathLst>
+                <a:path w="0" h="34794">
+                  <a:moveTo>
+                    <a:pt x="0" y="34794"/>
+                  </a:moveTo>
+                  <a:lnTo>
+                    <a:pt x="0" y="0"/>
+                  </a:lnTo>
+                </a:path>
+              </a:pathLst>
+            </a:custGeom>
+            <a:ln w="13550" cap="flat">
+              <a:solidFill>
+                <a:srgbClr val="333333">
+                  <a:alpha val="100000"/>
+                </a:srgbClr>
+              </a:solidFill>
+              <a:prstDash val="solid"/>
+              <a:round/>
+            </a:ln>
+          </p:spPr>
+          <p:txBody>
+            <a:bodyPr/>
+            <a:lstStyle/>
+            <a:p/>
+          </p:txBody>
+        </p:sp>
+        <p:sp>
+          <p:nvSpPr>
+            <p:cNvPr id="110" name="tx110"/>
             <p:cNvSpPr/>
             <p:nvPr/>
           </p:nvSpPr>
@@ -6727,13 +7272,13 @@
         </p:sp>
         <p:sp>
           <p:nvSpPr>
-            <p:cNvPr id="96" name="tx96"/>
-            <p:cNvSpPr/>
-            <p:nvPr/>
-          </p:nvSpPr>
-          <p:spPr>
-            <a:xfrm>
-              <a:off x="1930784" y="4153876"/>
+            <p:cNvPr id="111" name="tx111"/>
+            <p:cNvSpPr/>
+            <p:nvPr/>
+          </p:nvSpPr>
+          <p:spPr>
+            <a:xfrm>
+              <a:off x="1930784" y="4174928"/>
               <a:ext cx="186466" cy="81691"/>
             </a:xfrm>
             <a:prstGeom prst="rect">
@@ -6773,13 +7318,13 @@
         </p:sp>
         <p:sp>
           <p:nvSpPr>
-            <p:cNvPr id="97" name="tx97"/>
-            <p:cNvSpPr/>
-            <p:nvPr/>
-          </p:nvSpPr>
-          <p:spPr>
-            <a:xfrm>
-              <a:off x="1930784" y="3232844"/>
+            <p:cNvPr id="112" name="tx112"/>
+            <p:cNvSpPr/>
+            <p:nvPr/>
+          </p:nvSpPr>
+          <p:spPr>
+            <a:xfrm>
+              <a:off x="1930784" y="3274948"/>
               <a:ext cx="186466" cy="81691"/>
             </a:xfrm>
             <a:prstGeom prst="rect">
@@ -6819,13 +7364,13 @@
         </p:sp>
         <p:sp>
           <p:nvSpPr>
-            <p:cNvPr id="98" name="tx98"/>
-            <p:cNvSpPr/>
-            <p:nvPr/>
-          </p:nvSpPr>
-          <p:spPr>
-            <a:xfrm>
-              <a:off x="1930784" y="2311757"/>
+            <p:cNvPr id="113" name="tx113"/>
+            <p:cNvSpPr/>
+            <p:nvPr/>
+          </p:nvSpPr>
+          <p:spPr>
+            <a:xfrm>
+              <a:off x="1930784" y="2374913"/>
               <a:ext cx="186466" cy="81746"/>
             </a:xfrm>
             <a:prstGeom prst="rect">
@@ -6865,7 +7410,7 @@
         </p:sp>
         <p:sp>
           <p:nvSpPr>
-            <p:cNvPr id="99" name="pl99"/>
+            <p:cNvPr id="114" name="pl114"/>
             <p:cNvSpPr/>
             <p:nvPr/>
           </p:nvSpPr>
@@ -6905,13 +7450,13 @@
         </p:sp>
         <p:sp>
           <p:nvSpPr>
-            <p:cNvPr id="100" name="pl100"/>
-            <p:cNvSpPr/>
-            <p:nvPr/>
-          </p:nvSpPr>
-          <p:spPr>
-            <a:xfrm>
-              <a:off x="2145087" y="4195568"/>
+            <p:cNvPr id="115" name="pl115"/>
+            <p:cNvSpPr/>
+            <p:nvPr/>
+          </p:nvSpPr>
+          <p:spPr>
+            <a:xfrm>
+              <a:off x="2145087" y="4216620"/>
               <a:ext cx="34794" cy="0"/>
             </a:xfrm>
             <a:custGeom>
@@ -6945,13 +7490,13 @@
         </p:sp>
         <p:sp>
           <p:nvSpPr>
-            <p:cNvPr id="101" name="pl101"/>
-            <p:cNvSpPr/>
-            <p:nvPr/>
-          </p:nvSpPr>
-          <p:spPr>
-            <a:xfrm>
-              <a:off x="2145087" y="3274535"/>
+            <p:cNvPr id="116" name="pl116"/>
+            <p:cNvSpPr/>
+            <p:nvPr/>
+          </p:nvSpPr>
+          <p:spPr>
+            <a:xfrm>
+              <a:off x="2145087" y="3316640"/>
               <a:ext cx="34794" cy="0"/>
             </a:xfrm>
             <a:custGeom>
@@ -6985,13 +7530,13 @@
         </p:sp>
         <p:sp>
           <p:nvSpPr>
-            <p:cNvPr id="102" name="pl102"/>
-            <p:cNvSpPr/>
-            <p:nvPr/>
-          </p:nvSpPr>
-          <p:spPr>
-            <a:xfrm>
-              <a:off x="2145087" y="2353503"/>
+            <p:cNvPr id="117" name="pl117"/>
+            <p:cNvSpPr/>
+            <p:nvPr/>
+          </p:nvSpPr>
+          <p:spPr>
+            <a:xfrm>
+              <a:off x="2145087" y="2416659"/>
               <a:ext cx="34794" cy="0"/>
             </a:xfrm>
             <a:custGeom>
@@ -7025,14 +7570,14 @@
         </p:sp>
         <p:sp>
           <p:nvSpPr>
-            <p:cNvPr id="103" name="rc103"/>
-            <p:cNvSpPr/>
-            <p:nvPr/>
-          </p:nvSpPr>
-          <p:spPr>
-            <a:xfrm>
-              <a:off x="4891948" y="5613598"/>
-              <a:ext cx="1333077" cy="358634"/>
+            <p:cNvPr id="118" name="rc118"/>
+            <p:cNvSpPr/>
+            <p:nvPr/>
+          </p:nvSpPr>
+          <p:spPr>
+            <a:xfrm>
+              <a:off x="3902358" y="5613598"/>
+              <a:ext cx="3312256" cy="358634"/>
             </a:xfrm>
             <a:prstGeom prst="rect">
               <a:avLst/>
@@ -7051,14 +7596,14 @@
         </p:sp>
         <p:sp>
           <p:nvSpPr>
-            <p:cNvPr id="104" name="rc104"/>
-            <p:cNvSpPr/>
-            <p:nvPr/>
-          </p:nvSpPr>
-          <p:spPr>
-            <a:xfrm>
-              <a:off x="5031126" y="5683187"/>
-              <a:ext cx="219455" cy="219455"/>
+            <p:cNvPr id="119" name="rc119"/>
+            <p:cNvSpPr/>
+            <p:nvPr/>
+          </p:nvSpPr>
+          <p:spPr>
+            <a:xfrm>
+              <a:off x="4041536" y="5683187"/>
+              <a:ext cx="219456" cy="219455"/>
             </a:xfrm>
             <a:prstGeom prst="rect">
               <a:avLst/>
@@ -7077,13 +7622,13 @@
         </p:sp>
         <p:sp>
           <p:nvSpPr>
-            <p:cNvPr id="105" name="rc105"/>
-            <p:cNvSpPr/>
-            <p:nvPr/>
-          </p:nvSpPr>
-          <p:spPr>
-            <a:xfrm>
-              <a:off x="5040126" y="5692187"/>
+            <p:cNvPr id="120" name="rc120"/>
+            <p:cNvSpPr/>
+            <p:nvPr/>
+          </p:nvSpPr>
+          <p:spPr>
+            <a:xfrm>
+              <a:off x="4050536" y="5692187"/>
               <a:ext cx="201456" cy="201456"/>
             </a:xfrm>
             <a:prstGeom prst="rect">
@@ -7103,13 +7648,13 @@
         </p:sp>
         <p:sp>
           <p:nvSpPr>
-            <p:cNvPr id="106" name="rc106"/>
-            <p:cNvSpPr/>
-            <p:nvPr/>
-          </p:nvSpPr>
-          <p:spPr>
-            <a:xfrm>
-              <a:off x="5580413" y="5683187"/>
+            <p:cNvPr id="121" name="rc121"/>
+            <p:cNvSpPr/>
+            <p:nvPr/>
+          </p:nvSpPr>
+          <p:spPr>
+            <a:xfrm>
+              <a:off x="4876801" y="5683187"/>
               <a:ext cx="219455" cy="219455"/>
             </a:xfrm>
             <a:prstGeom prst="rect">
@@ -7129,13 +7674,13 @@
         </p:sp>
         <p:sp>
           <p:nvSpPr>
-            <p:cNvPr id="107" name="rc107"/>
-            <p:cNvSpPr/>
-            <p:nvPr/>
-          </p:nvSpPr>
-          <p:spPr>
-            <a:xfrm>
-              <a:off x="5589413" y="5692187"/>
+            <p:cNvPr id="122" name="rc122"/>
+            <p:cNvSpPr/>
+            <p:nvPr/>
+          </p:nvSpPr>
+          <p:spPr>
+            <a:xfrm>
+              <a:off x="4885801" y="5692187"/>
               <a:ext cx="201456" cy="201456"/>
             </a:xfrm>
             <a:prstGeom prst="rect">
@@ -7155,14 +7700,66 @@
         </p:sp>
         <p:sp>
           <p:nvSpPr>
-            <p:cNvPr id="108" name="tx108"/>
-            <p:cNvSpPr/>
-            <p:nvPr/>
-          </p:nvSpPr>
-          <p:spPr>
-            <a:xfrm>
-              <a:off x="5320171" y="5763065"/>
-              <a:ext cx="167640" cy="69850"/>
+            <p:cNvPr id="123" name="rc123"/>
+            <p:cNvSpPr/>
+            <p:nvPr/>
+          </p:nvSpPr>
+          <p:spPr>
+            <a:xfrm>
+              <a:off x="6093371" y="5683187"/>
+              <a:ext cx="219455" cy="219455"/>
+            </a:xfrm>
+            <a:prstGeom prst="rect">
+              <a:avLst/>
+            </a:prstGeom>
+            <a:solidFill>
+              <a:srgbClr val="FFFFFF">
+                <a:alpha val="100000"/>
+              </a:srgbClr>
+            </a:solidFill>
+          </p:spPr>
+          <p:txBody>
+            <a:bodyPr/>
+            <a:lstStyle/>
+            <a:p/>
+          </p:txBody>
+        </p:sp>
+        <p:sp>
+          <p:nvSpPr>
+            <p:cNvPr id="124" name="rc124"/>
+            <p:cNvSpPr/>
+            <p:nvPr/>
+          </p:nvSpPr>
+          <p:spPr>
+            <a:xfrm>
+              <a:off x="6102371" y="5692187"/>
+              <a:ext cx="201456" cy="201456"/>
+            </a:xfrm>
+            <a:prstGeom prst="rect">
+              <a:avLst/>
+            </a:prstGeom>
+            <a:solidFill>
+              <a:srgbClr val="DE2D26">
+                <a:alpha val="100000"/>
+              </a:srgbClr>
+            </a:solidFill>
+          </p:spPr>
+          <p:txBody>
+            <a:bodyPr/>
+            <a:lstStyle/>
+            <a:p/>
+          </p:txBody>
+        </p:sp>
+        <p:sp>
+          <p:nvSpPr>
+            <p:cNvPr id="125" name="tx125"/>
+            <p:cNvSpPr/>
+            <p:nvPr/>
+          </p:nvSpPr>
+          <p:spPr>
+            <a:xfrm>
+              <a:off x="4330581" y="5763065"/>
+              <a:ext cx="419100" cy="69850"/>
             </a:xfrm>
             <a:prstGeom prst="rect">
               <a:avLst/>
@@ -7194,21 +7791,21 @@
                   <a:latin typeface="Arial"/>
                   <a:cs typeface="Arial"/>
                 </a:rPr>
-                <a:t>必要</a:t>
+                <a:t>可以不标注</a:t>
               </a:r>
             </a:p>
           </p:txBody>
         </p:sp>
         <p:sp>
           <p:nvSpPr>
-            <p:cNvPr id="109" name="tx109"/>
-            <p:cNvSpPr/>
-            <p:nvPr/>
-          </p:nvSpPr>
-          <p:spPr>
-            <a:xfrm>
-              <a:off x="5869458" y="5763065"/>
-              <a:ext cx="251460" cy="69850"/>
+            <p:cNvPr id="126" name="tx126"/>
+            <p:cNvSpPr/>
+            <p:nvPr/>
+          </p:nvSpPr>
+          <p:spPr>
+            <a:xfrm>
+              <a:off x="5165846" y="5763065"/>
+              <a:ext cx="754380" cy="69850"/>
             </a:xfrm>
             <a:prstGeom prst="rect">
               <a:avLst/>
@@ -7240,7 +7837,53 @@
                   <a:latin typeface="Arial"/>
                   <a:cs typeface="Arial"/>
                 </a:rPr>
-                <a:t>不必要</a:t>
+                <a:t>可以只标示核心菌株</a:t>
+              </a:r>
+            </a:p>
+          </p:txBody>
+        </p:sp>
+        <p:sp>
+          <p:nvSpPr>
+            <p:cNvPr id="127" name="tx127"/>
+            <p:cNvSpPr/>
+            <p:nvPr/>
+          </p:nvSpPr>
+          <p:spPr>
+            <a:xfrm>
+              <a:off x="6382416" y="5763065"/>
+              <a:ext cx="670560" cy="69850"/>
+            </a:xfrm>
+            <a:prstGeom prst="rect">
+              <a:avLst/>
+            </a:prstGeom>
+            <a:noFill/>
+          </p:spPr>
+          <p:txBody>
+            <a:bodyPr lIns="0" rIns="0" tIns="0" bIns="0" anchorCtr="1" anchor="ctr" wrap="none"/>
+            <a:lstStyle/>
+            <a:p>
+              <a:pPr algn="l" marL="0" marR="0" indent="0">
+                <a:lnSpc>
+                  <a:spcPts val="880"/>
+                </a:lnSpc>
+                <a:spcBef>
+                  <a:spcPts val="0"/>
+                </a:spcBef>
+                <a:spcAft>
+                  <a:spcPts val="0"/>
+                </a:spcAft>
+              </a:pPr>
+              <a:r>
+                <a:rPr sz="880">
+                  <a:solidFill>
+                    <a:srgbClr val="000000">
+                      <a:alpha val="100000"/>
+                    </a:srgbClr>
+                  </a:solidFill>
+                  <a:latin typeface="Arial"/>
+                  <a:cs typeface="Arial"/>
+                </a:rPr>
+                <a:t>应该标注全部菌株</a:t>
               </a:r>
             </a:p>
           </p:txBody>
